--- a/PPT FWD TNSDC 2025 (2).pptx
+++ b/PPT FWD TNSDC 2025 (2).pptx
@@ -2,22 +2,23 @@
 <file path=ppt/presentation.xml><?xml version="1.0" encoding="utf-8"?>
 <p:presentation xmlns:p="http://schemas.openxmlformats.org/presentationml/2006/main" xmlns:r="http://schemas.openxmlformats.org/officeDocument/2006/relationships" xmlns:a="http://schemas.openxmlformats.org/drawingml/2006/main">
   <p:sldMasterIdLst>
-    <p:sldMasterId id="2147483648" r:id="rId1"/>
+    <p:sldMasterId id="2147483654" r:id="rId1"/>
   </p:sldMasterIdLst>
   <p:notesMasterIdLst>
     <p:notesMasterId r:id="rId2"/>
   </p:notesMasterIdLst>
   <p:sldIdLst>
-    <p:sldId id="257" r:id="rId3"/>
-    <p:sldId id="258" r:id="rId4"/>
-    <p:sldId id="259" r:id="rId5"/>
-    <p:sldId id="260" r:id="rId6"/>
-    <p:sldId id="261" r:id="rId7"/>
-    <p:sldId id="262" r:id="rId8"/>
-    <p:sldId id="263" r:id="rId9"/>
-    <p:sldId id="264" r:id="rId10"/>
-    <p:sldId id="265" r:id="rId11"/>
-    <p:sldId id="266" r:id="rId12"/>
+    <p:sldId id="270" r:id="rId3"/>
+    <p:sldId id="271" r:id="rId4"/>
+    <p:sldId id="272" r:id="rId5"/>
+    <p:sldId id="273" r:id="rId6"/>
+    <p:sldId id="274" r:id="rId7"/>
+    <p:sldId id="275" r:id="rId8"/>
+    <p:sldId id="276" r:id="rId9"/>
+    <p:sldId id="277" r:id="rId10"/>
+    <p:sldId id="278" r:id="rId11"/>
+    <p:sldId id="279" r:id="rId12"/>
+    <p:sldId id="281" r:id="rId13"/>
   </p:sldIdLst>
   <p:sldSz type="screen16x9" cy="6858000" cx="12192000"/>
   <p:notesSz cx="12192000" cy="6858000"/>
@@ -129,7 +130,7 @@
     </p:bg>
     <p:spTree>
       <p:nvGrpSpPr>
-        <p:cNvPr id="41" name=""/>
+        <p:cNvPr id="44" name=""/>
         <p:cNvGrpSpPr/>
         <p:nvPr/>
       </p:nvGrpSpPr>
@@ -143,7 +144,7 @@
       </p:grpSpPr>
       <p:sp>
         <p:nvSpPr>
-          <p:cNvPr id="1048702" name="Header Placeholder 1"/>
+          <p:cNvPr id="1048694" name="Header Placeholder 1"/>
           <p:cNvSpPr>
             <a:spLocks noGrp="1"/>
           </p:cNvSpPr>
@@ -172,7 +173,7 @@
       </p:sp>
       <p:sp>
         <p:nvSpPr>
-          <p:cNvPr id="1048703" name="Date Placeholder 2"/>
+          <p:cNvPr id="1048695" name="Date Placeholder 2"/>
           <p:cNvSpPr>
             <a:spLocks noGrp="1"/>
           </p:cNvSpPr>
@@ -205,7 +206,7 @@
       </p:sp>
       <p:sp>
         <p:nvSpPr>
-          <p:cNvPr id="1048704" name="Slide Image Placeholder 3"/>
+          <p:cNvPr id="1048696" name="Slide Image Placeholder 3"/>
           <p:cNvSpPr>
             <a:spLocks noChangeAspect="1" noRot="1" noGrp="1"/>
           </p:cNvSpPr>
@@ -235,7 +236,7 @@
       </p:sp>
       <p:sp>
         <p:nvSpPr>
-          <p:cNvPr id="1048705" name="Notes Placeholder 4"/>
+          <p:cNvPr id="1048697" name="Notes Placeholder 4"/>
           <p:cNvSpPr>
             <a:spLocks noGrp="1"/>
           </p:cNvSpPr>
@@ -292,7 +293,7 @@
       </p:sp>
       <p:sp>
         <p:nvSpPr>
-          <p:cNvPr id="1048706" name="Footer Placeholder 5"/>
+          <p:cNvPr id="1048698" name="Footer Placeholder 5"/>
           <p:cNvSpPr>
             <a:spLocks noGrp="1"/>
           </p:cNvSpPr>
@@ -321,7 +322,7 @@
       </p:sp>
       <p:sp>
         <p:nvSpPr>
-          <p:cNvPr id="1048707" name="Slide Number Placeholder 6"/>
+          <p:cNvPr id="1048699" name="Slide Number Placeholder 6"/>
           <p:cNvSpPr>
             <a:spLocks noGrp="1"/>
           </p:cNvSpPr>
@@ -557,7 +558,7 @@
         <p:spPr>
           <a:xfrm>
             <a:off x="3195574" y="2067305"/>
-            <a:ext cx="5800851" cy="457200"/>
+            <a:ext cx="5800851" cy="518160"/>
           </a:xfrm>
           <a:prstGeom prst="rect"/>
         </p:spPr>
@@ -592,7 +593,7 @@
         <p:spPr>
           <a:xfrm>
             <a:off x="1828800" y="3840480"/>
-            <a:ext cx="8534400" cy="254000"/>
+            <a:ext cx="8534400" cy="1714500"/>
           </a:xfrm>
           <a:prstGeom prst="rect"/>
         </p:spPr>
@@ -717,7 +718,7 @@
   <p:cSld name="Title and Content">
     <p:spTree>
       <p:nvGrpSpPr>
-        <p:cNvPr id="38" name=""/>
+        <p:cNvPr id="41" name=""/>
         <p:cNvGrpSpPr/>
         <p:nvPr/>
       </p:nvGrpSpPr>
@@ -731,7 +732,7 @@
       </p:grpSpPr>
       <p:sp>
         <p:nvSpPr>
-          <p:cNvPr id="1048688" name="Holder 2"/>
+          <p:cNvPr id="1048680" name="Holder 2"/>
           <p:cNvSpPr>
             <a:spLocks noGrp="1"/>
           </p:cNvSpPr>
@@ -739,12 +740,7 @@
             <p:ph type="title"/>
           </p:nvPr>
         </p:nvSpPr>
-        <p:spPr>
-          <a:xfrm>
-            <a:off x="755332" y="385444"/>
-            <a:ext cx="10681335" cy="673101"/>
-          </a:xfrm>
-        </p:spPr>
+        <p:spPr/>
         <p:txBody>
           <a:bodyPr bIns="0" lIns="0" rIns="0" tIns="0"/>
           <a:lstStyle>
@@ -763,7 +759,7 @@
       </p:sp>
       <p:sp>
         <p:nvSpPr>
-          <p:cNvPr id="1048689" name="Holder 3"/>
+          <p:cNvPr id="1048681" name="Holder 3"/>
           <p:cNvSpPr>
             <a:spLocks noGrp="1"/>
           </p:cNvSpPr>
@@ -771,12 +767,7 @@
             <p:ph type="body" idx="1"/>
           </p:nvPr>
         </p:nvSpPr>
-        <p:spPr>
-          <a:xfrm>
-            <a:off x="609600" y="1577340"/>
-            <a:ext cx="10972800" cy="254000"/>
-          </a:xfrm>
-        </p:spPr>
+        <p:spPr/>
         <p:txBody>
           <a:bodyPr bIns="0" lIns="0" rIns="0" tIns="0"/>
           <a:p/>
@@ -784,7 +775,7 @@
       </p:sp>
       <p:sp>
         <p:nvSpPr>
-          <p:cNvPr id="1048690" name="Holder 4"/>
+          <p:cNvPr id="1048682" name="Holder 4"/>
           <p:cNvSpPr>
             <a:spLocks noGrp="1"/>
           </p:cNvSpPr>
@@ -811,7 +802,7 @@
       </p:sp>
       <p:sp>
         <p:nvSpPr>
-          <p:cNvPr id="1048691" name="Holder 5"/>
+          <p:cNvPr id="1048683" name="Holder 5"/>
           <p:cNvSpPr>
             <a:spLocks noGrp="1"/>
           </p:cNvSpPr>
@@ -844,7 +835,7 @@
       </p:sp>
       <p:sp>
         <p:nvSpPr>
-          <p:cNvPr id="1048692" name="Holder 6"/>
+          <p:cNvPr id="1048684" name="Holder 6"/>
           <p:cNvSpPr>
             <a:spLocks noGrp="1"/>
           </p:cNvSpPr>
@@ -896,7 +887,7 @@
   <p:cSld name="Two Content">
     <p:spTree>
       <p:nvGrpSpPr>
-        <p:cNvPr id="39" name=""/>
+        <p:cNvPr id="42" name=""/>
         <p:cNvGrpSpPr/>
         <p:nvPr/>
       </p:nvGrpSpPr>
@@ -910,7 +901,7 @@
       </p:grpSpPr>
       <p:sp>
         <p:nvSpPr>
-          <p:cNvPr id="1048693" name="Holder 2"/>
+          <p:cNvPr id="1048685" name="Holder 2"/>
           <p:cNvSpPr>
             <a:spLocks noGrp="1"/>
           </p:cNvSpPr>
@@ -918,12 +909,7 @@
             <p:ph type="title"/>
           </p:nvPr>
         </p:nvSpPr>
-        <p:spPr>
-          <a:xfrm>
-            <a:off x="755332" y="385444"/>
-            <a:ext cx="10681335" cy="673101"/>
-          </a:xfrm>
-        </p:spPr>
+        <p:spPr/>
         <p:txBody>
           <a:bodyPr bIns="0" lIns="0" rIns="0" tIns="0"/>
           <a:lstStyle>
@@ -942,7 +928,7 @@
       </p:sp>
       <p:sp>
         <p:nvSpPr>
-          <p:cNvPr id="1048694" name="Holder 3"/>
+          <p:cNvPr id="1048686" name="Holder 3"/>
           <p:cNvSpPr>
             <a:spLocks noGrp="1"/>
           </p:cNvSpPr>
@@ -953,7 +939,7 @@
         <p:spPr>
           <a:xfrm>
             <a:off x="609600" y="1577340"/>
-            <a:ext cx="5303520" cy="254000"/>
+            <a:ext cx="5303520" cy="4526280"/>
           </a:xfrm>
           <a:prstGeom prst="rect"/>
         </p:spPr>
@@ -966,7 +952,7 @@
       </p:sp>
       <p:sp>
         <p:nvSpPr>
-          <p:cNvPr id="1048695" name="Holder 4"/>
+          <p:cNvPr id="1048687" name="Holder 4"/>
           <p:cNvSpPr>
             <a:spLocks noGrp="1"/>
           </p:cNvSpPr>
@@ -977,7 +963,7 @@
         <p:spPr>
           <a:xfrm>
             <a:off x="6278880" y="1577340"/>
-            <a:ext cx="5303520" cy="254000"/>
+            <a:ext cx="5303520" cy="4526280"/>
           </a:xfrm>
           <a:prstGeom prst="rect"/>
         </p:spPr>
@@ -990,7 +976,7 @@
       </p:sp>
       <p:sp>
         <p:nvSpPr>
-          <p:cNvPr id="1048696" name="Holder 5"/>
+          <p:cNvPr id="1048688" name="Holder 5"/>
           <p:cNvSpPr>
             <a:spLocks noGrp="1"/>
           </p:cNvSpPr>
@@ -1017,7 +1003,7 @@
       </p:sp>
       <p:sp>
         <p:nvSpPr>
-          <p:cNvPr id="1048697" name="Holder 6"/>
+          <p:cNvPr id="1048689" name="Holder 6"/>
           <p:cNvSpPr>
             <a:spLocks noGrp="1"/>
           </p:cNvSpPr>
@@ -1050,7 +1036,7 @@
       </p:sp>
       <p:sp>
         <p:nvSpPr>
-          <p:cNvPr id="1048698" name="Holder 7"/>
+          <p:cNvPr id="1048690" name="Holder 7"/>
           <p:cNvSpPr>
             <a:spLocks noGrp="1"/>
           </p:cNvSpPr>
@@ -1102,7 +1088,7 @@
   <p:cSld name="Title Only">
     <p:spTree>
       <p:nvGrpSpPr>
-        <p:cNvPr id="23" name=""/>
+        <p:cNvPr id="24" name=""/>
         <p:cNvGrpSpPr/>
         <p:nvPr/>
       </p:nvGrpSpPr>
@@ -1124,12 +1110,7 @@
             <p:ph type="title"/>
           </p:nvPr>
         </p:nvSpPr>
-        <p:spPr>
-          <a:xfrm>
-            <a:off x="755332" y="385444"/>
-            <a:ext cx="10681335" cy="673101"/>
-          </a:xfrm>
-        </p:spPr>
+        <p:spPr/>
         <p:txBody>
           <a:bodyPr bIns="0" lIns="0" rIns="0" tIns="0"/>
           <a:lstStyle>
@@ -1260,7 +1241,7 @@
   <p:cSld name="Blank">
     <p:spTree>
       <p:nvGrpSpPr>
-        <p:cNvPr id="40" name=""/>
+        <p:cNvPr id="43" name=""/>
         <p:cNvGrpSpPr/>
         <p:nvPr/>
       </p:nvGrpSpPr>
@@ -1274,7 +1255,7 @@
       </p:grpSpPr>
       <p:sp>
         <p:nvSpPr>
-          <p:cNvPr id="1048699" name="Holder 2"/>
+          <p:cNvPr id="1048691" name="Holder 2"/>
           <p:cNvSpPr>
             <a:spLocks noGrp="1"/>
           </p:cNvSpPr>
@@ -1301,7 +1282,7 @@
       </p:sp>
       <p:sp>
         <p:nvSpPr>
-          <p:cNvPr id="1048700" name="Holder 3"/>
+          <p:cNvPr id="1048692" name="Holder 3"/>
           <p:cNvSpPr>
             <a:spLocks noGrp="1"/>
           </p:cNvSpPr>
@@ -1334,7 +1315,7 @@
       </p:sp>
       <p:sp>
         <p:nvSpPr>
-          <p:cNvPr id="1048701" name="Holder 4"/>
+          <p:cNvPr id="1048693" name="Holder 4"/>
           <p:cNvSpPr>
             <a:spLocks noGrp="1"/>
           </p:cNvSpPr>
@@ -2035,11 +2016,11 @@
   </p:cSld>
   <p:clrMap accent1="accent1" accent2="accent2" accent3="accent3" accent4="accent4" accent5="accent5" accent6="accent6" bg1="lt1" bg2="lt2" tx1="dk1" tx2="dk2" hlink="hlink" folHlink="folHlink"/>
   <p:sldLayoutIdLst>
-    <p:sldLayoutId id="2147483649" r:id="rId1"/>
-    <p:sldLayoutId id="2147483650" r:id="rId2"/>
-    <p:sldLayoutId id="2147483651" r:id="rId3"/>
-    <p:sldLayoutId id="2147483652" r:id="rId4"/>
-    <p:sldLayoutId id="2147483653" r:id="rId5"/>
+    <p:sldLayoutId id="2147483655" r:id="rId1"/>
+    <p:sldLayoutId id="2147483656" r:id="rId2"/>
+    <p:sldLayoutId id="2147483657" r:id="rId3"/>
+    <p:sldLayoutId id="2147483658" r:id="rId4"/>
+    <p:sldLayoutId id="2147483659" r:id="rId5"/>
   </p:sldLayoutIdLst>
   <p:txStyles>
     <p:titleStyle>
@@ -2505,10 +2486,6 @@
           </p:nvPr>
         </p:nvSpPr>
         <p:spPr>
-          <a:xfrm>
-            <a:off x="11353418" y="6473337"/>
-            <a:ext cx="151129" cy="159385"/>
-          </a:xfrm>
           <a:prstGeom prst="rect"/>
         </p:spPr>
         <p:txBody>
@@ -2555,47 +2532,6 @@
               <a:rPr dirty="0" sz="2400" lang="en-US"/>
               <a:t>STUDENT NAME: </a:t>
             </a:r>
-            <a:r>
-              <a:rPr altLang="en-IN" dirty="0" sz="2400" lang="en-US"/>
-              <a:t>p</a:t>
-            </a:r>
-            <a:r>
-              <a:rPr altLang="en-IN" dirty="0" sz="2400" lang="en-US"/>
-              <a:t>.</a:t>
-            </a:r>
-            <a:r>
-              <a:rPr altLang="en-IN" dirty="0" sz="2400" lang="en-US"/>
-              <a:t> </a:t>
-            </a:r>
-            <a:r>
-              <a:rPr altLang="en-IN" dirty="0" sz="2400" lang="en-US"/>
-              <a:t>B</a:t>
-            </a:r>
-            <a:r>
-              <a:rPr altLang="en-IN" dirty="0" sz="2400" lang="en-US"/>
-              <a:t>h</a:t>
-            </a:r>
-            <a:r>
-              <a:rPr altLang="en-IN" dirty="0" sz="2400" lang="en-US"/>
-              <a:t>a</a:t>
-            </a:r>
-            <a:r>
-              <a:rPr altLang="en-IN" dirty="0" sz="2400" lang="en-US"/>
-              <a:t>v</a:t>
-            </a:r>
-            <a:r>
-              <a:rPr altLang="en-IN" dirty="0" sz="2400" lang="en-US"/>
-              <a:t>a</a:t>
-            </a:r>
-            <a:r>
-              <a:rPr altLang="en-IN" dirty="0" sz="2400" lang="en-US"/>
-              <a:t>n</a:t>
-            </a:r>
-            <a:r>
-              <a:rPr altLang="en-IN" dirty="0" sz="2400" lang="en-US"/>
-              <a:t>i</a:t>
-            </a:r>
-            <a:endParaRPr altLang="en-US" lang="zh-CN"/>
           </a:p>
           <a:p>
             <a:r>
@@ -2604,22 +2540,42 @@
             </a:r>
             <a:r>
               <a:rPr altLang="en-IN" dirty="0" sz="2400" lang="en-US"/>
+              <a:t>a</a:t>
+            </a:r>
+            <a:r>
+              <a:rPr altLang="en-IN" dirty="0" sz="2400" lang="en-US"/>
+              <a:t>u</a:t>
+            </a:r>
+            <a:r>
+              <a:rPr altLang="en-IN" dirty="0" sz="2400" lang="en-US"/>
+              <a:t>t</a:t>
+            </a:r>
+            <a:r>
+              <a:rPr altLang="en-IN" dirty="0" sz="2400" lang="en-US"/>
+              <a:t>a</a:t>
+            </a:r>
+            <a:r>
+              <a:rPr altLang="en-IN" dirty="0" sz="2400" lang="en-US"/>
+              <a:t>n</a:t>
+            </a:r>
+            <a:r>
+              <a:rPr altLang="en-IN" dirty="0" sz="2400" lang="en-US"/>
+              <a:t>m</a:t>
+            </a:r>
+            <a:r>
+              <a:rPr altLang="en-IN" dirty="0" sz="2400" lang="en-US"/>
               <a:t>2</a:t>
             </a:r>
             <a:r>
               <a:rPr altLang="en-IN" dirty="0" sz="2400" lang="en-US"/>
+              <a:t>0</a:t>
+            </a:r>
+            <a:r>
+              <a:rPr altLang="en-IN" dirty="0" sz="2400" lang="en-US"/>
               <a:t>4</a:t>
             </a:r>
             <a:r>
               <a:rPr altLang="en-IN" dirty="0" sz="2400" lang="en-US"/>
-              <a:t>1</a:t>
-            </a:r>
-            <a:r>
-              <a:rPr altLang="en-IN" dirty="0" sz="2400" lang="en-US"/>
-              <a:t>3</a:t>
-            </a:r>
-            <a:r>
-              <a:rPr altLang="en-IN" dirty="0" sz="2400" lang="en-US"/>
               <a:t>2</a:t>
             </a:r>
             <a:r>
@@ -2632,31 +2588,19 @@
             </a:r>
             <a:r>
               <a:rPr altLang="en-IN" dirty="0" sz="2400" lang="en-US"/>
-              <a:t>1</a:t>
-            </a:r>
-            <a:r>
-              <a:rPr altLang="en-IN" dirty="0" sz="2400" lang="en-US"/>
-              <a:t>8</a:t>
-            </a:r>
-            <a:r>
-              <a:rPr altLang="en-IN" dirty="0" sz="2400" lang="en-US"/>
-              <a:t>0</a:t>
-            </a:r>
-            <a:r>
-              <a:rPr altLang="en-IN" dirty="0" sz="2400" lang="en-US"/>
-              <a:t>2</a:t>
-            </a:r>
-            <a:r>
-              <a:rPr altLang="en-IN" dirty="0" sz="2400" lang="en-US"/>
-              <a:t>5</a:t>
-            </a:r>
-            <a:r>
-              <a:rPr altLang="en-IN" dirty="0" sz="2400" lang="en-US"/>
-              <a:t>2</a:t>
-            </a:r>
-            <a:r>
-              <a:rPr altLang="en-IN" dirty="0" sz="2400" lang="en-US"/>
-              <a:t>2</a:t>
+              <a:t>u</a:t>
+            </a:r>
+            <a:r>
+              <a:rPr altLang="en-IN" dirty="0" sz="2400" lang="en-US"/>
+              <a:t>c</a:t>
+            </a:r>
+            <a:r>
+              <a:rPr altLang="en-IN" dirty="0" sz="2400" lang="en-US"/>
+              <a:t>s</a:t>
+            </a:r>
+            <a:r>
+              <a:rPr altLang="en-IN" dirty="0" sz="2400" lang="en-US"/>
+              <a:t>u</a:t>
             </a:r>
             <a:r>
               <a:rPr altLang="en-IN" dirty="0" sz="2400" lang="en-US"/>
@@ -2677,7 +2621,7 @@
           <a:p>
             <a:r>
               <a:rPr dirty="0" sz="2400" lang="en-US"/>
-              <a:t>DEPARTMENT:</a:t>
+              <a:t>DEPARTMENT: </a:t>
             </a:r>
             <a:r>
               <a:rPr altLang="en-IN" dirty="0" sz="2400" lang="en-US"/>
@@ -2685,6 +2629,14 @@
             </a:r>
             <a:r>
               <a:rPr altLang="en-IN" dirty="0" sz="2400" lang="en-US"/>
+              <a:t>S</a:t>
+            </a:r>
+            <a:r>
+              <a:rPr altLang="en-IN" dirty="0" sz="2400" lang="en-US"/>
+              <a:t>C</a:t>
+            </a:r>
+            <a:r>
+              <a:rPr altLang="en-IN" dirty="0" sz="2400" lang="en-US"/>
               <a:t>.</a:t>
             </a:r>
             <a:r>
@@ -2693,47 +2645,67 @@
             </a:r>
             <a:r>
               <a:rPr altLang="en-IN" dirty="0" sz="2400" lang="en-US"/>
-              <a:t>S</a:t>
-            </a:r>
-            <a:r>
-              <a:rPr altLang="en-IN" dirty="0" sz="2400" lang="en-US"/>
               <a:t>C</a:t>
             </a:r>
             <a:r>
               <a:rPr altLang="en-IN" dirty="0" sz="2400" lang="en-US"/>
-              <a:t> </a:t>
-            </a:r>
-            <a:r>
-              <a:rPr altLang="en-IN" dirty="0" sz="2400" lang="en-US"/>
-              <a:t>C</a:t>
-            </a:r>
-            <a:r>
-              <a:rPr altLang="en-IN" dirty="0" sz="2400" lang="en-US"/>
-              <a:t>O</a:t>
-            </a:r>
-            <a:r>
-              <a:rPr altLang="en-IN" dirty="0" sz="2400" lang="en-US"/>
-              <a:t>M</a:t>
-            </a:r>
-            <a:r>
-              <a:rPr altLang="en-IN" dirty="0" sz="2400" lang="en-US"/>
-              <a:t>PUTER</a:t>
-            </a:r>
-            <a:r>
-              <a:rPr altLang="en-IN" dirty="0" sz="2400" lang="en-US"/>
-              <a:t> </a:t>
-            </a:r>
-            <a:r>
-              <a:rPr altLang="en-IN" dirty="0" sz="2400" lang="en-US"/>
-              <a:t>S</a:t>
-            </a:r>
-            <a:r>
-              <a:rPr altLang="en-IN" dirty="0" sz="2400" lang="en-US"/>
-              <a:t>C</a:t>
-            </a:r>
-            <a:r>
-              <a:rPr altLang="en-IN" dirty="0" sz="2400" lang="en-US"/>
-              <a:t>IENCE</a:t>
+              <a:t>o</a:t>
+            </a:r>
+            <a:r>
+              <a:rPr altLang="en-IN" dirty="0" sz="2400" lang="en-US"/>
+              <a:t>m</a:t>
+            </a:r>
+            <a:r>
+              <a:rPr altLang="en-IN" dirty="0" sz="2400" lang="en-US"/>
+              <a:t>p</a:t>
+            </a:r>
+            <a:r>
+              <a:rPr altLang="en-IN" dirty="0" sz="2400" lang="en-US"/>
+              <a:t>u</a:t>
+            </a:r>
+            <a:r>
+              <a:rPr altLang="en-IN" dirty="0" sz="2400" lang="en-US"/>
+              <a:t>t</a:t>
+            </a:r>
+            <a:r>
+              <a:rPr altLang="en-IN" dirty="0" sz="2400" lang="en-US"/>
+              <a:t>e</a:t>
+            </a:r>
+            <a:r>
+              <a:rPr altLang="en-IN" dirty="0" sz="2400" lang="en-US"/>
+              <a:t>r</a:t>
+            </a:r>
+            <a:r>
+              <a:rPr altLang="en-IN" dirty="0" sz="2400" lang="en-US"/>
+              <a:t> </a:t>
+            </a:r>
+            <a:r>
+              <a:rPr altLang="en-IN" dirty="0" sz="2400" lang="en-US"/>
+              <a:t>s</a:t>
+            </a:r>
+            <a:r>
+              <a:rPr altLang="en-IN" dirty="0" sz="2400" lang="en-US"/>
+              <a:t>c</a:t>
+            </a:r>
+            <a:r>
+              <a:rPr altLang="en-IN" dirty="0" sz="2400" lang="en-US"/>
+              <a:t>i</a:t>
+            </a:r>
+            <a:r>
+              <a:rPr altLang="en-IN" dirty="0" sz="2400" lang="en-US"/>
+              <a:t>e</a:t>
+            </a:r>
+            <a:r>
+              <a:rPr altLang="en-IN" dirty="0" sz="2400" lang="en-US"/>
+              <a:t>n</a:t>
+            </a:r>
+            <a:r>
+              <a:rPr altLang="en-IN" dirty="0" sz="2400" lang="en-US"/>
+              <a:t>c</a:t>
+            </a:r>
+            <a:r>
+              <a:rPr altLang="en-IN" dirty="0" sz="2400" lang="en-US"/>
+              <a:t>e</a:t>
             </a:r>
             <a:endParaRPr altLang="en-US" lang="zh-CN"/>
           </a:p>
@@ -2744,7 +2716,7 @@
             </a:r>
             <a:r>
               <a:rPr altLang="en-IN" dirty="0" sz="2400" lang="en-US"/>
-              <a:t>:</a:t>
+              <a:t> </a:t>
             </a:r>
             <a:r>
               <a:rPr altLang="en-IN" dirty="0" sz="2400" lang="en-US"/>
@@ -2752,47 +2724,191 @@
             </a:r>
             <a:r>
               <a:rPr altLang="en-IN" dirty="0" sz="2400" lang="en-US"/>
+              <a:t>R</a:t>
+            </a:r>
+            <a:r>
+              <a:rPr altLang="en-IN" dirty="0" sz="2400" lang="en-US"/>
               <a:t>I</a:t>
             </a:r>
             <a:r>
               <a:rPr altLang="en-IN" dirty="0" sz="2400" lang="en-US"/>
+              <a:t>M</a:t>
+            </a:r>
+            <a:r>
+              <a:rPr altLang="en-IN" dirty="0" sz="2400" lang="en-US"/>
+              <a:t>A</a:t>
+            </a:r>
+            <a:r>
+              <a:rPr altLang="en-IN" dirty="0" sz="2400" lang="en-US"/>
+              <a:t>T</a:t>
+            </a:r>
+            <a:r>
+              <a:rPr altLang="en-IN" dirty="0" sz="2400" lang="en-US"/>
+              <a:t>H</a:t>
+            </a:r>
+            <a:r>
+              <a:rPr altLang="en-IN" dirty="0" sz="2400" lang="en-US"/>
+              <a:t> </a:t>
+            </a:r>
+            <a:r>
+              <a:rPr altLang="en-IN" dirty="0" sz="2400" lang="en-US"/>
+              <a:t>S</a:t>
+            </a:r>
+            <a:r>
+              <a:rPr altLang="en-IN" dirty="0" sz="2400" lang="en-US"/>
+              <a:t>I</a:t>
+            </a:r>
+            <a:r>
+              <a:rPr altLang="en-IN" dirty="0" sz="2400" lang="en-US"/>
+              <a:t>V</a:t>
+            </a:r>
+            <a:r>
+              <a:rPr altLang="en-IN" dirty="0" sz="2400" lang="en-US"/>
+              <a:t>A</a:t>
+            </a:r>
+            <a:r>
+              <a:rPr altLang="en-IN" dirty="0" sz="2400" lang="en-US"/>
+              <a:t>G</a:t>
+            </a:r>
+            <a:r>
+              <a:rPr altLang="en-IN" dirty="0" sz="2400" lang="en-US"/>
+              <a:t>A</a:t>
+            </a:r>
+            <a:r>
+              <a:rPr altLang="en-IN" dirty="0" sz="2400" lang="en-US"/>
+              <a:t>N</a:t>
+            </a:r>
+            <a:r>
+              <a:rPr altLang="en-IN" dirty="0" sz="2400" lang="en-US"/>
+              <a:t>A</a:t>
+            </a:r>
+            <a:r>
+              <a:rPr altLang="en-IN" dirty="0" sz="2400" lang="en-US"/>
+              <a:t> </a:t>
+            </a:r>
+            <a:r>
+              <a:rPr altLang="en-IN" dirty="0" sz="2400" lang="en-US"/>
+              <a:t>B</a:t>
+            </a:r>
+            <a:r>
+              <a:rPr altLang="en-IN" dirty="0" sz="2400" lang="en-US"/>
+              <a:t>A</a:t>
+            </a:r>
+            <a:r>
+              <a:rPr altLang="en-IN" dirty="0" sz="2400" lang="en-US"/>
+              <a:t>L</a:t>
+            </a:r>
+            <a:r>
+              <a:rPr altLang="en-IN" dirty="0" sz="2400" lang="en-US"/>
+              <a:t>A</a:t>
+            </a:r>
+            <a:r>
+              <a:rPr altLang="en-IN" dirty="0" sz="2400" lang="en-US"/>
+              <a:t>Y</a:t>
+            </a:r>
+            <a:r>
+              <a:rPr altLang="en-IN" dirty="0" sz="2400" lang="en-US"/>
+              <a:t>A</a:t>
+            </a:r>
+            <a:r>
+              <a:rPr altLang="en-IN" dirty="0" sz="2400" lang="en-US"/>
+              <a:t> </a:t>
+            </a:r>
+            <a:r>
+              <a:rPr altLang="en-IN" dirty="0" sz="2400" lang="en-US"/>
+              <a:t>S</a:t>
+            </a:r>
+            <a:r>
+              <a:rPr altLang="en-IN" dirty="0" sz="2400" lang="en-US"/>
+              <a:t>W</a:t>
+            </a:r>
+            <a:r>
+              <a:rPr altLang="en-IN" dirty="0" sz="2400" lang="en-US"/>
+              <a:t>A</a:t>
+            </a:r>
+            <a:r>
+              <a:rPr altLang="en-IN" dirty="0" sz="2400" lang="en-US"/>
+              <a:t>M</a:t>
+            </a:r>
+            <a:r>
+              <a:rPr altLang="en-IN" dirty="0" sz="2400" lang="en-US"/>
+              <a:t>I</a:t>
+            </a:r>
+            <a:r>
+              <a:rPr altLang="en-IN" dirty="0" sz="2400" lang="en-US"/>
+              <a:t>G</a:t>
+            </a:r>
+            <a:r>
+              <a:rPr altLang="en-IN" dirty="0" sz="2400" lang="en-US"/>
+              <a:t>A</a:t>
+            </a:r>
+            <a:r>
+              <a:rPr altLang="en-IN" dirty="0" sz="2400" lang="en-US"/>
+              <a:t>L</a:t>
+            </a:r>
+            <a:r>
+              <a:rPr altLang="en-IN" dirty="0" sz="2400" lang="en-US"/>
+              <a:t> </a:t>
+            </a:r>
+            <a:r>
+              <a:rPr altLang="en-IN" dirty="0" sz="2400" lang="en-US"/>
+              <a:t>T</a:t>
+            </a:r>
+            <a:r>
+              <a:rPr altLang="en-IN" dirty="0" sz="2400" lang="en-US"/>
+              <a:t>A</a:t>
+            </a:r>
+            <a:r>
+              <a:rPr altLang="en-IN" dirty="0" sz="2400" lang="en-US"/>
+              <a:t>M</a:t>
+            </a:r>
+            <a:r>
+              <a:rPr altLang="en-IN" dirty="0" sz="2400" lang="en-US"/>
+              <a:t>I</a:t>
+            </a:r>
+            <a:r>
+              <a:rPr altLang="en-IN" dirty="0" sz="2400" lang="en-US"/>
+              <a:t>L</a:t>
+            </a:r>
+            <a:r>
+              <a:rPr altLang="en-IN" dirty="0" sz="2400" lang="en-US"/>
+              <a:t> </a:t>
+            </a:r>
+            <a:r>
+              <a:rPr altLang="en-IN" dirty="0" sz="2400" lang="en-US"/>
+              <a:t>A</a:t>
+            </a:r>
+            <a:r>
+              <a:rPr altLang="en-IN" dirty="0" sz="2400" lang="en-US"/>
               <a:t>R</a:t>
             </a:r>
             <a:r>
               <a:rPr altLang="en-IN" dirty="0" sz="2400" lang="en-US"/>
-              <a:t>M</a:t>
-            </a:r>
-            <a:r>
-              <a:rPr altLang="en-IN" dirty="0" sz="2400" lang="en-US"/>
-              <a:t>A</a:t>
-            </a:r>
-            <a:r>
-              <a:rPr altLang="en-IN" dirty="0" sz="2400" lang="en-US"/>
               <a:t>T</a:t>
             </a:r>
             <a:r>
               <a:rPr altLang="en-IN" dirty="0" sz="2400" lang="en-US"/>
-              <a:t>H</a:t>
-            </a:r>
-            <a:r>
-              <a:rPr altLang="en-IN" dirty="0" sz="2400" lang="en-US"/>
-              <a:t> </a:t>
-            </a:r>
-            <a:r>
-              <a:rPr altLang="en-IN" dirty="0" sz="2400" lang="en-US"/>
               <a:t>S</a:t>
             </a:r>
             <a:r>
               <a:rPr altLang="en-IN" dirty="0" sz="2400" lang="en-US"/>
+              <a:t> </a:t>
+            </a:r>
+            <a:r>
+              <a:rPr altLang="en-IN" dirty="0" sz="2400" lang="en-US"/>
+              <a:t>S</a:t>
+            </a:r>
+            <a:r>
+              <a:rPr altLang="en-IN" dirty="0" sz="2400" lang="en-US"/>
+              <a:t>C</a:t>
+            </a:r>
+            <a:r>
+              <a:rPr altLang="en-IN" dirty="0" sz="2400" lang="en-US"/>
               <a:t>I</a:t>
             </a:r>
             <a:r>
               <a:rPr altLang="en-IN" dirty="0" sz="2400" lang="en-US"/>
-              <a:t>V</a:t>
-            </a:r>
-            <a:r>
-              <a:rPr altLang="en-IN" dirty="0" sz="2400" lang="en-US"/>
-              <a:t>A</a:t>
+              <a:t>E</a:t>
             </a:r>
             <a:r>
               <a:rPr altLang="en-IN" dirty="0" sz="2400" lang="en-US"/>
@@ -2800,19 +2916,23 @@
             </a:r>
             <a:r>
               <a:rPr altLang="en-IN" dirty="0" sz="2400" lang="en-US"/>
-              <a:t>A</a:t>
-            </a:r>
-            <a:r>
-              <a:rPr altLang="en-IN" dirty="0" sz="2400" lang="en-US"/>
-              <a:t> </a:t>
-            </a:r>
-            <a:r>
-              <a:rPr altLang="en-IN" dirty="0" sz="2400" lang="en-US"/>
-              <a:t>B</a:t>
-            </a:r>
-            <a:r>
-              <a:rPr altLang="en-IN" dirty="0" sz="2400" lang="en-US"/>
-              <a:t>A</a:t>
+              <a:t>C</a:t>
+            </a:r>
+            <a:r>
+              <a:rPr altLang="en-IN" dirty="0" sz="2400" lang="en-US"/>
+              <a:t>E</a:t>
+            </a:r>
+            <a:r>
+              <a:rPr altLang="en-IN" dirty="0" sz="2400" lang="en-US"/>
+              <a:t> </a:t>
+            </a:r>
+            <a:r>
+              <a:rPr altLang="en-IN" dirty="0" sz="2400" lang="en-US"/>
+              <a:t>C</a:t>
+            </a:r>
+            <a:r>
+              <a:rPr altLang="en-IN" dirty="0" sz="2400" lang="en-US"/>
+              <a:t>O</a:t>
             </a:r>
             <a:r>
               <a:rPr altLang="en-IN" dirty="0" sz="2400" lang="en-US"/>
@@ -2820,35 +2940,11 @@
             </a:r>
             <a:r>
               <a:rPr altLang="en-IN" dirty="0" sz="2400" lang="en-US"/>
-              <a:t>A</a:t>
-            </a:r>
-            <a:r>
-              <a:rPr altLang="en-IN" dirty="0" sz="2400" lang="en-US"/>
-              <a:t>Y</a:t>
-            </a:r>
-            <a:r>
-              <a:rPr altLang="en-IN" dirty="0" sz="2400" lang="en-US"/>
-              <a:t>A</a:t>
-            </a:r>
-            <a:r>
-              <a:rPr altLang="en-IN" dirty="0" sz="2400" lang="en-US"/>
-              <a:t>S</a:t>
-            </a:r>
-            <a:r>
-              <a:rPr altLang="en-IN" dirty="0" sz="2400" lang="en-US"/>
-              <a:t>W</a:t>
-            </a:r>
-            <a:r>
-              <a:rPr altLang="en-IN" dirty="0" sz="2400" lang="en-US"/>
-              <a:t>A</a:t>
-            </a:r>
-            <a:r>
-              <a:rPr altLang="en-IN" dirty="0" sz="2400" lang="en-US"/>
-              <a:t>M</a:t>
-            </a:r>
-            <a:r>
-              <a:rPr altLang="en-IN" dirty="0" sz="2400" lang="en-US"/>
-              <a:t>I</a:t>
+              <a:t>L</a:t>
+            </a:r>
+            <a:r>
+              <a:rPr altLang="en-IN" dirty="0" sz="2400" lang="en-US"/>
+              <a:t>E</a:t>
             </a:r>
             <a:r>
               <a:rPr altLang="en-IN" dirty="0" sz="2400" lang="en-US"/>
@@ -2856,43 +2952,7 @@
             </a:r>
             <a:r>
               <a:rPr altLang="en-IN" dirty="0" sz="2400" lang="en-US"/>
-              <a:t>A</a:t>
-            </a:r>
-            <a:r>
-              <a:rPr altLang="en-IN" dirty="0" sz="2400" lang="en-US"/>
-              <a:t>L</a:t>
-            </a:r>
-            <a:r>
-              <a:rPr altLang="en-IN" dirty="0" sz="2400" lang="en-US"/>
-              <a:t>/</a:t>
-            </a:r>
-            <a:r>
-              <a:rPr altLang="en-IN" dirty="0" sz="2400" lang="en-US"/>
-              <a:t>A</a:t>
-            </a:r>
-            <a:r>
-              <a:rPr altLang="en-IN" dirty="0" sz="2400" lang="en-US"/>
-              <a:t>N</a:t>
-            </a:r>
-            <a:r>
-              <a:rPr altLang="en-IN" dirty="0" sz="2400" lang="en-US"/>
-              <a:t>N</a:t>
-            </a:r>
-            <a:r>
-              <a:rPr altLang="en-IN" dirty="0" sz="2400" lang="en-US"/>
-              <a:t>A</a:t>
-            </a:r>
-            <a:r>
-              <a:rPr altLang="en-IN" dirty="0" sz="2400" lang="en-US"/>
-              <a:t>M</a:t>
-            </a:r>
-            <a:r>
-              <a:rPr altLang="en-IN" dirty="0" sz="2400" lang="en-US"/>
-              <a:t>ALAI</a:t>
-            </a:r>
-            <a:r>
-              <a:rPr altLang="en-IN" dirty="0" sz="2400" lang="en-US"/>
-              <a:t> </a:t>
+              <a:t>E</a:t>
             </a:r>
             <a:endParaRPr altLang="en-US" lang="zh-CN"/>
           </a:p>
@@ -2901,7 +2961,197 @@
               <a:rPr dirty="0" sz="2400" lang="en-US"/>
               <a:t>           </a:t>
             </a:r>
+            <a:r>
+              <a:rPr altLang="en-IN" dirty="0" sz="2400" lang="en-US"/>
+              <a:t> </a:t>
+            </a:r>
             <a:endParaRPr dirty="0" sz="2400" lang="en-IN"/>
+          </a:p>
+        </p:txBody>
+      </p:sp>
+      <p:sp>
+        <p:nvSpPr>
+          <p:cNvPr id="1048700" name=""/>
+          <p:cNvSpPr txBox="1"/>
+          <p:nvPr/>
+        </p:nvSpPr>
+        <p:spPr>
+          <a:xfrm>
+            <a:off x="4096000" y="3219450"/>
+            <a:ext cx="4000000" cy="510540"/>
+          </a:xfrm>
+          <a:prstGeom prst="rect"/>
+        </p:spPr>
+        <p:txBody>
+          <a:bodyPr rtlCol="0" wrap="square">
+            <a:spAutoFit/>
+          </a:bodyPr>
+          <a:p>
+            <a:r>
+              <a:rPr altLang="en-IN" sz="2800" lang="en-US">
+                <a:solidFill>
+                  <a:srgbClr val="000000"/>
+                </a:solidFill>
+              </a:rPr>
+              <a:t> </a:t>
+            </a:r>
+            <a:r>
+              <a:rPr altLang="en-IN" sz="2800" lang="en-US">
+                <a:solidFill>
+                  <a:srgbClr val="000000"/>
+                </a:solidFill>
+              </a:rPr>
+              <a:t> </a:t>
+            </a:r>
+            <a:r>
+              <a:rPr altLang="en-IN" sz="2800" lang="en-US">
+                <a:solidFill>
+                  <a:srgbClr val="000000"/>
+                </a:solidFill>
+              </a:rPr>
+              <a:t> </a:t>
+            </a:r>
+            <a:r>
+              <a:rPr altLang="en-IN" sz="2800" lang="en-US">
+                <a:solidFill>
+                  <a:srgbClr val="000000"/>
+                </a:solidFill>
+              </a:rPr>
+              <a:t> </a:t>
+            </a:r>
+            <a:r>
+              <a:rPr altLang="en-IN" sz="2800" lang="en-US">
+                <a:solidFill>
+                  <a:srgbClr val="000000"/>
+                </a:solidFill>
+              </a:rPr>
+              <a:t> </a:t>
+            </a:r>
+            <a:r>
+              <a:rPr altLang="en-IN" sz="2800" lang="en-US">
+                <a:solidFill>
+                  <a:srgbClr val="000000"/>
+                </a:solidFill>
+              </a:rPr>
+              <a:t> </a:t>
+            </a:r>
+            <a:r>
+              <a:rPr altLang="en-IN" sz="2800" lang="en-US">
+                <a:solidFill>
+                  <a:srgbClr val="000000"/>
+                </a:solidFill>
+              </a:rPr>
+              <a:t> </a:t>
+            </a:r>
+            <a:r>
+              <a:rPr altLang="en-IN" sz="2800" lang="en-US">
+                <a:solidFill>
+                  <a:srgbClr val="000000"/>
+                </a:solidFill>
+              </a:rPr>
+              <a:t> </a:t>
+            </a:r>
+            <a:r>
+              <a:rPr altLang="en-IN" sz="2800" lang="en-US">
+                <a:solidFill>
+                  <a:srgbClr val="000000"/>
+                </a:solidFill>
+              </a:rPr>
+              <a:t> </a:t>
+            </a:r>
+            <a:r>
+              <a:rPr altLang="en-IN" sz="2800" lang="en-US">
+                <a:solidFill>
+                  <a:srgbClr val="000000"/>
+                </a:solidFill>
+              </a:rPr>
+              <a:t> </a:t>
+            </a:r>
+            <a:r>
+              <a:rPr altLang="en-IN" sz="2800" lang="en-US">
+                <a:solidFill>
+                  <a:srgbClr val="000000"/>
+                </a:solidFill>
+              </a:rPr>
+              <a:t>P</a:t>
+            </a:r>
+            <a:r>
+              <a:rPr altLang="en-IN" sz="2800" lang="en-US">
+                <a:solidFill>
+                  <a:srgbClr val="000000"/>
+                </a:solidFill>
+              </a:rPr>
+              <a:t>.</a:t>
+            </a:r>
+            <a:r>
+              <a:rPr altLang="en-IN" sz="2800" lang="en-US">
+                <a:solidFill>
+                  <a:srgbClr val="000000"/>
+                </a:solidFill>
+              </a:rPr>
+              <a:t> </a:t>
+            </a:r>
+            <a:r>
+              <a:rPr altLang="en-IN" sz="2800" lang="en-US">
+                <a:solidFill>
+                  <a:srgbClr val="000000"/>
+                </a:solidFill>
+              </a:rPr>
+              <a:t>B</a:t>
+            </a:r>
+            <a:r>
+              <a:rPr altLang="en-IN" sz="2800" lang="en-US">
+                <a:solidFill>
+                  <a:srgbClr val="000000"/>
+                </a:solidFill>
+              </a:rPr>
+              <a:t>h</a:t>
+            </a:r>
+            <a:r>
+              <a:rPr altLang="en-IN" sz="2800" lang="en-US">
+                <a:solidFill>
+                  <a:srgbClr val="000000"/>
+                </a:solidFill>
+              </a:rPr>
+              <a:t>a</a:t>
+            </a:r>
+            <a:r>
+              <a:rPr altLang="en-IN" sz="2800" lang="en-US">
+                <a:solidFill>
+                  <a:srgbClr val="000000"/>
+                </a:solidFill>
+              </a:rPr>
+              <a:t>v</a:t>
+            </a:r>
+            <a:r>
+              <a:rPr altLang="en-IN" sz="2800" lang="en-US">
+                <a:solidFill>
+                  <a:srgbClr val="000000"/>
+                </a:solidFill>
+              </a:rPr>
+              <a:t>a</a:t>
+            </a:r>
+            <a:r>
+              <a:rPr altLang="en-IN" sz="2800" lang="en-US">
+                <a:solidFill>
+                  <a:srgbClr val="000000"/>
+                </a:solidFill>
+              </a:rPr>
+              <a:t>n</a:t>
+            </a:r>
+            <a:r>
+              <a:rPr altLang="en-IN" sz="2800" lang="en-US">
+                <a:solidFill>
+                  <a:srgbClr val="000000"/>
+                </a:solidFill>
+              </a:rPr>
+              <a:t>i</a:t>
+            </a:r>
+            <a:endParaRPr sz="2800" lang="en-US">
+              <a:solidFill>
+                <a:srgbClr val="000000"/>
+              </a:solidFill>
+            </a:endParaRPr>
           </a:p>
         </p:txBody>
       </p:sp>
@@ -2918,7 +3168,7 @@
   <p:cSld>
     <p:spTree>
       <p:nvGrpSpPr>
-        <p:cNvPr id="37" name=""/>
+        <p:cNvPr id="39" name=""/>
         <p:cNvGrpSpPr/>
         <p:nvPr/>
       </p:nvGrpSpPr>
@@ -2932,7 +3182,177 @@
       </p:grpSpPr>
       <p:sp>
         <p:nvSpPr>
-          <p:cNvPr id="1048681" name="object 3"/>
+          <p:cNvPr id="1048668" name="object 2"/>
+          <p:cNvSpPr txBox="1"/>
+          <p:nvPr/>
+        </p:nvSpPr>
+        <p:spPr>
+          <a:xfrm>
+            <a:off x="752475" y="6486037"/>
+            <a:ext cx="1773555" cy="166370"/>
+          </a:xfrm>
+          <a:prstGeom prst="rect"/>
+        </p:spPr>
+        <p:txBody>
+          <a:bodyPr bIns="0" lIns="0" rIns="0" rtlCol="0" tIns="0" vert="horz" wrap="square">
+            <a:spAutoFit/>
+          </a:bodyPr>
+          <a:p>
+            <a:pPr>
+              <a:lnSpc>
+                <a:spcPts val="1275"/>
+              </a:lnSpc>
+            </a:pPr>
+            <a:r>
+              <a:rPr dirty="0" sz="1100" spc="20">
+                <a:solidFill>
+                  <a:srgbClr val="2D83C3"/>
+                </a:solidFill>
+                <a:latin typeface="Trebuchet MS"/>
+                <a:cs typeface="Trebuchet MS"/>
+              </a:rPr>
+              <a:t>3/21/202</a:t>
+            </a:r>
+            <a:r>
+              <a:rPr dirty="0" sz="1100" spc="10">
+                <a:solidFill>
+                  <a:srgbClr val="2D83C3"/>
+                </a:solidFill>
+                <a:latin typeface="Trebuchet MS"/>
+                <a:cs typeface="Trebuchet MS"/>
+              </a:rPr>
+              <a:t>4</a:t>
+            </a:r>
+            <a:r>
+              <a:rPr dirty="0" sz="1100">
+                <a:solidFill>
+                  <a:srgbClr val="2D83C3"/>
+                </a:solidFill>
+                <a:latin typeface="Trebuchet MS"/>
+                <a:cs typeface="Trebuchet MS"/>
+              </a:rPr>
+              <a:t> </a:t>
+            </a:r>
+            <a:r>
+              <a:rPr dirty="0" sz="1100" spc="130">
+                <a:solidFill>
+                  <a:srgbClr val="2D83C3"/>
+                </a:solidFill>
+                <a:latin typeface="Trebuchet MS"/>
+                <a:cs typeface="Trebuchet MS"/>
+              </a:rPr>
+              <a:t> </a:t>
+            </a:r>
+            <a:r>
+              <a:rPr b="1" dirty="0" sz="1100" spc="50">
+                <a:solidFill>
+                  <a:srgbClr val="2D83C3"/>
+                </a:solidFill>
+                <a:latin typeface="Trebuchet MS"/>
+                <a:cs typeface="Trebuchet MS"/>
+              </a:rPr>
+              <a:t>A</a:t>
+            </a:r>
+            <a:r>
+              <a:rPr b="1" dirty="0" sz="1100" spc="15">
+                <a:solidFill>
+                  <a:srgbClr val="2D83C3"/>
+                </a:solidFill>
+                <a:latin typeface="Trebuchet MS"/>
+                <a:cs typeface="Trebuchet MS"/>
+              </a:rPr>
+              <a:t>nnu</a:t>
+            </a:r>
+            <a:r>
+              <a:rPr b="1" dirty="0" sz="1100" spc="10">
+                <a:solidFill>
+                  <a:srgbClr val="2D83C3"/>
+                </a:solidFill>
+                <a:latin typeface="Trebuchet MS"/>
+                <a:cs typeface="Trebuchet MS"/>
+              </a:rPr>
+              <a:t>al</a:t>
+            </a:r>
+            <a:r>
+              <a:rPr b="1" dirty="0" sz="1100" spc="-140">
+                <a:solidFill>
+                  <a:srgbClr val="2D83C3"/>
+                </a:solidFill>
+                <a:latin typeface="Trebuchet MS"/>
+                <a:cs typeface="Trebuchet MS"/>
+              </a:rPr>
+              <a:t> </a:t>
+            </a:r>
+            <a:r>
+              <a:rPr b="1" dirty="0" sz="1100">
+                <a:solidFill>
+                  <a:srgbClr val="2D83C3"/>
+                </a:solidFill>
+                <a:latin typeface="Trebuchet MS"/>
+                <a:cs typeface="Trebuchet MS"/>
+              </a:rPr>
+              <a:t>R</a:t>
+            </a:r>
+            <a:r>
+              <a:rPr b="1" dirty="0" sz="1100" spc="35">
+                <a:solidFill>
+                  <a:srgbClr val="2D83C3"/>
+                </a:solidFill>
+                <a:latin typeface="Trebuchet MS"/>
+                <a:cs typeface="Trebuchet MS"/>
+              </a:rPr>
+              <a:t>e</a:t>
+            </a:r>
+            <a:r>
+              <a:rPr b="1" dirty="0" sz="1100" spc="90">
+                <a:solidFill>
+                  <a:srgbClr val="2D83C3"/>
+                </a:solidFill>
+                <a:latin typeface="Trebuchet MS"/>
+                <a:cs typeface="Trebuchet MS"/>
+              </a:rPr>
+              <a:t>v</a:t>
+            </a:r>
+            <a:r>
+              <a:rPr b="1" dirty="0" sz="1100" spc="-35">
+                <a:solidFill>
+                  <a:srgbClr val="2D83C3"/>
+                </a:solidFill>
+                <a:latin typeface="Trebuchet MS"/>
+                <a:cs typeface="Trebuchet MS"/>
+              </a:rPr>
+              <a:t>i</a:t>
+            </a:r>
+            <a:r>
+              <a:rPr b="1" dirty="0" sz="1100" spc="35">
+                <a:solidFill>
+                  <a:srgbClr val="2D83C3"/>
+                </a:solidFill>
+                <a:latin typeface="Trebuchet MS"/>
+                <a:cs typeface="Trebuchet MS"/>
+              </a:rPr>
+              <a:t>e</a:t>
+            </a:r>
+            <a:r>
+              <a:rPr b="1" dirty="0" sz="1100" spc="15">
+                <a:solidFill>
+                  <a:srgbClr val="2D83C3"/>
+                </a:solidFill>
+                <a:latin typeface="Trebuchet MS"/>
+                <a:cs typeface="Trebuchet MS"/>
+              </a:rPr>
+              <a:t>w</a:t>
+            </a:r>
+            <a:endParaRPr sz="1100">
+              <a:latin typeface="Trebuchet MS"/>
+              <a:cs typeface="Trebuchet MS"/>
+            </a:endParaRPr>
+          </a:p>
+        </p:txBody>
+      </p:sp>
+      <p:sp>
+        <p:nvSpPr>
+          <p:cNvPr id="1048669" name="object 3"/>
           <p:cNvSpPr/>
           <p:nvPr/>
         </p:nvSpPr>
@@ -2977,7 +3397,7 @@
       </p:sp>
       <p:sp>
         <p:nvSpPr>
-          <p:cNvPr id="1048682" name="object 4"/>
+          <p:cNvPr id="1048670" name="object 4"/>
           <p:cNvSpPr/>
           <p:nvPr/>
         </p:nvSpPr>
@@ -3022,7 +3442,7 @@
       </p:sp>
       <p:sp>
         <p:nvSpPr>
-          <p:cNvPr id="1048683" name="object 5"/>
+          <p:cNvPr id="1048671" name="object 5"/>
           <p:cNvSpPr/>
           <p:nvPr/>
         </p:nvSpPr>
@@ -3067,7 +3487,7 @@
       </p:sp>
       <p:pic>
         <p:nvPicPr>
-          <p:cNvPr id="2097165" name="object 6"/>
+          <p:cNvPr id="2097166" name="object 6"/>
           <p:cNvPicPr>
             <a:picLocks/>
           </p:cNvPicPr>
@@ -3081,15 +3501,15 @@
         </p:blipFill>
         <p:spPr>
           <a:xfrm>
-            <a:off x="1666875" y="6467475"/>
-            <a:ext cx="76200" cy="177800"/>
+            <a:off x="66675" y="3381373"/>
+            <a:ext cx="2466975" cy="3419475"/>
           </a:xfrm>
           <a:prstGeom prst="rect"/>
         </p:spPr>
       </p:pic>
       <p:sp>
         <p:nvSpPr>
-          <p:cNvPr id="1048684" name="object 7"/>
+          <p:cNvPr id="1048672" name="object 7"/>
           <p:cNvSpPr txBox="1">
             <a:spLocks noGrp="1"/>
           </p:cNvSpPr>
@@ -3099,13 +3519,13 @@
         </p:nvSpPr>
         <p:spPr>
           <a:xfrm>
-            <a:off x="755332" y="385444"/>
-            <a:ext cx="4578668" cy="686435"/>
+            <a:off x="739775" y="654938"/>
+            <a:ext cx="8480425" cy="638810"/>
           </a:xfrm>
           <a:prstGeom prst="rect"/>
         </p:spPr>
         <p:txBody>
-          <a:bodyPr bIns="0" lIns="0" rIns="0" rtlCol="0" tIns="13335" vert="horz" wrap="square">
+          <a:bodyPr bIns="0" lIns="0" rIns="0" rtlCol="0" tIns="16510" vert="horz" wrap="square">
             <a:spAutoFit/>
           </a:bodyPr>
           <a:p>
@@ -3114,27 +3534,27 @@
                 <a:spcPct val="100000"/>
               </a:lnSpc>
               <a:spcBef>
-                <a:spcPts val="105"/>
+                <a:spcPts val="130"/>
               </a:spcBef>
             </a:pPr>
             <a:r>
-              <a:rPr dirty="0" lang="en-IN"/>
-              <a:t>CONCLUSION</a:t>
-            </a:r>
-            <a:endParaRPr dirty="0"/>
+              <a:rPr dirty="0" sz="4250" lang="en-IN" spc="15"/>
+              <a:t>RESULTS AND SCREENSHOTS</a:t>
+            </a:r>
+            <a:endParaRPr dirty="0" sz="4250"/>
           </a:p>
         </p:txBody>
       </p:sp>
       <p:sp>
         <p:nvSpPr>
-          <p:cNvPr id="1048685" name="object 9"/>
+          <p:cNvPr id="1048673" name="object 8"/>
           <p:cNvSpPr txBox="1"/>
           <p:nvPr/>
         </p:nvSpPr>
         <p:spPr>
           <a:xfrm>
             <a:off x="11277218" y="6473337"/>
-            <a:ext cx="228600" cy="159385"/>
+            <a:ext cx="228600" cy="191770"/>
           </a:xfrm>
           <a:prstGeom prst="rect"/>
         </p:spPr>
@@ -3170,74 +3590,451 @@
       </p:sp>
       <p:sp>
         <p:nvSpPr>
-          <p:cNvPr id="1048686" name=""/>
+          <p:cNvPr id="1048674" name="TextBox 8"/>
           <p:cNvSpPr txBox="1"/>
           <p:nvPr/>
         </p:nvSpPr>
         <p:spPr>
           <a:xfrm>
-            <a:off x="755332" y="1071878"/>
-            <a:ext cx="9369136" cy="5209540"/>
+            <a:off x="2971799" y="2733748"/>
+            <a:ext cx="8534018" cy="510540"/>
           </a:xfrm>
           <a:prstGeom prst="rect"/>
+          <a:noFill/>
         </p:spPr>
         <p:txBody>
           <a:bodyPr rtlCol="0" wrap="square">
             <a:spAutoFit/>
           </a:bodyPr>
           <a:p>
-            <a:r>
-              <a:rPr sz="2800" lang="en-IN">
-                <a:solidFill>
-                  <a:srgbClr val="000000"/>
-                </a:solidFill>
-              </a:rPr>
-              <a:t>Key Takeaways
-1. *Dynamic &amp; Evolving*: Web tech constantly advances.
-2. *User-Centric*: Focus on UX/UI for engagement.
-3. *Responsive &amp; Accessible*: Crucial for broad reach.
-4. *Security &amp; Performance*: Vital for trust &amp; efficiency.
-5. *Full Stack Skills*: Frontend, backend, database knowledge valuable.
-Web Development Enables
-1. *Global Reach*: Websites/apps accessible worldwide.
-2. *Business Growth*: Digital presence for businesses.
-3. *Innovation*: PWA's, web apps push boundaries.
-4. *Collaboration*: Tools like Git aid teamwork</a:t>
-            </a:r>
-            <a:r>
-              <a:rPr altLang="en-IN" sz="2800" lang="en-US">
-                <a:solidFill>
-                  <a:srgbClr val="000000"/>
-                </a:solidFill>
-              </a:rPr>
-              <a:t>.</a:t>
-            </a:r>
-            <a:r>
-              <a:rPr sz="2800" lang="en-IN">
-                <a:solidFill>
-                  <a:srgbClr val="000000"/>
-                </a:solidFill>
-              </a:rPr>
-              <a:t> </a:t>
-            </a:r>
-            <a:endParaRPr sz="2800" lang="en-IN">
+            <a:pPr algn="l">
+              <a:buFont typeface="Arial" panose="020B0604020202020204" pitchFamily="34" charset="0"/>
+              <a:buChar char="•"/>
+            </a:pPr>
+            <a:endParaRPr b="0" dirty="0" sz="2800" i="0" lang="en-US">
               <a:solidFill>
-                <a:srgbClr val="000000"/>
+                <a:srgbClr val="0D0D0D"/>
               </a:solidFill>
+              <a:effectLst/>
+              <a:latin typeface="Times New Roman" panose="02020603050405020304" pitchFamily="18" charset="0"/>
+              <a:cs typeface="Times New Roman" panose="02020603050405020304" pitchFamily="18" charset="0"/>
             </a:endParaRPr>
           </a:p>
         </p:txBody>
       </p:sp>
       <p:sp>
         <p:nvSpPr>
-          <p:cNvPr id="1048687" name=""/>
+          <p:cNvPr id="1048710" name="TextBox 8"/>
           <p:cNvSpPr txBox="1"/>
           <p:nvPr/>
         </p:nvSpPr>
         <p:spPr>
           <a:xfrm>
-            <a:off x="4096000" y="3219450"/>
-            <a:ext cx="4000000" cy="485140"/>
+            <a:off x="1300161" y="1695449"/>
+            <a:ext cx="8534018" cy="2606040"/>
+          </a:xfrm>
+          <a:prstGeom prst="rect"/>
+          <a:noFill/>
+        </p:spPr>
+        <p:txBody>
+          <a:bodyPr rtlCol="0" wrap="square">
+            <a:spAutoFit/>
+          </a:bodyPr>
+          <a:lstStyle>
+            <a:defPPr>
+              <a:defRPr lang="en-US"/>
+            </a:defPPr>
+            <a:lvl1pPr algn="l" defTabSz="914400" eaLnBrk="1" hangingPunct="1" latinLnBrk="0" marL="0" rtl="0">
+              <a:defRPr sz="1800" kern="1200">
+                <a:solidFill>
+                  <a:srgbClr val="000000"/>
+                </a:solidFill>
+                <a:latin typeface="+mn-lt"/>
+                <a:ea typeface="+mn-ea"/>
+                <a:cs typeface="+mn-cs"/>
+              </a:defRPr>
+            </a:lvl1pPr>
+            <a:lvl2pPr algn="l" defTabSz="914400" eaLnBrk="1" hangingPunct="1" latinLnBrk="0" marL="457200" rtl="0">
+              <a:defRPr sz="1800" kern="1200">
+                <a:solidFill>
+                  <a:srgbClr val="000000"/>
+                </a:solidFill>
+                <a:latin typeface="+mn-lt"/>
+                <a:ea typeface="+mn-ea"/>
+                <a:cs typeface="+mn-cs"/>
+              </a:defRPr>
+            </a:lvl2pPr>
+            <a:lvl3pPr algn="l" defTabSz="914400" eaLnBrk="1" hangingPunct="1" latinLnBrk="0" marL="914400" rtl="0">
+              <a:defRPr sz="1800" kern="1200">
+                <a:solidFill>
+                  <a:srgbClr val="000000"/>
+                </a:solidFill>
+                <a:latin typeface="+mn-lt"/>
+                <a:ea typeface="+mn-ea"/>
+                <a:cs typeface="+mn-cs"/>
+              </a:defRPr>
+            </a:lvl3pPr>
+            <a:lvl4pPr algn="l" defTabSz="914400" eaLnBrk="1" hangingPunct="1" latinLnBrk="0" marL="1371600" rtl="0">
+              <a:defRPr sz="1800" kern="1200">
+                <a:solidFill>
+                  <a:srgbClr val="000000"/>
+                </a:solidFill>
+                <a:latin typeface="+mn-lt"/>
+                <a:ea typeface="+mn-ea"/>
+                <a:cs typeface="+mn-cs"/>
+              </a:defRPr>
+            </a:lvl4pPr>
+            <a:lvl5pPr algn="l" defTabSz="914400" eaLnBrk="1" hangingPunct="1" latinLnBrk="0" marL="1828800" rtl="0">
+              <a:defRPr sz="1800" kern="1200">
+                <a:solidFill>
+                  <a:srgbClr val="000000"/>
+                </a:solidFill>
+                <a:latin typeface="+mn-lt"/>
+                <a:ea typeface="+mn-ea"/>
+                <a:cs typeface="+mn-cs"/>
+              </a:defRPr>
+            </a:lvl5pPr>
+            <a:lvl6pPr algn="l" defTabSz="914400" eaLnBrk="1" hangingPunct="1" latinLnBrk="0" marL="2286000" rtl="0">
+              <a:defRPr sz="1800" kern="1200">
+                <a:solidFill>
+                  <a:srgbClr val="000000"/>
+                </a:solidFill>
+                <a:latin typeface="+mn-lt"/>
+                <a:ea typeface="+mn-ea"/>
+                <a:cs typeface="+mn-cs"/>
+              </a:defRPr>
+            </a:lvl6pPr>
+            <a:lvl7pPr algn="l" defTabSz="914400" eaLnBrk="1" hangingPunct="1" latinLnBrk="0" marL="2743200" rtl="0">
+              <a:defRPr sz="1800" kern="1200">
+                <a:solidFill>
+                  <a:srgbClr val="000000"/>
+                </a:solidFill>
+                <a:latin typeface="+mn-lt"/>
+                <a:ea typeface="+mn-ea"/>
+                <a:cs typeface="+mn-cs"/>
+              </a:defRPr>
+            </a:lvl7pPr>
+            <a:lvl8pPr algn="l" defTabSz="914400" eaLnBrk="1" hangingPunct="1" latinLnBrk="0" marL="3200400" rtl="0">
+              <a:defRPr sz="1800" kern="1200">
+                <a:solidFill>
+                  <a:srgbClr val="000000"/>
+                </a:solidFill>
+                <a:latin typeface="+mn-lt"/>
+                <a:ea typeface="+mn-ea"/>
+                <a:cs typeface="+mn-cs"/>
+              </a:defRPr>
+            </a:lvl8pPr>
+            <a:lvl9pPr algn="l" defTabSz="914400" eaLnBrk="1" hangingPunct="1" latinLnBrk="0" marL="3657600" rtl="0">
+              <a:defRPr sz="1800" kern="1200">
+                <a:solidFill>
+                  <a:srgbClr val="000000"/>
+                </a:solidFill>
+                <a:latin typeface="+mn-lt"/>
+                <a:ea typeface="+mn-ea"/>
+                <a:cs typeface="+mn-cs"/>
+              </a:defRPr>
+            </a:lvl9pPr>
+          </a:lstStyle>
+          <a:p>
+            <a:pPr algn="l">
+              <a:buFont typeface="Arial" panose="020B0604020202020204" pitchFamily="34" charset="0"/>
+              <a:buChar char="•"/>
+            </a:pPr>
+            <a:r>
+              <a:rPr b="0" dirty="0" sz="2800" i="0" lang="en-US">
+                <a:solidFill>
+                  <a:srgbClr val="0D0D0D"/>
+                </a:solidFill>
+                <a:effectLst/>
+                <a:latin typeface="Times New Roman" panose="02020603050405020304" pitchFamily="18" charset="0"/>
+                <a:cs typeface="Times New Roman" panose="02020603050405020304" pitchFamily="18" charset="0"/>
+              </a:rPr>
+              <a:t>Cybersecurity results include threat mitigation, incident response, and system security assessments, ensuring protection of digital assets. Screenshots may capture security alerts, vulnerability scans, or incident response activities, providing visual evidence of cybersecurity measures and threats.</a:t>
+            </a:r>
+            <a:endParaRPr b="0" dirty="0" sz="2800" i="0" lang="en-US">
+              <a:solidFill>
+                <a:srgbClr val="0D0D0D"/>
+              </a:solidFill>
+              <a:effectLst/>
+              <a:latin typeface="Times New Roman" panose="02020603050405020304" pitchFamily="18" charset="0"/>
+              <a:cs typeface="Times New Roman" panose="02020603050405020304" pitchFamily="18" charset="0"/>
+            </a:endParaRPr>
+          </a:p>
+        </p:txBody>
+      </p:sp>
+    </p:spTree>
+  </p:cSld>
+  <p:clrMapOvr>
+    <a:masterClrMapping/>
+  </p:clrMapOvr>
+</p:sld>
+</file>
+
+<file path=ppt/slides/slide11.xml><?xml version="1.0" encoding="utf-8"?>
+<p:sld xmlns:a="http://schemas.openxmlformats.org/drawingml/2006/main" xmlns:r="http://schemas.openxmlformats.org/officeDocument/2006/relationships" xmlns:p="http://schemas.openxmlformats.org/presentationml/2006/main">
+  <p:cSld>
+    <p:spTree>
+      <p:nvGrpSpPr>
+        <p:cNvPr id="40" name=""/>
+        <p:cNvGrpSpPr/>
+        <p:nvPr/>
+      </p:nvGrpSpPr>
+      <p:grpSpPr>
+        <a:xfrm>
+          <a:off x="0" y="0"/>
+          <a:ext cx="0" cy="0"/>
+          <a:chOff x="0" y="0"/>
+          <a:chExt cx="0" cy="0"/>
+        </a:xfrm>
+      </p:grpSpPr>
+      <p:sp>
+        <p:nvSpPr>
+          <p:cNvPr id="1048675" name="object 3"/>
+          <p:cNvSpPr/>
+          <p:nvPr/>
+        </p:nvSpPr>
+        <p:spPr>
+          <a:xfrm>
+            <a:off x="9353550" y="5362575"/>
+            <a:ext cx="457200" cy="457200"/>
+          </a:xfrm>
+          <a:custGeom>
+            <a:avLst/>
+            <a:ahLst/>
+            <a:rect l="l" t="t" r="r" b="b"/>
+            <a:pathLst>
+              <a:path w="457200" h="457200">
+                <a:moveTo>
+                  <a:pt x="457200" y="0"/>
+                </a:moveTo>
+                <a:lnTo>
+                  <a:pt x="0" y="0"/>
+                </a:lnTo>
+                <a:lnTo>
+                  <a:pt x="0" y="457200"/>
+                </a:lnTo>
+                <a:lnTo>
+                  <a:pt x="457200" y="457200"/>
+                </a:lnTo>
+                <a:lnTo>
+                  <a:pt x="457200" y="0"/>
+                </a:lnTo>
+                <a:close/>
+              </a:path>
+            </a:pathLst>
+          </a:custGeom>
+          <a:solidFill>
+            <a:srgbClr val="42AF51"/>
+          </a:solidFill>
+        </p:spPr>
+        <p:txBody>
+          <a:bodyPr bIns="0" lIns="0" rIns="0" rtlCol="0" tIns="0" wrap="square"/>
+          <a:p/>
+        </p:txBody>
+      </p:sp>
+      <p:sp>
+        <p:nvSpPr>
+          <p:cNvPr id="1048676" name="object 4"/>
+          <p:cNvSpPr/>
+          <p:nvPr/>
+        </p:nvSpPr>
+        <p:spPr>
+          <a:xfrm>
+            <a:off x="6696075" y="1695450"/>
+            <a:ext cx="314325" cy="323850"/>
+          </a:xfrm>
+          <a:custGeom>
+            <a:avLst/>
+            <a:ahLst/>
+            <a:rect l="l" t="t" r="r" b="b"/>
+            <a:pathLst>
+              <a:path w="314325" h="323850">
+                <a:moveTo>
+                  <a:pt x="314325" y="0"/>
+                </a:moveTo>
+                <a:lnTo>
+                  <a:pt x="0" y="0"/>
+                </a:lnTo>
+                <a:lnTo>
+                  <a:pt x="0" y="323850"/>
+                </a:lnTo>
+                <a:lnTo>
+                  <a:pt x="314325" y="323850"/>
+                </a:lnTo>
+                <a:lnTo>
+                  <a:pt x="314325" y="0"/>
+                </a:lnTo>
+                <a:close/>
+              </a:path>
+            </a:pathLst>
+          </a:custGeom>
+          <a:solidFill>
+            <a:srgbClr val="2D83C3"/>
+          </a:solidFill>
+        </p:spPr>
+        <p:txBody>
+          <a:bodyPr bIns="0" lIns="0" rIns="0" rtlCol="0" tIns="0" wrap="square"/>
+          <a:p/>
+        </p:txBody>
+      </p:sp>
+      <p:sp>
+        <p:nvSpPr>
+          <p:cNvPr id="1048677" name="object 5"/>
+          <p:cNvSpPr/>
+          <p:nvPr/>
+        </p:nvSpPr>
+        <p:spPr>
+          <a:xfrm>
+            <a:off x="9353550" y="5895975"/>
+            <a:ext cx="180975" cy="180975"/>
+          </a:xfrm>
+          <a:custGeom>
+            <a:avLst/>
+            <a:ahLst/>
+            <a:rect l="l" t="t" r="r" b="b"/>
+            <a:pathLst>
+              <a:path w="180975" h="180975">
+                <a:moveTo>
+                  <a:pt x="180975" y="0"/>
+                </a:moveTo>
+                <a:lnTo>
+                  <a:pt x="0" y="0"/>
+                </a:lnTo>
+                <a:lnTo>
+                  <a:pt x="0" y="180975"/>
+                </a:lnTo>
+                <a:lnTo>
+                  <a:pt x="180975" y="180975"/>
+                </a:lnTo>
+                <a:lnTo>
+                  <a:pt x="180975" y="0"/>
+                </a:lnTo>
+                <a:close/>
+              </a:path>
+            </a:pathLst>
+          </a:custGeom>
+          <a:solidFill>
+            <a:srgbClr val="2D936B"/>
+          </a:solidFill>
+        </p:spPr>
+        <p:txBody>
+          <a:bodyPr bIns="0" lIns="0" rIns="0" rtlCol="0" tIns="0" wrap="square"/>
+          <a:p/>
+        </p:txBody>
+      </p:sp>
+      <p:pic>
+        <p:nvPicPr>
+          <p:cNvPr id="2097167" name="object 6"/>
+          <p:cNvPicPr>
+            <a:picLocks/>
+          </p:cNvPicPr>
+          <p:nvPr/>
+        </p:nvPicPr>
+        <p:blipFill>
+          <a:blip xmlns:r="http://schemas.openxmlformats.org/officeDocument/2006/relationships" r:embed="rId1" cstate="print"/>
+          <a:stretch>
+            <a:fillRect/>
+          </a:stretch>
+        </p:blipFill>
+        <p:spPr>
+          <a:xfrm>
+            <a:off x="1666875" y="6467475"/>
+            <a:ext cx="76200" cy="177800"/>
+          </a:xfrm>
+          <a:prstGeom prst="rect"/>
+        </p:spPr>
+      </p:pic>
+      <p:sp>
+        <p:nvSpPr>
+          <p:cNvPr id="1048678" name="object 7"/>
+          <p:cNvSpPr txBox="1">
+            <a:spLocks noGrp="1"/>
+          </p:cNvSpPr>
+          <p:nvPr>
+            <p:ph type="title"/>
+          </p:nvPr>
+        </p:nvSpPr>
+        <p:spPr>
+          <a:xfrm>
+            <a:off x="755332" y="385444"/>
+            <a:ext cx="4578668" cy="752129"/>
+          </a:xfrm>
+          <a:prstGeom prst="rect"/>
+        </p:spPr>
+        <p:txBody>
+          <a:bodyPr bIns="0" lIns="0" rIns="0" rtlCol="0" tIns="13335" vert="horz" wrap="square">
+            <a:spAutoFit/>
+          </a:bodyPr>
+          <a:p>
+            <a:pPr marL="12700">
+              <a:lnSpc>
+                <a:spcPct val="100000"/>
+              </a:lnSpc>
+              <a:spcBef>
+                <a:spcPts val="105"/>
+              </a:spcBef>
+            </a:pPr>
+            <a:r>
+              <a:rPr dirty="0" lang="en-IN"/>
+              <a:t>CONCLUSION</a:t>
+            </a:r>
+            <a:endParaRPr dirty="0"/>
+          </a:p>
+        </p:txBody>
+      </p:sp>
+      <p:sp>
+        <p:nvSpPr>
+          <p:cNvPr id="1048679" name="object 9"/>
+          <p:cNvSpPr txBox="1"/>
+          <p:nvPr/>
+        </p:nvSpPr>
+        <p:spPr>
+          <a:xfrm>
+            <a:off x="11277218" y="6473337"/>
+            <a:ext cx="228600" cy="191770"/>
+          </a:xfrm>
+          <a:prstGeom prst="rect"/>
+        </p:spPr>
+        <p:txBody>
+          <a:bodyPr bIns="0" lIns="0" rIns="0" rtlCol="0" tIns="6985" vert="horz" wrap="square">
+            <a:spAutoFit/>
+          </a:bodyPr>
+          <a:p>
+            <a:pPr marL="38100">
+              <a:lnSpc>
+                <a:spcPct val="100000"/>
+              </a:lnSpc>
+              <a:spcBef>
+                <a:spcPts val="55"/>
+              </a:spcBef>
+            </a:pPr>
+            <a:fld id="{81D60167-4931-47E6-BA6A-407CBD079E47}" type="slidenum">
+              <a:rPr dirty="0" sz="1100" spc="10">
+                <a:solidFill>
+                  <a:srgbClr val="2D936B"/>
+                </a:solidFill>
+                <a:latin typeface="Trebuchet MS"/>
+                <a:cs typeface="Trebuchet MS"/>
+              </a:rPr>
+              <a:t>11</a:t>
+            </a:fld>
+            <a:endParaRPr sz="1100">
+              <a:latin typeface="Trebuchet MS"/>
+              <a:cs typeface="Trebuchet MS"/>
+            </a:endParaRPr>
+          </a:p>
+        </p:txBody>
+      </p:sp>
+      <p:sp>
+        <p:nvSpPr>
+          <p:cNvPr id="1048711" name=""/>
+          <p:cNvSpPr txBox="1"/>
+          <p:nvPr/>
+        </p:nvSpPr>
+        <p:spPr>
+          <a:xfrm>
+            <a:off x="1056408" y="1695449"/>
+            <a:ext cx="7949045" cy="3025140"/>
           </a:xfrm>
           <a:prstGeom prst="rect"/>
         </p:spPr>
@@ -3247,14 +4044,14 @@
           </a:bodyPr>
           <a:p>
             <a:r>
-              <a:rPr sz="2800" lang="en-IN">
+              <a:rPr sz="2800" lang="en-US">
                 <a:solidFill>
                   <a:srgbClr val="000000"/>
                 </a:solidFill>
               </a:rPr>
-              <a:t/>
-            </a:r>
-            <a:endParaRPr sz="2800" lang="en-IN">
+              <a:t>In conclusion, cybersecurity is a critical aspect of protecting digital assets and ensuring the confidentiality, integrity, and availability of sensitive information. Effective cybersecurity measures require a proactive approach, continuous monitoring, and adaptation to evolving threats and technologies.</a:t>
+            </a:r>
+            <a:endParaRPr sz="2800" lang="en-US">
               <a:solidFill>
                 <a:srgbClr val="000000"/>
               </a:solidFill>
@@ -3275,7 +4072,7 @@
   <p:cSld>
     <p:spTree>
       <p:nvGrpSpPr>
-        <p:cNvPr id="24" name=""/>
+        <p:cNvPr id="25" name=""/>
         <p:cNvGrpSpPr/>
         <p:nvPr/>
       </p:nvGrpSpPr>
@@ -3330,25 +4127,762 @@
         <p:txBody>
           <a:bodyPr bIns="0" lIns="0" rIns="0" rtlCol="0" tIns="0" wrap="square"/>
           <a:p>
+            <a:r>
+              <a:rPr altLang="en-IN" dirty="0" lang="en-US">
+                <a:latin typeface="Times New Roman" panose="02020603050405020304" pitchFamily="18" charset="0"/>
+                <a:cs typeface="Times New Roman" panose="02020603050405020304" pitchFamily="18" charset="0"/>
+              </a:rPr>
+              <a:t> </a:t>
+            </a:r>
             <a:endParaRPr dirty="0">
               <a:latin typeface="Times New Roman" panose="02020603050405020304" pitchFamily="18" charset="0"/>
               <a:cs typeface="Times New Roman" panose="02020603050405020304" pitchFamily="18" charset="0"/>
             </a:endParaRPr>
           </a:p>
+          <a:p>
+            <a:endParaRPr dirty="0">
+              <a:latin typeface="Times New Roman" panose="02020603050405020304" pitchFamily="18" charset="0"/>
+              <a:cs typeface="Times New Roman" panose="02020603050405020304" pitchFamily="18" charset="0"/>
+            </a:endParaRPr>
+          </a:p>
+          <a:p>
+            <a:endParaRPr dirty="0">
+              <a:latin typeface="Times New Roman" panose="02020603050405020304" pitchFamily="18" charset="0"/>
+              <a:cs typeface="Times New Roman" panose="02020603050405020304" pitchFamily="18" charset="0"/>
+            </a:endParaRPr>
+          </a:p>
+          <a:p>
+            <a:endParaRPr dirty="0">
+              <a:latin typeface="Times New Roman" panose="02020603050405020304" pitchFamily="18" charset="0"/>
+              <a:cs typeface="Times New Roman" panose="02020603050405020304" pitchFamily="18" charset="0"/>
+            </a:endParaRPr>
+          </a:p>
+          <a:p>
+            <a:endParaRPr dirty="0">
+              <a:latin typeface="Times New Roman" panose="02020603050405020304" pitchFamily="18" charset="0"/>
+              <a:cs typeface="Times New Roman" panose="02020603050405020304" pitchFamily="18" charset="0"/>
+            </a:endParaRPr>
+          </a:p>
+          <a:p>
+            <a:endParaRPr dirty="0">
+              <a:latin typeface="Times New Roman" panose="02020603050405020304" pitchFamily="18" charset="0"/>
+              <a:cs typeface="Times New Roman" panose="02020603050405020304" pitchFamily="18" charset="0"/>
+            </a:endParaRPr>
+          </a:p>
+          <a:p>
+            <a:endParaRPr dirty="0">
+              <a:latin typeface="Times New Roman" panose="02020603050405020304" pitchFamily="18" charset="0"/>
+              <a:cs typeface="Times New Roman" panose="02020603050405020304" pitchFamily="18" charset="0"/>
+            </a:endParaRPr>
+          </a:p>
+          <a:p>
+            <a:r>
+              <a:rPr altLang="en-IN" dirty="0" lang="en-US">
+                <a:latin typeface="Times New Roman" panose="02020603050405020304" pitchFamily="18" charset="0"/>
+                <a:cs typeface="Times New Roman" panose="02020603050405020304" pitchFamily="18" charset="0"/>
+              </a:rPr>
+              <a:t> </a:t>
+            </a:r>
+            <a:r>
+              <a:rPr altLang="en-IN" dirty="0" lang="en-US">
+                <a:latin typeface="Times New Roman" panose="02020603050405020304" pitchFamily="18" charset="0"/>
+                <a:cs typeface="Times New Roman" panose="02020603050405020304" pitchFamily="18" charset="0"/>
+              </a:rPr>
+              <a:t> </a:t>
+            </a:r>
+            <a:r>
+              <a:rPr altLang="en-IN" dirty="0" lang="en-US">
+                <a:latin typeface="Times New Roman" panose="02020603050405020304" pitchFamily="18" charset="0"/>
+                <a:cs typeface="Times New Roman" panose="02020603050405020304" pitchFamily="18" charset="0"/>
+              </a:rPr>
+              <a:t> </a:t>
+            </a:r>
+            <a:r>
+              <a:rPr altLang="en-IN" dirty="0" lang="en-US">
+                <a:latin typeface="Times New Roman" panose="02020603050405020304" pitchFamily="18" charset="0"/>
+                <a:cs typeface="Times New Roman" panose="02020603050405020304" pitchFamily="18" charset="0"/>
+              </a:rPr>
+              <a:t> </a:t>
+            </a:r>
+            <a:r>
+              <a:rPr altLang="en-IN" dirty="0" lang="en-US">
+                <a:latin typeface="Times New Roman" panose="02020603050405020304" pitchFamily="18" charset="0"/>
+                <a:cs typeface="Times New Roman" panose="02020603050405020304" pitchFamily="18" charset="0"/>
+              </a:rPr>
+              <a:t> </a:t>
+            </a:r>
+            <a:r>
+              <a:rPr altLang="en-IN" dirty="0" lang="en-US">
+                <a:latin typeface="Times New Roman" panose="02020603050405020304" pitchFamily="18" charset="0"/>
+                <a:cs typeface="Times New Roman" panose="02020603050405020304" pitchFamily="18" charset="0"/>
+              </a:rPr>
+              <a:t> </a:t>
+            </a:r>
+            <a:r>
+              <a:rPr altLang="en-IN" dirty="0" lang="en-US">
+                <a:latin typeface="Times New Roman" panose="02020603050405020304" pitchFamily="18" charset="0"/>
+                <a:cs typeface="Times New Roman" panose="02020603050405020304" pitchFamily="18" charset="0"/>
+              </a:rPr>
+              <a:t> </a:t>
+            </a:r>
+            <a:r>
+              <a:rPr altLang="en-IN" dirty="0" lang="en-US">
+                <a:latin typeface="Times New Roman" panose="02020603050405020304" pitchFamily="18" charset="0"/>
+                <a:cs typeface="Times New Roman" panose="02020603050405020304" pitchFamily="18" charset="0"/>
+              </a:rPr>
+              <a:t> </a:t>
+            </a:r>
+            <a:r>
+              <a:rPr altLang="en-IN" dirty="0" lang="en-US">
+                <a:latin typeface="Times New Roman" panose="02020603050405020304" pitchFamily="18" charset="0"/>
+                <a:cs typeface="Times New Roman" panose="02020603050405020304" pitchFamily="18" charset="0"/>
+              </a:rPr>
+              <a:t> </a:t>
+            </a:r>
+            <a:r>
+              <a:rPr altLang="en-IN" dirty="0" lang="en-US">
+                <a:latin typeface="Times New Roman" panose="02020603050405020304" pitchFamily="18" charset="0"/>
+                <a:cs typeface="Times New Roman" panose="02020603050405020304" pitchFamily="18" charset="0"/>
+              </a:rPr>
+              <a:t> </a:t>
+            </a:r>
+            <a:r>
+              <a:rPr altLang="en-IN" dirty="0" lang="en-US">
+                <a:latin typeface="Times New Roman" panose="02020603050405020304" pitchFamily="18" charset="0"/>
+                <a:cs typeface="Times New Roman" panose="02020603050405020304" pitchFamily="18" charset="0"/>
+              </a:rPr>
+              <a:t> </a:t>
+            </a:r>
+            <a:r>
+              <a:rPr altLang="en-IN" dirty="0" lang="en-US">
+                <a:latin typeface="Times New Roman" panose="02020603050405020304" pitchFamily="18" charset="0"/>
+                <a:cs typeface="Times New Roman" panose="02020603050405020304" pitchFamily="18" charset="0"/>
+              </a:rPr>
+              <a:t> </a:t>
+            </a:r>
+            <a:r>
+              <a:rPr altLang="en-IN" dirty="0" lang="en-US">
+                <a:latin typeface="Times New Roman" panose="02020603050405020304" pitchFamily="18" charset="0"/>
+                <a:cs typeface="Times New Roman" panose="02020603050405020304" pitchFamily="18" charset="0"/>
+              </a:rPr>
+              <a:t> </a:t>
+            </a:r>
+            <a:r>
+              <a:rPr altLang="en-IN" dirty="0" lang="en-US">
+                <a:latin typeface="Times New Roman" panose="02020603050405020304" pitchFamily="18" charset="0"/>
+                <a:cs typeface="Times New Roman" panose="02020603050405020304" pitchFamily="18" charset="0"/>
+              </a:rPr>
+              <a:t> </a:t>
+            </a:r>
+            <a:r>
+              <a:rPr altLang="en-IN" dirty="0" lang="en-US">
+                <a:latin typeface="Times New Roman" panose="02020603050405020304" pitchFamily="18" charset="0"/>
+                <a:cs typeface="Times New Roman" panose="02020603050405020304" pitchFamily="18" charset="0"/>
+              </a:rPr>
+              <a:t> </a:t>
+            </a:r>
+            <a:r>
+              <a:rPr altLang="en-IN" dirty="0" lang="en-US">
+                <a:latin typeface="Times New Roman" panose="02020603050405020304" pitchFamily="18" charset="0"/>
+                <a:cs typeface="Times New Roman" panose="02020603050405020304" pitchFamily="18" charset="0"/>
+              </a:rPr>
+              <a:t> </a:t>
+            </a:r>
+            <a:r>
+              <a:rPr altLang="en-IN" dirty="0" lang="en-US">
+                <a:latin typeface="Times New Roman" panose="02020603050405020304" pitchFamily="18" charset="0"/>
+                <a:cs typeface="Times New Roman" panose="02020603050405020304" pitchFamily="18" charset="0"/>
+              </a:rPr>
+              <a:t> </a:t>
+            </a:r>
+            <a:r>
+              <a:rPr altLang="en-IN" dirty="0" lang="en-US">
+                <a:latin typeface="Times New Roman" panose="02020603050405020304" pitchFamily="18" charset="0"/>
+                <a:cs typeface="Times New Roman" panose="02020603050405020304" pitchFamily="18" charset="0"/>
+              </a:rPr>
+              <a:t> </a:t>
+            </a:r>
+            <a:r>
+              <a:rPr altLang="en-IN" dirty="0" lang="en-US">
+                <a:latin typeface="Times New Roman" panose="02020603050405020304" pitchFamily="18" charset="0"/>
+                <a:cs typeface="Times New Roman" panose="02020603050405020304" pitchFamily="18" charset="0"/>
+              </a:rPr>
+              <a:t> </a:t>
+            </a:r>
+            <a:r>
+              <a:rPr altLang="en-IN" dirty="0" lang="en-US">
+                <a:latin typeface="Times New Roman" panose="02020603050405020304" pitchFamily="18" charset="0"/>
+                <a:cs typeface="Times New Roman" panose="02020603050405020304" pitchFamily="18" charset="0"/>
+              </a:rPr>
+              <a:t> </a:t>
+            </a:r>
+            <a:r>
+              <a:rPr altLang="en-IN" dirty="0" lang="en-US">
+                <a:latin typeface="Times New Roman" panose="02020603050405020304" pitchFamily="18" charset="0"/>
+                <a:cs typeface="Times New Roman" panose="02020603050405020304" pitchFamily="18" charset="0"/>
+              </a:rPr>
+              <a:t> </a:t>
+            </a:r>
+            <a:endParaRPr dirty="0">
+              <a:latin typeface="Times New Roman" panose="02020603050405020304" pitchFamily="18" charset="0"/>
+              <a:cs typeface="Times New Roman" panose="02020603050405020304" pitchFamily="18" charset="0"/>
+            </a:endParaRPr>
+          </a:p>
+          <a:p>
+            <a:endParaRPr dirty="0">
+              <a:latin typeface="Times New Roman" panose="02020603050405020304" pitchFamily="18" charset="0"/>
+              <a:cs typeface="Times New Roman" panose="02020603050405020304" pitchFamily="18" charset="0"/>
+            </a:endParaRPr>
+          </a:p>
+          <a:p>
+            <a:endParaRPr dirty="0">
+              <a:latin typeface="Times New Roman" panose="02020603050405020304" pitchFamily="18" charset="0"/>
+              <a:cs typeface="Times New Roman" panose="02020603050405020304" pitchFamily="18" charset="0"/>
+            </a:endParaRPr>
+          </a:p>
+          <a:p>
+            <a:endParaRPr dirty="0">
+              <a:latin typeface="Times New Roman" panose="02020603050405020304" pitchFamily="18" charset="0"/>
+              <a:cs typeface="Times New Roman" panose="02020603050405020304" pitchFamily="18" charset="0"/>
+            </a:endParaRPr>
+          </a:p>
+          <a:p>
+            <a:endParaRPr dirty="0">
+              <a:latin typeface="Times New Roman" panose="02020603050405020304" pitchFamily="18" charset="0"/>
+              <a:cs typeface="Times New Roman" panose="02020603050405020304" pitchFamily="18" charset="0"/>
+            </a:endParaRPr>
+          </a:p>
+          <a:p>
+            <a:r>
+              <a:rPr altLang="en-IN" dirty="0" lang="en-US">
+                <a:latin typeface="Times New Roman" panose="02020603050405020304" pitchFamily="18" charset="0"/>
+                <a:cs typeface="Times New Roman" panose="02020603050405020304" pitchFamily="18" charset="0"/>
+              </a:rPr>
+              <a:t> </a:t>
+            </a:r>
+            <a:r>
+              <a:rPr altLang="en-IN" dirty="0" lang="en-US">
+                <a:latin typeface="Times New Roman" panose="02020603050405020304" pitchFamily="18" charset="0"/>
+                <a:cs typeface="Times New Roman" panose="02020603050405020304" pitchFamily="18" charset="0"/>
+              </a:rPr>
+              <a:t> </a:t>
+            </a:r>
+            <a:r>
+              <a:rPr altLang="en-IN" dirty="0" lang="en-US">
+                <a:latin typeface="Times New Roman" panose="02020603050405020304" pitchFamily="18" charset="0"/>
+                <a:cs typeface="Times New Roman" panose="02020603050405020304" pitchFamily="18" charset="0"/>
+              </a:rPr>
+              <a:t> </a:t>
+            </a:r>
+            <a:r>
+              <a:rPr altLang="en-IN" dirty="0" lang="en-US">
+                <a:latin typeface="Times New Roman" panose="02020603050405020304" pitchFamily="18" charset="0"/>
+                <a:cs typeface="Times New Roman" panose="02020603050405020304" pitchFamily="18" charset="0"/>
+              </a:rPr>
+              <a:t> </a:t>
+            </a:r>
+            <a:r>
+              <a:rPr altLang="en-IN" dirty="0" lang="en-US">
+                <a:latin typeface="Times New Roman" panose="02020603050405020304" pitchFamily="18" charset="0"/>
+                <a:cs typeface="Times New Roman" panose="02020603050405020304" pitchFamily="18" charset="0"/>
+              </a:rPr>
+              <a:t> </a:t>
+            </a:r>
+            <a:r>
+              <a:rPr altLang="en-IN" dirty="0" lang="en-US">
+                <a:latin typeface="Times New Roman" panose="02020603050405020304" pitchFamily="18" charset="0"/>
+                <a:cs typeface="Times New Roman" panose="02020603050405020304" pitchFamily="18" charset="0"/>
+              </a:rPr>
+              <a:t> </a:t>
+            </a:r>
+            <a:r>
+              <a:rPr altLang="en-IN" dirty="0" lang="en-US">
+                <a:latin typeface="Times New Roman" panose="02020603050405020304" pitchFamily="18" charset="0"/>
+                <a:cs typeface="Times New Roman" panose="02020603050405020304" pitchFamily="18" charset="0"/>
+              </a:rPr>
+              <a:t> </a:t>
+            </a:r>
+            <a:r>
+              <a:rPr altLang="en-IN" dirty="0" lang="en-US">
+                <a:latin typeface="Times New Roman" panose="02020603050405020304" pitchFamily="18" charset="0"/>
+                <a:cs typeface="Times New Roman" panose="02020603050405020304" pitchFamily="18" charset="0"/>
+              </a:rPr>
+              <a:t> </a:t>
+            </a:r>
+            <a:r>
+              <a:rPr altLang="en-IN" dirty="0" lang="en-US">
+                <a:latin typeface="Times New Roman" panose="02020603050405020304" pitchFamily="18" charset="0"/>
+                <a:cs typeface="Times New Roman" panose="02020603050405020304" pitchFamily="18" charset="0"/>
+              </a:rPr>
+              <a:t> </a:t>
+            </a:r>
+            <a:r>
+              <a:rPr altLang="en-IN" dirty="0" lang="en-US">
+                <a:latin typeface="Times New Roman" panose="02020603050405020304" pitchFamily="18" charset="0"/>
+                <a:cs typeface="Times New Roman" panose="02020603050405020304" pitchFamily="18" charset="0"/>
+              </a:rPr>
+              <a:t> </a:t>
+            </a:r>
+            <a:r>
+              <a:rPr altLang="en-IN" dirty="0" lang="en-US">
+                <a:latin typeface="Times New Roman" panose="02020603050405020304" pitchFamily="18" charset="0"/>
+                <a:cs typeface="Times New Roman" panose="02020603050405020304" pitchFamily="18" charset="0"/>
+              </a:rPr>
+              <a:t> </a:t>
+            </a:r>
+            <a:r>
+              <a:rPr altLang="en-IN" dirty="0" lang="en-US">
+                <a:latin typeface="Times New Roman" panose="02020603050405020304" pitchFamily="18" charset="0"/>
+                <a:cs typeface="Times New Roman" panose="02020603050405020304" pitchFamily="18" charset="0"/>
+              </a:rPr>
+              <a:t> </a:t>
+            </a:r>
+            <a:r>
+              <a:rPr altLang="en-IN" dirty="0" lang="en-US">
+                <a:latin typeface="Times New Roman" panose="02020603050405020304" pitchFamily="18" charset="0"/>
+                <a:cs typeface="Times New Roman" panose="02020603050405020304" pitchFamily="18" charset="0"/>
+              </a:rPr>
+              <a:t> </a:t>
+            </a:r>
+            <a:r>
+              <a:rPr altLang="en-IN" dirty="0" lang="en-US">
+                <a:latin typeface="Times New Roman" panose="02020603050405020304" pitchFamily="18" charset="0"/>
+                <a:cs typeface="Times New Roman" panose="02020603050405020304" pitchFamily="18" charset="0"/>
+              </a:rPr>
+              <a:t> </a:t>
+            </a:r>
+            <a:r>
+              <a:rPr altLang="en-IN" dirty="0" lang="en-US">
+                <a:latin typeface="Times New Roman" panose="02020603050405020304" pitchFamily="18" charset="0"/>
+                <a:cs typeface="Times New Roman" panose="02020603050405020304" pitchFamily="18" charset="0"/>
+              </a:rPr>
+              <a:t> </a:t>
+            </a:r>
+            <a:r>
+              <a:rPr altLang="en-IN" dirty="0" lang="en-US">
+                <a:latin typeface="Times New Roman" panose="02020603050405020304" pitchFamily="18" charset="0"/>
+                <a:cs typeface="Times New Roman" panose="02020603050405020304" pitchFamily="18" charset="0"/>
+              </a:rPr>
+              <a:t> </a:t>
+            </a:r>
+            <a:r>
+              <a:rPr altLang="en-IN" dirty="0" lang="en-US">
+                <a:latin typeface="Times New Roman" panose="02020603050405020304" pitchFamily="18" charset="0"/>
+                <a:cs typeface="Times New Roman" panose="02020603050405020304" pitchFamily="18" charset="0"/>
+              </a:rPr>
+              <a:t> </a:t>
+            </a:r>
+            <a:r>
+              <a:rPr altLang="en-IN" dirty="0" lang="en-US">
+                <a:latin typeface="Times New Roman" panose="02020603050405020304" pitchFamily="18" charset="0"/>
+                <a:cs typeface="Times New Roman" panose="02020603050405020304" pitchFamily="18" charset="0"/>
+              </a:rPr>
+              <a:t> </a:t>
+            </a:r>
+            <a:r>
+              <a:rPr altLang="en-IN" dirty="0" lang="en-US">
+                <a:latin typeface="Times New Roman" panose="02020603050405020304" pitchFamily="18" charset="0"/>
+                <a:cs typeface="Times New Roman" panose="02020603050405020304" pitchFamily="18" charset="0"/>
+              </a:rPr>
+              <a:t> </a:t>
+            </a:r>
+            <a:r>
+              <a:rPr altLang="en-IN" dirty="0" lang="en-US">
+                <a:latin typeface="Times New Roman" panose="02020603050405020304" pitchFamily="18" charset="0"/>
+                <a:cs typeface="Times New Roman" panose="02020603050405020304" pitchFamily="18" charset="0"/>
+              </a:rPr>
+              <a:t> </a:t>
+            </a:r>
+            <a:r>
+              <a:rPr altLang="en-IN" dirty="0" lang="en-US">
+                <a:latin typeface="Times New Roman" panose="02020603050405020304" pitchFamily="18" charset="0"/>
+                <a:cs typeface="Times New Roman" panose="02020603050405020304" pitchFamily="18" charset="0"/>
+              </a:rPr>
+              <a:t> </a:t>
+            </a:r>
+            <a:r>
+              <a:rPr altLang="en-IN" dirty="0" lang="en-US">
+                <a:latin typeface="Times New Roman" panose="02020603050405020304" pitchFamily="18" charset="0"/>
+                <a:cs typeface="Times New Roman" panose="02020603050405020304" pitchFamily="18" charset="0"/>
+              </a:rPr>
+              <a:t> </a:t>
+            </a:r>
+            <a:r>
+              <a:rPr altLang="en-IN" dirty="0" lang="en-US">
+                <a:latin typeface="Times New Roman" panose="02020603050405020304" pitchFamily="18" charset="0"/>
+                <a:cs typeface="Times New Roman" panose="02020603050405020304" pitchFamily="18" charset="0"/>
+              </a:rPr>
+              <a:t> </a:t>
+            </a:r>
+            <a:r>
+              <a:rPr altLang="en-IN" dirty="0" lang="en-US">
+                <a:latin typeface="Times New Roman" panose="02020603050405020304" pitchFamily="18" charset="0"/>
+                <a:cs typeface="Times New Roman" panose="02020603050405020304" pitchFamily="18" charset="0"/>
+              </a:rPr>
+              <a:t> </a:t>
+            </a:r>
+            <a:r>
+              <a:rPr altLang="en-IN" dirty="0" lang="en-US">
+                <a:latin typeface="Times New Roman" panose="02020603050405020304" pitchFamily="18" charset="0"/>
+                <a:cs typeface="Times New Roman" panose="02020603050405020304" pitchFamily="18" charset="0"/>
+              </a:rPr>
+              <a:t> </a:t>
+            </a:r>
+            <a:r>
+              <a:rPr altLang="en-IN" dirty="0" lang="en-US">
+                <a:latin typeface="Times New Roman" panose="02020603050405020304" pitchFamily="18" charset="0"/>
+                <a:cs typeface="Times New Roman" panose="02020603050405020304" pitchFamily="18" charset="0"/>
+              </a:rPr>
+              <a:t> </a:t>
+            </a:r>
+            <a:r>
+              <a:rPr altLang="en-IN" dirty="0" lang="en-US">
+                <a:latin typeface="Times New Roman" panose="02020603050405020304" pitchFamily="18" charset="0"/>
+                <a:cs typeface="Times New Roman" panose="02020603050405020304" pitchFamily="18" charset="0"/>
+              </a:rPr>
+              <a:t> </a:t>
+            </a:r>
+            <a:r>
+              <a:rPr altLang="en-IN" dirty="0" lang="en-US">
+                <a:latin typeface="Times New Roman" panose="02020603050405020304" pitchFamily="18" charset="0"/>
+                <a:cs typeface="Times New Roman" panose="02020603050405020304" pitchFamily="18" charset="0"/>
+              </a:rPr>
+              <a:t> </a:t>
+            </a:r>
+            <a:r>
+              <a:rPr altLang="en-IN" dirty="0" lang="en-US">
+                <a:latin typeface="Times New Roman" panose="02020603050405020304" pitchFamily="18" charset="0"/>
+                <a:cs typeface="Times New Roman" panose="02020603050405020304" pitchFamily="18" charset="0"/>
+              </a:rPr>
+              <a:t> </a:t>
+            </a:r>
+            <a:r>
+              <a:rPr altLang="en-IN" dirty="0" lang="en-US">
+                <a:latin typeface="Times New Roman" panose="02020603050405020304" pitchFamily="18" charset="0"/>
+                <a:cs typeface="Times New Roman" panose="02020603050405020304" pitchFamily="18" charset="0"/>
+              </a:rPr>
+              <a:t> </a:t>
+            </a:r>
+            <a:r>
+              <a:rPr altLang="en-IN" dirty="0" lang="en-US">
+                <a:latin typeface="Times New Roman" panose="02020603050405020304" pitchFamily="18" charset="0"/>
+                <a:cs typeface="Times New Roman" panose="02020603050405020304" pitchFamily="18" charset="0"/>
+              </a:rPr>
+              <a:t> </a:t>
+            </a:r>
+            <a:r>
+              <a:rPr altLang="en-IN" dirty="0" lang="en-US">
+                <a:latin typeface="Times New Roman" panose="02020603050405020304" pitchFamily="18" charset="0"/>
+                <a:cs typeface="Times New Roman" panose="02020603050405020304" pitchFamily="18" charset="0"/>
+              </a:rPr>
+              <a:t> </a:t>
+            </a:r>
+            <a:r>
+              <a:rPr altLang="en-IN" dirty="0" lang="en-US">
+                <a:latin typeface="Times New Roman" panose="02020603050405020304" pitchFamily="18" charset="0"/>
+                <a:cs typeface="Times New Roman" panose="02020603050405020304" pitchFamily="18" charset="0"/>
+              </a:rPr>
+              <a:t> </a:t>
+            </a:r>
+            <a:r>
+              <a:rPr altLang="en-IN" dirty="0" lang="en-US">
+                <a:latin typeface="Times New Roman" panose="02020603050405020304" pitchFamily="18" charset="0"/>
+                <a:cs typeface="Times New Roman" panose="02020603050405020304" pitchFamily="18" charset="0"/>
+              </a:rPr>
+              <a:t> </a:t>
+            </a:r>
+            <a:r>
+              <a:rPr altLang="en-IN" dirty="0" lang="en-US">
+                <a:latin typeface="Times New Roman" panose="02020603050405020304" pitchFamily="18" charset="0"/>
+                <a:cs typeface="Times New Roman" panose="02020603050405020304" pitchFamily="18" charset="0"/>
+              </a:rPr>
+              <a:t> </a:t>
+            </a:r>
+            <a:r>
+              <a:rPr altLang="en-IN" dirty="0" lang="en-US">
+                <a:latin typeface="Times New Roman" panose="02020603050405020304" pitchFamily="18" charset="0"/>
+                <a:cs typeface="Times New Roman" panose="02020603050405020304" pitchFamily="18" charset="0"/>
+              </a:rPr>
+              <a:t> </a:t>
+            </a:r>
+            <a:r>
+              <a:rPr altLang="en-IN" dirty="0" lang="en-US">
+                <a:latin typeface="Times New Roman" panose="02020603050405020304" pitchFamily="18" charset="0"/>
+                <a:cs typeface="Times New Roman" panose="02020603050405020304" pitchFamily="18" charset="0"/>
+              </a:rPr>
+              <a:t> </a:t>
+            </a:r>
+            <a:r>
+              <a:rPr altLang="en-IN" dirty="0" lang="en-US">
+                <a:latin typeface="Times New Roman" panose="02020603050405020304" pitchFamily="18" charset="0"/>
+                <a:cs typeface="Times New Roman" panose="02020603050405020304" pitchFamily="18" charset="0"/>
+              </a:rPr>
+              <a:t> </a:t>
+            </a:r>
+            <a:r>
+              <a:rPr altLang="en-IN" dirty="0" lang="en-US">
+                <a:latin typeface="Times New Roman" panose="02020603050405020304" pitchFamily="18" charset="0"/>
+                <a:cs typeface="Times New Roman" panose="02020603050405020304" pitchFamily="18" charset="0"/>
+              </a:rPr>
+              <a:t> </a:t>
+            </a:r>
+            <a:r>
+              <a:rPr altLang="en-IN" dirty="0" lang="en-US">
+                <a:latin typeface="Times New Roman" panose="02020603050405020304" pitchFamily="18" charset="0"/>
+                <a:cs typeface="Times New Roman" panose="02020603050405020304" pitchFamily="18" charset="0"/>
+              </a:rPr>
+              <a:t> </a:t>
+            </a:r>
+            <a:r>
+              <a:rPr altLang="en-IN" dirty="0" lang="en-US">
+                <a:latin typeface="Times New Roman" panose="02020603050405020304" pitchFamily="18" charset="0"/>
+                <a:cs typeface="Times New Roman" panose="02020603050405020304" pitchFamily="18" charset="0"/>
+              </a:rPr>
+              <a:t> </a:t>
+            </a:r>
+            <a:r>
+              <a:rPr altLang="en-IN" dirty="0" lang="en-US">
+                <a:latin typeface="Times New Roman" panose="02020603050405020304" pitchFamily="18" charset="0"/>
+                <a:cs typeface="Times New Roman" panose="02020603050405020304" pitchFamily="18" charset="0"/>
+              </a:rPr>
+              <a:t> </a:t>
+            </a:r>
+            <a:r>
+              <a:rPr altLang="en-IN" dirty="0" lang="en-US">
+                <a:latin typeface="Times New Roman" panose="02020603050405020304" pitchFamily="18" charset="0"/>
+                <a:cs typeface="Times New Roman" panose="02020603050405020304" pitchFamily="18" charset="0"/>
+              </a:rPr>
+              <a:t> </a:t>
+            </a:r>
+            <a:r>
+              <a:rPr altLang="en-IN" dirty="0" lang="en-US">
+                <a:latin typeface="Times New Roman" panose="02020603050405020304" pitchFamily="18" charset="0"/>
+                <a:cs typeface="Times New Roman" panose="02020603050405020304" pitchFamily="18" charset="0"/>
+              </a:rPr>
+              <a:t> </a:t>
+            </a:r>
+            <a:r>
+              <a:rPr altLang="en-IN" dirty="0" lang="en-US">
+                <a:latin typeface="Times New Roman" panose="02020603050405020304" pitchFamily="18" charset="0"/>
+                <a:cs typeface="Times New Roman" panose="02020603050405020304" pitchFamily="18" charset="0"/>
+              </a:rPr>
+              <a:t> </a:t>
+            </a:r>
+            <a:r>
+              <a:rPr altLang="en-IN" dirty="0" lang="en-US">
+                <a:latin typeface="Times New Roman" panose="02020603050405020304" pitchFamily="18" charset="0"/>
+                <a:cs typeface="Times New Roman" panose="02020603050405020304" pitchFamily="18" charset="0"/>
+              </a:rPr>
+              <a:t> </a:t>
+            </a:r>
+            <a:r>
+              <a:rPr altLang="en-IN" dirty="0" lang="en-US">
+                <a:latin typeface="Times New Roman" panose="02020603050405020304" pitchFamily="18" charset="0"/>
+                <a:cs typeface="Times New Roman" panose="02020603050405020304" pitchFamily="18" charset="0"/>
+              </a:rPr>
+              <a:t> </a:t>
+            </a:r>
+            <a:r>
+              <a:rPr altLang="en-IN" dirty="0" lang="en-US">
+                <a:latin typeface="Times New Roman" panose="02020603050405020304" pitchFamily="18" charset="0"/>
+                <a:cs typeface="Times New Roman" panose="02020603050405020304" pitchFamily="18" charset="0"/>
+              </a:rPr>
+              <a:t> </a:t>
+            </a:r>
+            <a:r>
+              <a:rPr altLang="en-IN" dirty="0" lang="en-US">
+                <a:latin typeface="Times New Roman" panose="02020603050405020304" pitchFamily="18" charset="0"/>
+                <a:cs typeface="Times New Roman" panose="02020603050405020304" pitchFamily="18" charset="0"/>
+              </a:rPr>
+              <a:t> </a:t>
+            </a:r>
+            <a:r>
+              <a:rPr altLang="en-IN" dirty="0" lang="en-US">
+                <a:latin typeface="Times New Roman" panose="02020603050405020304" pitchFamily="18" charset="0"/>
+                <a:cs typeface="Times New Roman" panose="02020603050405020304" pitchFamily="18" charset="0"/>
+              </a:rPr>
+              <a:t> </a:t>
+            </a:r>
+            <a:r>
+              <a:rPr altLang="en-IN" dirty="0" lang="en-US">
+                <a:latin typeface="Times New Roman" panose="02020603050405020304" pitchFamily="18" charset="0"/>
+                <a:cs typeface="Times New Roman" panose="02020603050405020304" pitchFamily="18" charset="0"/>
+              </a:rPr>
+              <a:t> </a:t>
+            </a:r>
+            <a:r>
+              <a:rPr altLang="en-IN" dirty="0" lang="en-US">
+                <a:latin typeface="Times New Roman" panose="02020603050405020304" pitchFamily="18" charset="0"/>
+                <a:cs typeface="Times New Roman" panose="02020603050405020304" pitchFamily="18" charset="0"/>
+              </a:rPr>
+              <a:t> </a:t>
+            </a:r>
+            <a:r>
+              <a:rPr altLang="en-IN" dirty="0" lang="en-US">
+                <a:latin typeface="Times New Roman" panose="02020603050405020304" pitchFamily="18" charset="0"/>
+                <a:cs typeface="Times New Roman" panose="02020603050405020304" pitchFamily="18" charset="0"/>
+              </a:rPr>
+              <a:t> </a:t>
+            </a:r>
+            <a:r>
+              <a:rPr altLang="en-IN" dirty="0" lang="en-US">
+                <a:latin typeface="Times New Roman" panose="02020603050405020304" pitchFamily="18" charset="0"/>
+                <a:cs typeface="Times New Roman" panose="02020603050405020304" pitchFamily="18" charset="0"/>
+              </a:rPr>
+              <a:t> </a:t>
+            </a:r>
+            <a:r>
+              <a:rPr altLang="en-IN" dirty="0" lang="en-US">
+                <a:latin typeface="Times New Roman" panose="02020603050405020304" pitchFamily="18" charset="0"/>
+                <a:cs typeface="Times New Roman" panose="02020603050405020304" pitchFamily="18" charset="0"/>
+              </a:rPr>
+              <a:t> </a:t>
+            </a:r>
+            <a:r>
+              <a:rPr altLang="en-IN" dirty="0" lang="en-US">
+                <a:latin typeface="Times New Roman" panose="02020603050405020304" pitchFamily="18" charset="0"/>
+                <a:cs typeface="Times New Roman" panose="02020603050405020304" pitchFamily="18" charset="0"/>
+              </a:rPr>
+              <a:t> </a:t>
+            </a:r>
+            <a:r>
+              <a:rPr altLang="en-IN" dirty="0" lang="en-US">
+                <a:latin typeface="Times New Roman" panose="02020603050405020304" pitchFamily="18" charset="0"/>
+                <a:cs typeface="Times New Roman" panose="02020603050405020304" pitchFamily="18" charset="0"/>
+              </a:rPr>
+              <a:t> </a:t>
+            </a:r>
+            <a:r>
+              <a:rPr altLang="en-IN" dirty="0" lang="en-US">
+                <a:latin typeface="Times New Roman" panose="02020603050405020304" pitchFamily="18" charset="0"/>
+                <a:cs typeface="Times New Roman" panose="02020603050405020304" pitchFamily="18" charset="0"/>
+              </a:rPr>
+              <a:t> </a:t>
+            </a:r>
+            <a:r>
+              <a:rPr altLang="en-IN" dirty="0" lang="en-US">
+                <a:latin typeface="Times New Roman" panose="02020603050405020304" pitchFamily="18" charset="0"/>
+                <a:cs typeface="Times New Roman" panose="02020603050405020304" pitchFamily="18" charset="0"/>
+              </a:rPr>
+              <a:t> </a:t>
+            </a:r>
+            <a:r>
+              <a:rPr altLang="en-IN" dirty="0" sz="6000" lang="en-US">
+                <a:latin typeface="Times New Roman" panose="02020603050405020304" pitchFamily="18" charset="0"/>
+                <a:cs typeface="Times New Roman" panose="02020603050405020304" pitchFamily="18" charset="0"/>
+              </a:rPr>
+              <a:t>C</a:t>
+            </a:r>
+            <a:r>
+              <a:rPr altLang="en-IN" dirty="0" sz="6000" lang="en-US">
+                <a:latin typeface="Times New Roman" panose="02020603050405020304" pitchFamily="18" charset="0"/>
+                <a:cs typeface="Times New Roman" panose="02020603050405020304" pitchFamily="18" charset="0"/>
+              </a:rPr>
+              <a:t>y</a:t>
+            </a:r>
+            <a:r>
+              <a:rPr altLang="en-IN" dirty="0" sz="6000" lang="en-US">
+                <a:latin typeface="Times New Roman" panose="02020603050405020304" pitchFamily="18" charset="0"/>
+                <a:cs typeface="Times New Roman" panose="02020603050405020304" pitchFamily="18" charset="0"/>
+              </a:rPr>
+              <a:t>b</a:t>
+            </a:r>
+            <a:r>
+              <a:rPr altLang="en-IN" dirty="0" sz="6000" lang="en-US">
+                <a:latin typeface="Times New Roman" panose="02020603050405020304" pitchFamily="18" charset="0"/>
+                <a:cs typeface="Times New Roman" panose="02020603050405020304" pitchFamily="18" charset="0"/>
+              </a:rPr>
+              <a:t>e</a:t>
+            </a:r>
+            <a:r>
+              <a:rPr altLang="en-IN" dirty="0" sz="6000" lang="en-US">
+                <a:latin typeface="Times New Roman" panose="02020603050405020304" pitchFamily="18" charset="0"/>
+                <a:cs typeface="Times New Roman" panose="02020603050405020304" pitchFamily="18" charset="0"/>
+              </a:rPr>
+              <a:t>r</a:t>
+            </a:r>
+            <a:r>
+              <a:rPr altLang="en-IN" dirty="0" sz="6000" lang="en-US">
+                <a:latin typeface="Times New Roman" panose="02020603050405020304" pitchFamily="18" charset="0"/>
+                <a:cs typeface="Times New Roman" panose="02020603050405020304" pitchFamily="18" charset="0"/>
+              </a:rPr>
+              <a:t>s</a:t>
+            </a:r>
+            <a:r>
+              <a:rPr altLang="en-IN" dirty="0" sz="6000" lang="en-US">
+                <a:latin typeface="Times New Roman" panose="02020603050405020304" pitchFamily="18" charset="0"/>
+                <a:cs typeface="Times New Roman" panose="02020603050405020304" pitchFamily="18" charset="0"/>
+              </a:rPr>
+              <a:t>e</a:t>
+            </a:r>
+            <a:r>
+              <a:rPr altLang="en-IN" dirty="0" sz="6000" lang="en-US">
+                <a:latin typeface="Times New Roman" panose="02020603050405020304" pitchFamily="18" charset="0"/>
+                <a:cs typeface="Times New Roman" panose="02020603050405020304" pitchFamily="18" charset="0"/>
+              </a:rPr>
+              <a:t>c</a:t>
+            </a:r>
+            <a:r>
+              <a:rPr altLang="en-IN" dirty="0" sz="6000" lang="en-US">
+                <a:latin typeface="Times New Roman" panose="02020603050405020304" pitchFamily="18" charset="0"/>
+                <a:cs typeface="Times New Roman" panose="02020603050405020304" pitchFamily="18" charset="0"/>
+              </a:rPr>
+              <a:t>u</a:t>
+            </a:r>
+            <a:r>
+              <a:rPr altLang="en-IN" dirty="0" sz="6000" lang="en-US">
+                <a:latin typeface="Times New Roman" panose="02020603050405020304" pitchFamily="18" charset="0"/>
+                <a:cs typeface="Times New Roman" panose="02020603050405020304" pitchFamily="18" charset="0"/>
+              </a:rPr>
+              <a:t>r</a:t>
+            </a:r>
+            <a:r>
+              <a:rPr altLang="en-IN" dirty="0" sz="6000" lang="en-US">
+                <a:latin typeface="Times New Roman" panose="02020603050405020304" pitchFamily="18" charset="0"/>
+                <a:cs typeface="Times New Roman" panose="02020603050405020304" pitchFamily="18" charset="0"/>
+              </a:rPr>
+              <a:t>i</a:t>
+            </a:r>
+            <a:r>
+              <a:rPr altLang="en-IN" dirty="0" sz="6000" lang="en-US">
+                <a:latin typeface="Times New Roman" panose="02020603050405020304" pitchFamily="18" charset="0"/>
+                <a:cs typeface="Times New Roman" panose="02020603050405020304" pitchFamily="18" charset="0"/>
+              </a:rPr>
+              <a:t>t</a:t>
+            </a:r>
+            <a:r>
+              <a:rPr altLang="en-IN" dirty="0" sz="6000" lang="en-US">
+                <a:latin typeface="Times New Roman" panose="02020603050405020304" pitchFamily="18" charset="0"/>
+                <a:cs typeface="Times New Roman" panose="02020603050405020304" pitchFamily="18" charset="0"/>
+              </a:rPr>
+              <a:t>y</a:t>
+            </a:r>
+            <a:r>
+              <a:rPr altLang="en-IN" dirty="0" sz="6000" lang="en-US">
+                <a:latin typeface="Times New Roman" panose="02020603050405020304" pitchFamily="18" charset="0"/>
+                <a:cs typeface="Times New Roman" panose="02020603050405020304" pitchFamily="18" charset="0"/>
+              </a:rPr>
+              <a:t> </a:t>
+            </a:r>
+            <a:endParaRPr dirty="0">
+              <a:latin typeface="Times New Roman" panose="02020603050405020304" pitchFamily="18" charset="0"/>
+              <a:cs typeface="Times New Roman" panose="02020603050405020304" pitchFamily="18" charset="0"/>
+            </a:endParaRPr>
+          </a:p>
         </p:txBody>
       </p:sp>
       <p:grpSp>
         <p:nvGrpSpPr>
-          <p:cNvPr id="25" name="object 3"/>
+          <p:cNvPr id="26" name="object 3"/>
           <p:cNvGrpSpPr/>
           <p:nvPr/>
         </p:nvGrpSpPr>
         <p:grpSpPr>
           <a:xfrm>
-            <a:off x="1747839" y="0"/>
-            <a:ext cx="10440570" cy="6858380"/>
-            <a:chOff x="6713080" y="0"/>
-            <a:chExt cx="5479328" cy="6858380"/>
+            <a:off x="7443849" y="0"/>
+            <a:ext cx="4752975" cy="6863080"/>
+            <a:chOff x="7443849" y="0"/>
+            <a:chExt cx="4752975" cy="6863080"/>
           </a:xfrm>
         </p:grpSpPr>
         <p:sp>
@@ -3396,7 +4930,7 @@
           </p:nvSpPr>
           <p:spPr>
             <a:xfrm>
-              <a:off x="6713080" y="2913379"/>
+              <a:off x="7448612" y="3694896"/>
               <a:ext cx="4743450" cy="3163570"/>
             </a:xfrm>
             <a:custGeom>
@@ -3422,41 +4956,7 @@
           </p:spPr>
           <p:txBody>
             <a:bodyPr bIns="0" lIns="0" rIns="0" rtlCol="0" tIns="0" wrap="square"/>
-            <a:p>
-              <a:r>
-                <a:rPr altLang="en-IN" sz="4400" lang="en-US"/>
-                <a:t>W</a:t>
-              </a:r>
-              <a:r>
-                <a:rPr altLang="en-IN" sz="4400" lang="en-US"/>
-                <a:t>E</a:t>
-              </a:r>
-              <a:r>
-                <a:rPr altLang="en-IN" sz="4400" lang="en-US"/>
-                <a:t>B</a:t>
-              </a:r>
-              <a:r>
-                <a:rPr altLang="en-IN" sz="4400" lang="en-US"/>
-                <a:t> </a:t>
-              </a:r>
-              <a:r>
-                <a:rPr altLang="en-IN" sz="4400" lang="en-US"/>
-                <a:t>D</a:t>
-              </a:r>
-              <a:r>
-                <a:rPr altLang="en-IN" sz="4400" lang="en-US"/>
-                <a:t>E</a:t>
-              </a:r>
-              <a:r>
-                <a:rPr altLang="en-IN" sz="4400" lang="en-US"/>
-                <a:t>LVEPMENT</a:t>
-              </a:r>
-              <a:r>
-                <a:rPr altLang="en-IN" sz="4400" lang="en-US"/>
-                <a:t> </a:t>
-              </a:r>
-              <a:endParaRPr altLang="en-US" lang="zh-CN"/>
-            </a:p>
+            <a:p/>
           </p:txBody>
         </p:sp>
         <p:sp>
@@ -3561,8 +5061,8 @@
           </p:nvSpPr>
           <p:spPr>
             <a:xfrm>
-              <a:off x="9380730" y="3569966"/>
-              <a:ext cx="2811270" cy="3288034"/>
+              <a:off x="8934450" y="3048000"/>
+              <a:ext cx="3257550" cy="3810000"/>
             </a:xfrm>
             <a:custGeom>
               <a:avLst/>
@@ -3975,7 +5475,7 @@
         <p:spPr>
           <a:xfrm>
             <a:off x="739775" y="829627"/>
-            <a:ext cx="3909695" cy="638811"/>
+            <a:ext cx="3909695" cy="638810"/>
           </a:xfrm>
           <a:prstGeom prst="rect"/>
         </p:spPr>
@@ -4010,7 +5510,7 @@
       </p:sp>
       <p:grpSp>
         <p:nvGrpSpPr>
-          <p:cNvPr id="26" name="object 18"/>
+          <p:cNvPr id="27" name="object 18"/>
           <p:cNvGrpSpPr/>
           <p:nvPr/>
         </p:nvGrpSpPr>
@@ -4078,10 +5578,6 @@
           </p:nvPr>
         </p:nvSpPr>
         <p:spPr>
-          <a:xfrm>
-            <a:off x="11353418" y="6473337"/>
-            <a:ext cx="151129" cy="159385"/>
-          </a:xfrm>
           <a:prstGeom prst="rect"/>
         </p:spPr>
         <p:txBody>
@@ -4118,7 +5614,7 @@
   <p:cSld>
     <p:spTree>
       <p:nvGrpSpPr>
-        <p:cNvPr id="27" name=""/>
+        <p:cNvPr id="28" name=""/>
         <p:cNvGrpSpPr/>
         <p:nvPr/>
       </p:nvGrpSpPr>
@@ -4179,7 +5675,7 @@
       </p:sp>
       <p:grpSp>
         <p:nvGrpSpPr>
-          <p:cNvPr id="28" name="object 3"/>
+          <p:cNvPr id="29" name="object 3"/>
           <p:cNvGrpSpPr/>
           <p:nvPr/>
         </p:nvGrpSpPr>
@@ -5097,7 +6593,7 @@
       </p:pic>
       <p:grpSp>
         <p:nvGrpSpPr>
-          <p:cNvPr id="29" name="object 18"/>
+          <p:cNvPr id="30" name="object 18"/>
           <p:cNvGrpSpPr/>
           <p:nvPr/>
         </p:nvGrpSpPr>
@@ -5218,10 +6714,6 @@
           </p:nvPr>
         </p:nvSpPr>
         <p:spPr>
-          <a:xfrm>
-            <a:off x="11353418" y="6473337"/>
-            <a:ext cx="151129" cy="159385"/>
-          </a:xfrm>
           <a:prstGeom prst="rect"/>
         </p:spPr>
         <p:txBody>
@@ -5254,7 +6746,7 @@
         <p:spPr>
           <a:xfrm>
             <a:off x="2509807" y="1041533"/>
-            <a:ext cx="5029200" cy="4701540"/>
+            <a:ext cx="5029200" cy="4701541"/>
           </a:xfrm>
           <a:prstGeom prst="rect"/>
           <a:noFill/>
@@ -5497,7 +6989,7 @@
   <p:cSld>
     <p:spTree>
       <p:nvGrpSpPr>
-        <p:cNvPr id="30" name=""/>
+        <p:cNvPr id="31" name=""/>
         <p:cNvGrpSpPr/>
         <p:nvPr/>
       </p:nvGrpSpPr>
@@ -5511,16 +7003,16 @@
       </p:grpSpPr>
       <p:grpSp>
         <p:nvGrpSpPr>
-          <p:cNvPr id="31" name="object 2"/>
+          <p:cNvPr id="32" name="object 2"/>
           <p:cNvGrpSpPr/>
           <p:nvPr/>
         </p:nvGrpSpPr>
         <p:grpSpPr>
           <a:xfrm>
-            <a:off x="8658225" y="2647950"/>
-            <a:ext cx="3533775" cy="3810000"/>
-            <a:chOff x="8658225" y="2647950"/>
-            <a:chExt cx="3533775" cy="3810000"/>
+            <a:off x="7991475" y="2933700"/>
+            <a:ext cx="2762250" cy="3257550"/>
+            <a:chOff x="7991475" y="2933700"/>
+            <a:chExt cx="2762250" cy="3257550"/>
           </a:xfrm>
         </p:grpSpPr>
         <p:sp>
@@ -5629,8 +7121,8 @@
           </p:blipFill>
           <p:spPr>
             <a:xfrm>
-              <a:off x="8658225" y="2647950"/>
-              <a:ext cx="3533775" cy="3810000"/>
+              <a:off x="7991475" y="2933700"/>
+              <a:ext cx="2762250" cy="3257550"/>
             </a:xfrm>
             <a:prstGeom prst="rect"/>
           </p:spPr>
@@ -5693,8 +7185,8 @@
         </p:nvSpPr>
         <p:spPr>
           <a:xfrm>
-            <a:off x="739775" y="829627"/>
-            <a:ext cx="5263515" cy="638811"/>
+            <a:off x="834072" y="575055"/>
+            <a:ext cx="6277667" cy="638810"/>
           </a:xfrm>
           <a:prstGeom prst="rect"/>
         </p:spPr>
@@ -5711,16 +7203,60 @@
                 <a:spcPts val="130"/>
               </a:spcBef>
               <a:tabLst>
-                <a:tab algn="l" pos="2642870"/>
+                <a:tab algn="l" pos="2727960"/>
               </a:tabLst>
             </a:pPr>
             <a:r>
-              <a:rPr dirty="0" sz="4250" spc="5"/>
-              <a:t>PROJECT	</a:t>
-            </a:r>
-            <a:r>
               <a:rPr dirty="0" sz="4250" spc="-20"/>
-              <a:t>OVERVIEW</a:t>
+              <a:t>P</a:t>
+            </a:r>
+            <a:r>
+              <a:rPr dirty="0" sz="4250" spc="15"/>
+              <a:t>ROB</a:t>
+            </a:r>
+            <a:r>
+              <a:rPr dirty="0" sz="4250" spc="55"/>
+              <a:t>L</a:t>
+            </a:r>
+            <a:r>
+              <a:rPr dirty="0" sz="4250" spc="-20"/>
+              <a:t>E</a:t>
+            </a:r>
+            <a:r>
+              <a:rPr dirty="0" sz="4250" spc="20"/>
+              <a:t>M</a:t>
+            </a:r>
+            <a:r>
+              <a:rPr dirty="0" sz="4250"/>
+              <a:t>	</a:t>
+            </a:r>
+            <a:r>
+              <a:rPr dirty="0" sz="4250" spc="10"/>
+              <a:t>S</a:t>
+            </a:r>
+            <a:r>
+              <a:rPr dirty="0" sz="4250" spc="-370"/>
+              <a:t>T</a:t>
+            </a:r>
+            <a:r>
+              <a:rPr dirty="0" sz="4250" spc="-375"/>
+              <a:t>A</a:t>
+            </a:r>
+            <a:r>
+              <a:rPr dirty="0" sz="4250" spc="15"/>
+              <a:t>T</a:t>
+            </a:r>
+            <a:r>
+              <a:rPr dirty="0" sz="4250" spc="-10"/>
+              <a:t>E</a:t>
+            </a:r>
+            <a:r>
+              <a:rPr dirty="0" sz="4250" spc="-20"/>
+              <a:t>ME</a:t>
+            </a:r>
+            <a:r>
+              <a:rPr dirty="0" sz="4250" spc="10"/>
+              <a:t>NT</a:t>
             </a:r>
             <a:endParaRPr sz="4250"/>
           </a:p>
@@ -5759,10 +7295,6 @@
           </p:nvPr>
         </p:nvSpPr>
         <p:spPr>
-          <a:xfrm>
-            <a:off x="11353418" y="6473337"/>
-            <a:ext cx="151129" cy="159385"/>
-          </a:xfrm>
           <a:prstGeom prst="rect"/>
         </p:spPr>
         <p:txBody>
@@ -5788,14 +7320,14 @@
       </p:sp>
       <p:sp>
         <p:nvSpPr>
-          <p:cNvPr id="1048648" name=""/>
+          <p:cNvPr id="1048701" name=""/>
           <p:cNvSpPr txBox="1"/>
           <p:nvPr/>
         </p:nvSpPr>
         <p:spPr>
           <a:xfrm>
-            <a:off x="658892" y="1857375"/>
-            <a:ext cx="12074364" cy="3444240"/>
+            <a:off x="4096000" y="3219450"/>
+            <a:ext cx="4000000" cy="510540"/>
           </a:xfrm>
           <a:prstGeom prst="rect"/>
         </p:spPr>
@@ -5805,29 +7337,49 @@
           </a:bodyPr>
           <a:p>
             <a:r>
-              <a:rPr altLang="en-IN" sz="2800" lang="en-US">
+              <a:rPr sz="2800" lang="en-US">
                 <a:solidFill>
                   <a:srgbClr val="000000"/>
                 </a:solidFill>
               </a:rPr>
-              <a:t>K</a:t>
-            </a:r>
-            <a:r>
-              <a:rPr sz="2800" lang="en-IN">
+              <a:t/>
+            </a:r>
+            <a:endParaRPr sz="2800" lang="en-US">
+              <a:solidFill>
+                <a:srgbClr val="000000"/>
+              </a:solidFill>
+            </a:endParaRPr>
+          </a:p>
+        </p:txBody>
+      </p:sp>
+      <p:sp>
+        <p:nvSpPr>
+          <p:cNvPr id="1048702" name=""/>
+          <p:cNvSpPr txBox="1"/>
+          <p:nvPr/>
+        </p:nvSpPr>
+        <p:spPr>
+          <a:xfrm>
+            <a:off x="834072" y="1695449"/>
+            <a:ext cx="7610088" cy="3025140"/>
+          </a:xfrm>
+          <a:prstGeom prst="rect"/>
+        </p:spPr>
+        <p:txBody>
+          <a:bodyPr rtlCol="0" wrap="square">
+            <a:spAutoFit/>
+          </a:bodyPr>
+          <a:p>
+            <a:r>
+              <a:rPr sz="2800" lang="en-US">
                 <a:solidFill>
                   <a:srgbClr val="000000"/>
                 </a:solidFill>
               </a:rPr>
-              <a:t>ey Features
-1. *Product Catalog*: Display products with images, pricing.
-2. *Search &amp; Filters*: Search and filter by category, price.
-3. *Cart &amp; Checkout*: Shopping cart with payment gateway (Stripe/PayPal).
-4. *User Auth*: Registration, login.
-5. *Admin Panel*: Manage products, orders.
-6. *Responsive*: Mobile-friendly design.
+              <a:t>Protecting computer systems, networks, and sensitive data from unauthorized access, theft, or damage is a critical concern. Cybersecurity threats, such as hacking, malware, and phishing, can compromise confidentiality, integrity, and availability of digital assets.
 </a:t>
             </a:r>
-            <a:endParaRPr sz="2800" lang="en-IN">
+            <a:endParaRPr sz="2800" lang="en-US">
               <a:solidFill>
                 <a:srgbClr val="000000"/>
               </a:solidFill>
@@ -5848,7 +7400,7 @@
   <p:cSld>
     <p:spTree>
       <p:nvGrpSpPr>
-        <p:cNvPr id="32" name=""/>
+        <p:cNvPr id="33" name=""/>
         <p:cNvGrpSpPr/>
         <p:nvPr/>
       </p:nvGrpSpPr>
@@ -5860,54 +7412,136 @@
           <a:chExt cx="0" cy="0"/>
         </a:xfrm>
       </p:grpSpPr>
-      <p:sp>
-        <p:nvSpPr>
-          <p:cNvPr id="1048649" name="object 2"/>
-          <p:cNvSpPr/>
+      <p:grpSp>
+        <p:nvGrpSpPr>
+          <p:cNvPr id="34" name="object 2"/>
+          <p:cNvGrpSpPr/>
           <p:nvPr/>
-        </p:nvSpPr>
-        <p:spPr>
-          <a:xfrm>
-            <a:off x="9353550" y="5362575"/>
-            <a:ext cx="457200" cy="457200"/>
-          </a:xfrm>
-          <a:custGeom>
-            <a:avLst/>
-            <a:ahLst/>
-            <a:rect l="l" t="t" r="r" b="b"/>
-            <a:pathLst>
-              <a:path w="457200" h="457200">
-                <a:moveTo>
-                  <a:pt x="457200" y="0"/>
-                </a:moveTo>
-                <a:lnTo>
-                  <a:pt x="0" y="0"/>
-                </a:lnTo>
-                <a:lnTo>
-                  <a:pt x="0" y="457200"/>
-                </a:lnTo>
-                <a:lnTo>
-                  <a:pt x="457200" y="457200"/>
-                </a:lnTo>
-                <a:lnTo>
-                  <a:pt x="457200" y="0"/>
-                </a:lnTo>
-                <a:close/>
-              </a:path>
-            </a:pathLst>
-          </a:custGeom>
-          <a:solidFill>
-            <a:srgbClr val="42AF51"/>
-          </a:solidFill>
-        </p:spPr>
-        <p:txBody>
-          <a:bodyPr bIns="0" lIns="0" rIns="0" rtlCol="0" tIns="0" wrap="square"/>
-          <a:p/>
-        </p:txBody>
-      </p:sp>
-      <p:sp>
-        <p:nvSpPr>
-          <p:cNvPr id="1048650" name="object 3"/>
+        </p:nvGrpSpPr>
+        <p:grpSpPr>
+          <a:xfrm>
+            <a:off x="8658225" y="2647950"/>
+            <a:ext cx="3533775" cy="3810000"/>
+            <a:chOff x="8658225" y="2647950"/>
+            <a:chExt cx="3533775" cy="3810000"/>
+          </a:xfrm>
+        </p:grpSpPr>
+        <p:sp>
+          <p:nvSpPr>
+            <p:cNvPr id="1048648" name="object 3"/>
+            <p:cNvSpPr/>
+            <p:nvPr/>
+          </p:nvSpPr>
+          <p:spPr>
+            <a:xfrm>
+              <a:off x="9353550" y="5362575"/>
+              <a:ext cx="457200" cy="457200"/>
+            </a:xfrm>
+            <a:custGeom>
+              <a:avLst/>
+              <a:ahLst/>
+              <a:rect l="l" t="t" r="r" b="b"/>
+              <a:pathLst>
+                <a:path w="457200" h="457200">
+                  <a:moveTo>
+                    <a:pt x="457200" y="0"/>
+                  </a:moveTo>
+                  <a:lnTo>
+                    <a:pt x="0" y="0"/>
+                  </a:lnTo>
+                  <a:lnTo>
+                    <a:pt x="0" y="457200"/>
+                  </a:lnTo>
+                  <a:lnTo>
+                    <a:pt x="457200" y="457200"/>
+                  </a:lnTo>
+                  <a:lnTo>
+                    <a:pt x="457200" y="0"/>
+                  </a:lnTo>
+                  <a:close/>
+                </a:path>
+              </a:pathLst>
+            </a:custGeom>
+            <a:solidFill>
+              <a:srgbClr val="42AF51"/>
+            </a:solidFill>
+          </p:spPr>
+          <p:txBody>
+            <a:bodyPr bIns="0" lIns="0" rIns="0" rtlCol="0" tIns="0" wrap="square"/>
+            <a:p/>
+          </p:txBody>
+        </p:sp>
+        <p:sp>
+          <p:nvSpPr>
+            <p:cNvPr id="1048649" name="object 4"/>
+            <p:cNvSpPr/>
+            <p:nvPr/>
+          </p:nvSpPr>
+          <p:spPr>
+            <a:xfrm>
+              <a:off x="9353550" y="5895975"/>
+              <a:ext cx="180975" cy="180975"/>
+            </a:xfrm>
+            <a:custGeom>
+              <a:avLst/>
+              <a:ahLst/>
+              <a:rect l="l" t="t" r="r" b="b"/>
+              <a:pathLst>
+                <a:path w="180975" h="180975">
+                  <a:moveTo>
+                    <a:pt x="180975" y="0"/>
+                  </a:moveTo>
+                  <a:lnTo>
+                    <a:pt x="0" y="0"/>
+                  </a:lnTo>
+                  <a:lnTo>
+                    <a:pt x="0" y="180975"/>
+                  </a:lnTo>
+                  <a:lnTo>
+                    <a:pt x="180975" y="180975"/>
+                  </a:lnTo>
+                  <a:lnTo>
+                    <a:pt x="180975" y="0"/>
+                  </a:lnTo>
+                  <a:close/>
+                </a:path>
+              </a:pathLst>
+            </a:custGeom>
+            <a:solidFill>
+              <a:srgbClr val="2D936B"/>
+            </a:solidFill>
+          </p:spPr>
+          <p:txBody>
+            <a:bodyPr bIns="0" lIns="0" rIns="0" rtlCol="0" tIns="0" wrap="square"/>
+            <a:p/>
+          </p:txBody>
+        </p:sp>
+        <p:pic>
+          <p:nvPicPr>
+            <p:cNvPr id="2097160" name="object 5"/>
+            <p:cNvPicPr>
+              <a:picLocks/>
+            </p:cNvPicPr>
+            <p:nvPr/>
+          </p:nvPicPr>
+          <p:blipFill>
+            <a:blip xmlns:r="http://schemas.openxmlformats.org/officeDocument/2006/relationships" r:embed="rId1" cstate="print"/>
+            <a:stretch>
+              <a:fillRect/>
+            </a:stretch>
+          </p:blipFill>
+          <p:spPr>
+            <a:xfrm>
+              <a:off x="8658225" y="2647950"/>
+              <a:ext cx="3533775" cy="3810000"/>
+            </a:xfrm>
+            <a:prstGeom prst="rect"/>
+          </p:spPr>
+        </p:pic>
+      </p:grpSp>
+      <p:sp>
+        <p:nvSpPr>
+          <p:cNvPr id="1048650" name="object 6"/>
           <p:cNvSpPr/>
           <p:nvPr/>
         </p:nvSpPr>
@@ -5952,52 +7586,7 @@
       </p:sp>
       <p:sp>
         <p:nvSpPr>
-          <p:cNvPr id="1048651" name="object 4"/>
-          <p:cNvSpPr/>
-          <p:nvPr/>
-        </p:nvSpPr>
-        <p:spPr>
-          <a:xfrm>
-            <a:off x="9353550" y="5895975"/>
-            <a:ext cx="180975" cy="180975"/>
-          </a:xfrm>
-          <a:custGeom>
-            <a:avLst/>
-            <a:ahLst/>
-            <a:rect l="l" t="t" r="r" b="b"/>
-            <a:pathLst>
-              <a:path w="180975" h="180975">
-                <a:moveTo>
-                  <a:pt x="180975" y="0"/>
-                </a:moveTo>
-                <a:lnTo>
-                  <a:pt x="0" y="0"/>
-                </a:lnTo>
-                <a:lnTo>
-                  <a:pt x="0" y="180975"/>
-                </a:lnTo>
-                <a:lnTo>
-                  <a:pt x="180975" y="180975"/>
-                </a:lnTo>
-                <a:lnTo>
-                  <a:pt x="180975" y="0"/>
-                </a:lnTo>
-                <a:close/>
-              </a:path>
-            </a:pathLst>
-          </a:custGeom>
-          <a:solidFill>
-            <a:srgbClr val="2D936B"/>
-          </a:solidFill>
-        </p:spPr>
-        <p:txBody>
-          <a:bodyPr bIns="0" lIns="0" rIns="0" rtlCol="0" tIns="0" wrap="square"/>
-          <a:p/>
-        </p:txBody>
-      </p:sp>
-      <p:sp>
-        <p:nvSpPr>
-          <p:cNvPr id="1048652" name="object 5"/>
+          <p:cNvPr id="1048651" name="object 7"/>
           <p:cNvSpPr txBox="1">
             <a:spLocks noGrp="1"/>
           </p:cNvSpPr>
@@ -6007,8 +7596,8 @@
         </p:nvSpPr>
         <p:spPr>
           <a:xfrm>
-            <a:off x="699452" y="891793"/>
-            <a:ext cx="5014595" cy="499110"/>
+            <a:off x="739775" y="829627"/>
+            <a:ext cx="5263515" cy="638810"/>
           </a:xfrm>
           <a:prstGeom prst="rect"/>
         </p:spPr>
@@ -6024,116 +7613,47 @@
               <a:spcBef>
                 <a:spcPts val="130"/>
               </a:spcBef>
+              <a:tabLst>
+                <a:tab algn="l" pos="2642870"/>
+              </a:tabLst>
             </a:pPr>
             <a:r>
-              <a:rPr dirty="0" sz="3200" spc="25"/>
-              <a:t>W</a:t>
-            </a:r>
-            <a:r>
-              <a:rPr dirty="0" sz="3200" spc="-20"/>
-              <a:t>H</a:t>
-            </a:r>
-            <a:r>
-              <a:rPr dirty="0" sz="3200" spc="20"/>
-              <a:t>O</a:t>
-            </a:r>
-            <a:r>
-              <a:rPr dirty="0" sz="3200" spc="-235"/>
-              <a:t> </a:t>
-            </a:r>
-            <a:r>
-              <a:rPr dirty="0" sz="3200" spc="-10"/>
-              <a:t>AR</a:t>
-            </a:r>
-            <a:r>
-              <a:rPr dirty="0" sz="3200" spc="15"/>
-              <a:t>E</a:t>
-            </a:r>
-            <a:r>
-              <a:rPr dirty="0" sz="3200" spc="-35"/>
-              <a:t> </a:t>
-            </a:r>
-            <a:r>
-              <a:rPr dirty="0" sz="3200" spc="-10"/>
-              <a:t>T</a:t>
-            </a:r>
-            <a:r>
-              <a:rPr dirty="0" sz="3200" spc="-15"/>
-              <a:t>H</a:t>
-            </a:r>
-            <a:r>
-              <a:rPr dirty="0" sz="3200" spc="15"/>
-              <a:t>E</a:t>
-            </a:r>
-            <a:r>
-              <a:rPr dirty="0" sz="3200" spc="-35"/>
-              <a:t> </a:t>
-            </a:r>
-            <a:r>
-              <a:rPr dirty="0" sz="3200" spc="-20"/>
-              <a:t>E</a:t>
-            </a:r>
-            <a:r>
-              <a:rPr dirty="0" sz="3200" spc="30"/>
-              <a:t>N</a:t>
-            </a:r>
-            <a:r>
-              <a:rPr dirty="0" sz="3200" spc="15"/>
-              <a:t>D</a:t>
-            </a:r>
-            <a:r>
-              <a:rPr dirty="0" sz="3200" spc="-45"/>
-              <a:t> </a:t>
-            </a:r>
-            <a:r>
-              <a:rPr dirty="0" sz="3200"/>
-              <a:t>U</a:t>
-            </a:r>
-            <a:r>
-              <a:rPr dirty="0" sz="3200" spc="10"/>
-              <a:t>S</a:t>
-            </a:r>
-            <a:r>
-              <a:rPr dirty="0" sz="3200" spc="-25"/>
-              <a:t>E</a:t>
-            </a:r>
-            <a:r>
-              <a:rPr dirty="0" sz="3200" spc="-10"/>
-              <a:t>R</a:t>
-            </a:r>
-            <a:r>
-              <a:rPr dirty="0" sz="3200" spc="5"/>
-              <a:t>S?</a:t>
-            </a:r>
-            <a:endParaRPr sz="3200"/>
+              <a:rPr dirty="0" sz="4250" spc="5"/>
+              <a:t>PROJECT	</a:t>
+            </a:r>
+            <a:r>
+              <a:rPr dirty="0" sz="4250" spc="-20"/>
+              <a:t>OVERVIEW</a:t>
+            </a:r>
+            <a:endParaRPr sz="4250"/>
           </a:p>
         </p:txBody>
       </p:sp>
       <p:pic>
         <p:nvPicPr>
-          <p:cNvPr id="2097160" name="object 6"/>
+          <p:cNvPr id="2097161" name="object 8"/>
           <p:cNvPicPr>
             <a:picLocks/>
           </p:cNvPicPr>
           <p:nvPr/>
         </p:nvPicPr>
         <p:blipFill>
-          <a:blip xmlns:r="http://schemas.openxmlformats.org/officeDocument/2006/relationships" r:embed="rId1" cstate="print"/>
+          <a:blip xmlns:r="http://schemas.openxmlformats.org/officeDocument/2006/relationships" r:embed="rId2" cstate="print"/>
           <a:stretch>
             <a:fillRect/>
           </a:stretch>
         </p:blipFill>
         <p:spPr>
           <a:xfrm>
-            <a:off x="723900" y="6172200"/>
-            <a:ext cx="2181225" cy="485775"/>
+            <a:off x="676275" y="6467475"/>
+            <a:ext cx="2143125" cy="200025"/>
           </a:xfrm>
           <a:prstGeom prst="rect"/>
         </p:spPr>
       </p:pic>
       <p:sp>
         <p:nvSpPr>
-          <p:cNvPr id="1048653" name="object 8"/>
+          <p:cNvPr id="1048652" name="object 10"/>
           <p:cNvSpPr txBox="1">
             <a:spLocks noGrp="1"/>
           </p:cNvSpPr>
@@ -6142,10 +7662,6 @@
           </p:nvPr>
         </p:nvSpPr>
         <p:spPr>
-          <a:xfrm>
-            <a:off x="11353418" y="6473337"/>
-            <a:ext cx="151129" cy="159385"/>
-          </a:xfrm>
           <a:prstGeom prst="rect"/>
         </p:spPr>
         <p:txBody>
@@ -6171,14 +7687,14 @@
       </p:sp>
       <p:sp>
         <p:nvSpPr>
-          <p:cNvPr id="1048654" name=""/>
+          <p:cNvPr id="1048703" name=""/>
           <p:cNvSpPr txBox="1"/>
           <p:nvPr/>
         </p:nvSpPr>
         <p:spPr>
           <a:xfrm>
-            <a:off x="302280" y="2230754"/>
-            <a:ext cx="10823534" cy="4282439"/>
+            <a:off x="739773" y="1468437"/>
+            <a:ext cx="7155261" cy="4282440"/>
           </a:xfrm>
           <a:prstGeom prst="rect"/>
         </p:spPr>
@@ -6188,85 +7704,15 @@
           </a:bodyPr>
           <a:p>
             <a:r>
-              <a:rPr altLang="en-IN" sz="2800" lang="en-US">
+              <a:rPr sz="2800" lang="en-US">
                 <a:solidFill>
                   <a:srgbClr val="000000"/>
                 </a:solidFill>
               </a:rPr>
-              <a:t>P</a:t>
-            </a:r>
-            <a:r>
-              <a:rPr altLang="en-IN" sz="2800" lang="en-US">
-                <a:solidFill>
-                  <a:srgbClr val="000000"/>
-                </a:solidFill>
-              </a:rPr>
-              <a:t>r</a:t>
-            </a:r>
-            <a:r>
-              <a:rPr sz="2800" lang="en-IN">
-                <a:solidFill>
-                  <a:srgbClr val="000000"/>
-                </a:solidFill>
-              </a:rPr>
-              <a:t>imary End Users
-1. *Customers</a:t>
-            </a:r>
-            <a:r>
-              <a:rPr altLang="en-IN" sz="2800" lang="en-US">
-                <a:solidFill>
-                  <a:srgbClr val="000000"/>
-                </a:solidFill>
-              </a:rPr>
-              <a:t>:</a:t>
-            </a:r>
-            <a:r>
-              <a:rPr sz="2800" lang="en-IN">
-                <a:solidFill>
-                  <a:srgbClr val="000000"/>
-                </a:solidFill>
-              </a:rPr>
-              <a:t>Browse, search, purchase products/services.
-2. *Administrators</a:t>
-            </a:r>
-            <a:r>
-              <a:rPr altLang="en-IN" sz="2800" lang="en-US">
-                <a:solidFill>
-                  <a:srgbClr val="000000"/>
-                </a:solidFill>
-              </a:rPr>
-              <a:t>:</a:t>
-            </a:r>
-            <a:r>
-              <a:rPr sz="2800" lang="en-IN">
-                <a:solidFill>
-                  <a:srgbClr val="000000"/>
-                </a:solidFill>
-              </a:rPr>
-              <a:t> Manage website content, users, orders.
-3. *Content Creators: Authors, bloggers posting content.
-Other Users
-1. *Employers/ Businesses*: Post jobs, manage applications (job portals).
-2. *Job Seekers</a:t>
-            </a:r>
-            <a:r>
-              <a:rPr altLang="en-IN" sz="2800" lang="en-US">
-                <a:solidFill>
-                  <a:srgbClr val="000000"/>
-                </a:solidFill>
-              </a:rPr>
-              <a:t>:</a:t>
-            </a:r>
-            <a:r>
-              <a:rPr sz="2800" lang="en-IN">
-                <a:solidFill>
-                  <a:srgbClr val="000000"/>
-                </a:solidFill>
-              </a:rPr>
-              <a:t> Search and apply for jobs.
-3. *Subscribers: Receive newsletters, updates.</a:t>
-            </a:r>
-            <a:endParaRPr sz="2800" lang="en-IN">
+              <a:t>This cybersecurity project aims to design and implement a robust security framework to protect against evolving threats and vulnerabilities. The project will utilize threat assessment, penetration testing, and security protocols to safeguard digital assets and ensure data confidentiality, integrity, and availability.
+</a:t>
+            </a:r>
+            <a:endParaRPr sz="2800" lang="en-US">
               <a:solidFill>
                 <a:srgbClr val="000000"/>
               </a:solidFill>
@@ -6287,7 +7733,7 @@
   <p:cSld>
     <p:spTree>
       <p:nvGrpSpPr>
-        <p:cNvPr id="33" name=""/>
+        <p:cNvPr id="35" name=""/>
         <p:cNvGrpSpPr/>
         <p:nvPr/>
       </p:nvGrpSpPr>
@@ -6299,9 +7745,258 @@
           <a:chExt cx="0" cy="0"/>
         </a:xfrm>
       </p:grpSpPr>
+      <p:sp>
+        <p:nvSpPr>
+          <p:cNvPr id="1048653" name="object 2"/>
+          <p:cNvSpPr/>
+          <p:nvPr/>
+        </p:nvSpPr>
+        <p:spPr>
+          <a:xfrm>
+            <a:off x="9353550" y="5362575"/>
+            <a:ext cx="457200" cy="457200"/>
+          </a:xfrm>
+          <a:custGeom>
+            <a:avLst/>
+            <a:ahLst/>
+            <a:rect l="l" t="t" r="r" b="b"/>
+            <a:pathLst>
+              <a:path w="457200" h="457200">
+                <a:moveTo>
+                  <a:pt x="457200" y="0"/>
+                </a:moveTo>
+                <a:lnTo>
+                  <a:pt x="0" y="0"/>
+                </a:lnTo>
+                <a:lnTo>
+                  <a:pt x="0" y="457200"/>
+                </a:lnTo>
+                <a:lnTo>
+                  <a:pt x="457200" y="457200"/>
+                </a:lnTo>
+                <a:lnTo>
+                  <a:pt x="457200" y="0"/>
+                </a:lnTo>
+                <a:close/>
+              </a:path>
+            </a:pathLst>
+          </a:custGeom>
+          <a:solidFill>
+            <a:srgbClr val="42AF51"/>
+          </a:solidFill>
+        </p:spPr>
+        <p:txBody>
+          <a:bodyPr bIns="0" lIns="0" rIns="0" rtlCol="0" tIns="0" wrap="square"/>
+          <a:p/>
+        </p:txBody>
+      </p:sp>
+      <p:sp>
+        <p:nvSpPr>
+          <p:cNvPr id="1048654" name="object 3"/>
+          <p:cNvSpPr/>
+          <p:nvPr/>
+        </p:nvSpPr>
+        <p:spPr>
+          <a:xfrm>
+            <a:off x="6696075" y="1695450"/>
+            <a:ext cx="314325" cy="323850"/>
+          </a:xfrm>
+          <a:custGeom>
+            <a:avLst/>
+            <a:ahLst/>
+            <a:rect l="l" t="t" r="r" b="b"/>
+            <a:pathLst>
+              <a:path w="314325" h="323850">
+                <a:moveTo>
+                  <a:pt x="314325" y="0"/>
+                </a:moveTo>
+                <a:lnTo>
+                  <a:pt x="0" y="0"/>
+                </a:lnTo>
+                <a:lnTo>
+                  <a:pt x="0" y="323850"/>
+                </a:lnTo>
+                <a:lnTo>
+                  <a:pt x="314325" y="323850"/>
+                </a:lnTo>
+                <a:lnTo>
+                  <a:pt x="314325" y="0"/>
+                </a:lnTo>
+                <a:close/>
+              </a:path>
+            </a:pathLst>
+          </a:custGeom>
+          <a:solidFill>
+            <a:srgbClr val="2D83C3"/>
+          </a:solidFill>
+        </p:spPr>
+        <p:txBody>
+          <a:bodyPr bIns="0" lIns="0" rIns="0" rtlCol="0" tIns="0" wrap="square"/>
+          <a:p/>
+        </p:txBody>
+      </p:sp>
+      <p:sp>
+        <p:nvSpPr>
+          <p:cNvPr id="1048655" name="object 4"/>
+          <p:cNvSpPr/>
+          <p:nvPr/>
+        </p:nvSpPr>
+        <p:spPr>
+          <a:xfrm>
+            <a:off x="9353550" y="5895975"/>
+            <a:ext cx="180975" cy="180975"/>
+          </a:xfrm>
+          <a:custGeom>
+            <a:avLst/>
+            <a:ahLst/>
+            <a:rect l="l" t="t" r="r" b="b"/>
+            <a:pathLst>
+              <a:path w="180975" h="180975">
+                <a:moveTo>
+                  <a:pt x="180975" y="0"/>
+                </a:moveTo>
+                <a:lnTo>
+                  <a:pt x="0" y="0"/>
+                </a:lnTo>
+                <a:lnTo>
+                  <a:pt x="0" y="180975"/>
+                </a:lnTo>
+                <a:lnTo>
+                  <a:pt x="180975" y="180975"/>
+                </a:lnTo>
+                <a:lnTo>
+                  <a:pt x="180975" y="0"/>
+                </a:lnTo>
+                <a:close/>
+              </a:path>
+            </a:pathLst>
+          </a:custGeom>
+          <a:solidFill>
+            <a:srgbClr val="2D936B"/>
+          </a:solidFill>
+        </p:spPr>
+        <p:txBody>
+          <a:bodyPr bIns="0" lIns="0" rIns="0" rtlCol="0" tIns="0" wrap="square"/>
+          <a:p/>
+        </p:txBody>
+      </p:sp>
+      <p:sp>
+        <p:nvSpPr>
+          <p:cNvPr id="1048656" name="object 5"/>
+          <p:cNvSpPr txBox="1">
+            <a:spLocks noGrp="1"/>
+          </p:cNvSpPr>
+          <p:nvPr>
+            <p:ph type="title"/>
+          </p:nvPr>
+        </p:nvSpPr>
+        <p:spPr>
+          <a:xfrm>
+            <a:off x="699452" y="891793"/>
+            <a:ext cx="5014595" cy="518159"/>
+          </a:xfrm>
+          <a:prstGeom prst="rect"/>
+        </p:spPr>
+        <p:txBody>
+          <a:bodyPr bIns="0" lIns="0" rIns="0" rtlCol="0" tIns="16510" vert="horz" wrap="square">
+            <a:spAutoFit/>
+          </a:bodyPr>
+          <a:p>
+            <a:pPr marL="12700">
+              <a:lnSpc>
+                <a:spcPct val="100000"/>
+              </a:lnSpc>
+              <a:spcBef>
+                <a:spcPts val="130"/>
+              </a:spcBef>
+            </a:pPr>
+            <a:r>
+              <a:rPr dirty="0" sz="3200" spc="25"/>
+              <a:t>W</a:t>
+            </a:r>
+            <a:r>
+              <a:rPr dirty="0" sz="3200" spc="-20"/>
+              <a:t>H</a:t>
+            </a:r>
+            <a:r>
+              <a:rPr dirty="0" sz="3200" spc="20"/>
+              <a:t>O</a:t>
+            </a:r>
+            <a:r>
+              <a:rPr dirty="0" sz="3200" spc="-235"/>
+              <a:t> </a:t>
+            </a:r>
+            <a:r>
+              <a:rPr dirty="0" sz="3200" spc="-10"/>
+              <a:t>AR</a:t>
+            </a:r>
+            <a:r>
+              <a:rPr dirty="0" sz="3200" spc="15"/>
+              <a:t>E</a:t>
+            </a:r>
+            <a:r>
+              <a:rPr dirty="0" sz="3200" spc="-35"/>
+              <a:t> </a:t>
+            </a:r>
+            <a:r>
+              <a:rPr dirty="0" sz="3200" spc="-10"/>
+              <a:t>T</a:t>
+            </a:r>
+            <a:r>
+              <a:rPr dirty="0" sz="3200" spc="-15"/>
+              <a:t>H</a:t>
+            </a:r>
+            <a:r>
+              <a:rPr dirty="0" sz="3200" spc="15"/>
+              <a:t>E</a:t>
+            </a:r>
+            <a:r>
+              <a:rPr dirty="0" sz="3200" spc="-35"/>
+              <a:t> </a:t>
+            </a:r>
+            <a:r>
+              <a:rPr dirty="0" sz="3200" spc="-20"/>
+              <a:t>E</a:t>
+            </a:r>
+            <a:r>
+              <a:rPr dirty="0" sz="3200" spc="30"/>
+              <a:t>N</a:t>
+            </a:r>
+            <a:r>
+              <a:rPr dirty="0" sz="3200" spc="15"/>
+              <a:t>D</a:t>
+            </a:r>
+            <a:r>
+              <a:rPr dirty="0" sz="3200" spc="-45"/>
+              <a:t> </a:t>
+            </a:r>
+            <a:r>
+              <a:rPr dirty="0" sz="3200"/>
+              <a:t>U</a:t>
+            </a:r>
+            <a:r>
+              <a:rPr dirty="0" sz="3200" spc="10"/>
+              <a:t>S</a:t>
+            </a:r>
+            <a:r>
+              <a:rPr dirty="0" sz="3200" spc="-25"/>
+              <a:t>E</a:t>
+            </a:r>
+            <a:r>
+              <a:rPr dirty="0" sz="3200" spc="-10"/>
+              <a:t>R</a:t>
+            </a:r>
+            <a:r>
+              <a:rPr dirty="0" sz="3200" spc="5"/>
+              <a:t>S?</a:t>
+            </a:r>
+            <a:endParaRPr sz="3200"/>
+          </a:p>
+        </p:txBody>
+      </p:sp>
       <p:pic>
         <p:nvPicPr>
-          <p:cNvPr id="2097161" name="object 2"/>
+          <p:cNvPr id="2097162" name="object 6"/>
           <p:cNvPicPr>
             <a:picLocks/>
           </p:cNvPicPr>
@@ -6315,210 +8010,15 @@
         </p:blipFill>
         <p:spPr>
           <a:xfrm>
-            <a:off x="0" y="1476375"/>
-            <a:ext cx="2695574" cy="3248025"/>
+            <a:off x="723900" y="6172200"/>
+            <a:ext cx="2181225" cy="485775"/>
           </a:xfrm>
           <a:prstGeom prst="rect"/>
         </p:spPr>
       </p:pic>
       <p:sp>
         <p:nvSpPr>
-          <p:cNvPr id="1048655" name="object 3"/>
-          <p:cNvSpPr/>
-          <p:nvPr/>
-        </p:nvSpPr>
-        <p:spPr>
-          <a:xfrm>
-            <a:off x="9353550" y="5362575"/>
-            <a:ext cx="457200" cy="457200"/>
-          </a:xfrm>
-          <a:custGeom>
-            <a:avLst/>
-            <a:ahLst/>
-            <a:rect l="l" t="t" r="r" b="b"/>
-            <a:pathLst>
-              <a:path w="457200" h="457200">
-                <a:moveTo>
-                  <a:pt x="457200" y="0"/>
-                </a:moveTo>
-                <a:lnTo>
-                  <a:pt x="0" y="0"/>
-                </a:lnTo>
-                <a:lnTo>
-                  <a:pt x="0" y="457200"/>
-                </a:lnTo>
-                <a:lnTo>
-                  <a:pt x="457200" y="457200"/>
-                </a:lnTo>
-                <a:lnTo>
-                  <a:pt x="457200" y="0"/>
-                </a:lnTo>
-                <a:close/>
-              </a:path>
-            </a:pathLst>
-          </a:custGeom>
-          <a:solidFill>
-            <a:srgbClr val="42AF51"/>
-          </a:solidFill>
-        </p:spPr>
-        <p:txBody>
-          <a:bodyPr bIns="0" lIns="0" rIns="0" rtlCol="0" tIns="0" wrap="square"/>
-          <a:p/>
-        </p:txBody>
-      </p:sp>
-      <p:sp>
-        <p:nvSpPr>
-          <p:cNvPr id="1048656" name="object 4"/>
-          <p:cNvSpPr/>
-          <p:nvPr/>
-        </p:nvSpPr>
-        <p:spPr>
-          <a:xfrm>
-            <a:off x="6696075" y="1695450"/>
-            <a:ext cx="314325" cy="323850"/>
-          </a:xfrm>
-          <a:custGeom>
-            <a:avLst/>
-            <a:ahLst/>
-            <a:rect l="l" t="t" r="r" b="b"/>
-            <a:pathLst>
-              <a:path w="314325" h="323850">
-                <a:moveTo>
-                  <a:pt x="314325" y="0"/>
-                </a:moveTo>
-                <a:lnTo>
-                  <a:pt x="0" y="0"/>
-                </a:lnTo>
-                <a:lnTo>
-                  <a:pt x="0" y="323850"/>
-                </a:lnTo>
-                <a:lnTo>
-                  <a:pt x="314325" y="323850"/>
-                </a:lnTo>
-                <a:lnTo>
-                  <a:pt x="314325" y="0"/>
-                </a:lnTo>
-                <a:close/>
-              </a:path>
-            </a:pathLst>
-          </a:custGeom>
-          <a:solidFill>
-            <a:srgbClr val="2D83C3"/>
-          </a:solidFill>
-        </p:spPr>
-        <p:txBody>
-          <a:bodyPr bIns="0" lIns="0" rIns="0" rtlCol="0" tIns="0" wrap="square"/>
-          <a:p/>
-        </p:txBody>
-      </p:sp>
-      <p:sp>
-        <p:nvSpPr>
-          <p:cNvPr id="1048657" name="object 5"/>
-          <p:cNvSpPr/>
-          <p:nvPr/>
-        </p:nvSpPr>
-        <p:spPr>
-          <a:xfrm>
-            <a:off x="9353550" y="5895975"/>
-            <a:ext cx="180975" cy="180975"/>
-          </a:xfrm>
-          <a:custGeom>
-            <a:avLst/>
-            <a:ahLst/>
-            <a:rect l="l" t="t" r="r" b="b"/>
-            <a:pathLst>
-              <a:path w="180975" h="180975">
-                <a:moveTo>
-                  <a:pt x="180975" y="0"/>
-                </a:moveTo>
-                <a:lnTo>
-                  <a:pt x="0" y="0"/>
-                </a:lnTo>
-                <a:lnTo>
-                  <a:pt x="0" y="180975"/>
-                </a:lnTo>
-                <a:lnTo>
-                  <a:pt x="180975" y="180975"/>
-                </a:lnTo>
-                <a:lnTo>
-                  <a:pt x="180975" y="0"/>
-                </a:lnTo>
-                <a:close/>
-              </a:path>
-            </a:pathLst>
-          </a:custGeom>
-          <a:solidFill>
-            <a:srgbClr val="2D936B"/>
-          </a:solidFill>
-        </p:spPr>
-        <p:txBody>
-          <a:bodyPr bIns="0" lIns="0" rIns="0" rtlCol="0" tIns="0" wrap="square"/>
-          <a:p/>
-        </p:txBody>
-      </p:sp>
-      <p:sp>
-        <p:nvSpPr>
-          <p:cNvPr id="1048658" name="object 6"/>
-          <p:cNvSpPr txBox="1">
-            <a:spLocks noGrp="1"/>
-          </p:cNvSpPr>
-          <p:nvPr>
-            <p:ph type="title"/>
-          </p:nvPr>
-        </p:nvSpPr>
-        <p:spPr>
-          <a:xfrm>
-            <a:off x="558165" y="857885"/>
-            <a:ext cx="9763125" cy="521336"/>
-          </a:xfrm>
-          <a:prstGeom prst="rect"/>
-        </p:spPr>
-        <p:txBody>
-          <a:bodyPr bIns="0" lIns="0" rIns="0" rtlCol="0" tIns="13335" vert="horz" wrap="square">
-            <a:spAutoFit/>
-          </a:bodyPr>
-          <a:p>
-            <a:pPr marL="12700">
-              <a:lnSpc>
-                <a:spcPct val="100000"/>
-              </a:lnSpc>
-              <a:spcBef>
-                <a:spcPts val="105"/>
-              </a:spcBef>
-            </a:pPr>
-            <a:r>
-              <a:rPr dirty="0" sz="3600" lang="en-IN" spc="10"/>
-              <a:t>TOOLS AND TECHNIQUES</a:t>
-            </a:r>
-            <a:endParaRPr dirty="0" sz="3600"/>
-          </a:p>
-        </p:txBody>
-      </p:sp>
-      <p:pic>
-        <p:nvPicPr>
-          <p:cNvPr id="2097162" name="object 7"/>
-          <p:cNvPicPr>
-            <a:picLocks/>
-          </p:cNvPicPr>
-          <p:nvPr/>
-        </p:nvPicPr>
-        <p:blipFill>
-          <a:blip xmlns:r="http://schemas.openxmlformats.org/officeDocument/2006/relationships" r:embed="rId2" cstate="print"/>
-          <a:stretch>
-            <a:fillRect/>
-          </a:stretch>
-        </p:blipFill>
-        <p:spPr>
-          <a:xfrm>
-            <a:off x="676275" y="6467475"/>
-            <a:ext cx="2143125" cy="200025"/>
-          </a:xfrm>
-          <a:prstGeom prst="rect"/>
-        </p:spPr>
-      </p:pic>
-      <p:sp>
-        <p:nvSpPr>
-          <p:cNvPr id="1048659" name="object 9"/>
+          <p:cNvPr id="1048657" name="object 8"/>
           <p:cNvSpPr txBox="1">
             <a:spLocks noGrp="1"/>
           </p:cNvSpPr>
@@ -6527,10 +8027,6 @@
           </p:nvPr>
         </p:nvSpPr>
         <p:spPr>
-          <a:xfrm>
-            <a:off x="11353418" y="6473337"/>
-            <a:ext cx="151129" cy="159385"/>
-          </a:xfrm>
           <a:prstGeom prst="rect"/>
         </p:spPr>
         <p:txBody>
@@ -6556,390 +8052,14 @@
       </p:sp>
       <p:sp>
         <p:nvSpPr>
-          <p:cNvPr id="1048660" name="TextBox 8"/>
+          <p:cNvPr id="1048704" name=""/>
           <p:cNvSpPr txBox="1"/>
           <p:nvPr/>
         </p:nvSpPr>
         <p:spPr>
           <a:xfrm>
-            <a:off x="1347787" y="7750398"/>
-            <a:ext cx="10485575" cy="10149840"/>
-          </a:xfrm>
-          <a:prstGeom prst="rect"/>
-          <a:noFill/>
-        </p:spPr>
-        <p:txBody>
-          <a:bodyPr rtlCol="0" wrap="square">
-            <a:spAutoFit/>
-          </a:bodyPr>
-          <a:lstStyle>
-            <a:defPPr>
-              <a:defRPr lang="en-US"/>
-            </a:defPPr>
-            <a:lvl1pPr algn="l" defTabSz="914400" eaLnBrk="1" hangingPunct="1" latinLnBrk="0" marL="0" rtl="0">
-              <a:defRPr sz="1800" kern="1200">
-                <a:solidFill>
-                  <a:srgbClr val="000000"/>
-                </a:solidFill>
-                <a:latin typeface="+mn-lt"/>
-                <a:ea typeface="+mn-ea"/>
-                <a:cs typeface="+mn-cs"/>
-              </a:defRPr>
-            </a:lvl1pPr>
-            <a:lvl2pPr algn="l" defTabSz="914400" eaLnBrk="1" hangingPunct="1" latinLnBrk="0" marL="457200" rtl="0">
-              <a:defRPr sz="1800" kern="1200">
-                <a:solidFill>
-                  <a:srgbClr val="000000"/>
-                </a:solidFill>
-                <a:latin typeface="+mn-lt"/>
-                <a:ea typeface="+mn-ea"/>
-                <a:cs typeface="+mn-cs"/>
-              </a:defRPr>
-            </a:lvl2pPr>
-            <a:lvl3pPr algn="l" defTabSz="914400" eaLnBrk="1" hangingPunct="1" latinLnBrk="0" marL="914400" rtl="0">
-              <a:defRPr sz="1800" kern="1200">
-                <a:solidFill>
-                  <a:srgbClr val="000000"/>
-                </a:solidFill>
-                <a:latin typeface="+mn-lt"/>
-                <a:ea typeface="+mn-ea"/>
-                <a:cs typeface="+mn-cs"/>
-              </a:defRPr>
-            </a:lvl3pPr>
-            <a:lvl4pPr algn="l" defTabSz="914400" eaLnBrk="1" hangingPunct="1" latinLnBrk="0" marL="1371600" rtl="0">
-              <a:defRPr sz="1800" kern="1200">
-                <a:solidFill>
-                  <a:srgbClr val="000000"/>
-                </a:solidFill>
-                <a:latin typeface="+mn-lt"/>
-                <a:ea typeface="+mn-ea"/>
-                <a:cs typeface="+mn-cs"/>
-              </a:defRPr>
-            </a:lvl4pPr>
-            <a:lvl5pPr algn="l" defTabSz="914400" eaLnBrk="1" hangingPunct="1" latinLnBrk="0" marL="1828800" rtl="0">
-              <a:defRPr sz="1800" kern="1200">
-                <a:solidFill>
-                  <a:srgbClr val="000000"/>
-                </a:solidFill>
-                <a:latin typeface="+mn-lt"/>
-                <a:ea typeface="+mn-ea"/>
-                <a:cs typeface="+mn-cs"/>
-              </a:defRPr>
-            </a:lvl5pPr>
-            <a:lvl6pPr algn="l" defTabSz="914400" eaLnBrk="1" hangingPunct="1" latinLnBrk="0" marL="2286000" rtl="0">
-              <a:defRPr sz="1800" kern="1200">
-                <a:solidFill>
-                  <a:srgbClr val="000000"/>
-                </a:solidFill>
-                <a:latin typeface="+mn-lt"/>
-                <a:ea typeface="+mn-ea"/>
-                <a:cs typeface="+mn-cs"/>
-              </a:defRPr>
-            </a:lvl6pPr>
-            <a:lvl7pPr algn="l" defTabSz="914400" eaLnBrk="1" hangingPunct="1" latinLnBrk="0" marL="2743200" rtl="0">
-              <a:defRPr sz="1800" kern="1200">
-                <a:solidFill>
-                  <a:srgbClr val="000000"/>
-                </a:solidFill>
-                <a:latin typeface="+mn-lt"/>
-                <a:ea typeface="+mn-ea"/>
-                <a:cs typeface="+mn-cs"/>
-              </a:defRPr>
-            </a:lvl7pPr>
-            <a:lvl8pPr algn="l" defTabSz="914400" eaLnBrk="1" hangingPunct="1" latinLnBrk="0" marL="3200400" rtl="0">
-              <a:defRPr sz="1800" kern="1200">
-                <a:solidFill>
-                  <a:srgbClr val="000000"/>
-                </a:solidFill>
-                <a:latin typeface="+mn-lt"/>
-                <a:ea typeface="+mn-ea"/>
-                <a:cs typeface="+mn-cs"/>
-              </a:defRPr>
-            </a:lvl8pPr>
-            <a:lvl9pPr algn="l" defTabSz="914400" eaLnBrk="1" hangingPunct="1" latinLnBrk="0" marL="3657600" rtl="0">
-              <a:defRPr sz="1800" kern="1200">
-                <a:solidFill>
-                  <a:srgbClr val="000000"/>
-                </a:solidFill>
-                <a:latin typeface="+mn-lt"/>
-                <a:ea typeface="+mn-ea"/>
-                <a:cs typeface="+mn-cs"/>
-              </a:defRPr>
-            </a:lvl9pPr>
-          </a:lstStyle>
-          <a:p>
-            <a:pPr algn="l">
-              <a:buFont typeface="Arial" panose="020B0604020202020204" pitchFamily="34" charset="0"/>
-              <a:buChar char="•"/>
-            </a:pPr>
-            <a:endParaRPr b="0" dirty="0" sz="2800" i="0" lang="en-US">
-              <a:solidFill>
-                <a:srgbClr val="0D0D0D"/>
-              </a:solidFill>
-              <a:effectLst/>
-              <a:latin typeface="Times New Roman" panose="02020603050405020304" pitchFamily="18" charset="0"/>
-              <a:cs typeface="Times New Roman" panose="02020603050405020304" pitchFamily="18" charset="0"/>
-            </a:endParaRPr>
-          </a:p>
-          <a:p>
-            <a:r>
-              <a:rPr altLang="en-IN" dirty="0" sz="2800" lang="en-US">
-                <a:latin typeface="Times New Roman" panose="02020603050405020304" pitchFamily="18" charset="0"/>
-                <a:cs typeface="Times New Roman" panose="02020603050405020304" pitchFamily="18" charset="0"/>
-              </a:rPr>
-              <a:t>Web Development Results &amp; Screens</a:t>
-            </a:r>
-            <a:endParaRPr dirty="0" sz="2800" lang="en-IN">
-              <a:latin typeface="Times New Roman" panose="02020603050405020304" pitchFamily="18" charset="0"/>
-              <a:cs typeface="Times New Roman" panose="02020603050405020304" pitchFamily="18" charset="0"/>
-            </a:endParaRPr>
-          </a:p>
-          <a:p>
-            <a:r>
-              <a:rPr altLang="en-IN" dirty="0" sz="2800" lang="en-US">
-                <a:latin typeface="Times New Roman" panose="02020603050405020304" pitchFamily="18" charset="0"/>
-                <a:cs typeface="Times New Roman" panose="02020603050405020304" pitchFamily="18" charset="0"/>
-              </a:rPr>
-              <a:t>Common Screens</a:t>
-            </a:r>
-            <a:endParaRPr dirty="0" sz="2800" lang="en-IN">
-              <a:latin typeface="Times New Roman" panose="02020603050405020304" pitchFamily="18" charset="0"/>
-              <a:cs typeface="Times New Roman" panose="02020603050405020304" pitchFamily="18" charset="0"/>
-            </a:endParaRPr>
-          </a:p>
-          <a:p>
-            <a:r>
-              <a:rPr altLang="en-IN" dirty="0" sz="2800" lang="en-US">
-                <a:latin typeface="Times New Roman" panose="02020603050405020304" pitchFamily="18" charset="0"/>
-                <a:cs typeface="Times New Roman" panose="02020603050405020304" pitchFamily="18" charset="0"/>
-              </a:rPr>
-              <a:t>1. *Homepage*: Entry point, often showcases key content/products.</a:t>
-            </a:r>
-            <a:endParaRPr dirty="0" sz="2800" lang="en-IN">
-              <a:latin typeface="Times New Roman" panose="02020603050405020304" pitchFamily="18" charset="0"/>
-              <a:cs typeface="Times New Roman" panose="02020603050405020304" pitchFamily="18" charset="0"/>
-            </a:endParaRPr>
-          </a:p>
-          <a:p>
-            <a:r>
-              <a:rPr altLang="en-IN" dirty="0" sz="2800" lang="en-US">
-                <a:latin typeface="Times New Roman" panose="02020603050405020304" pitchFamily="18" charset="0"/>
-                <a:cs typeface="Times New Roman" panose="02020603050405020304" pitchFamily="18" charset="0"/>
-              </a:rPr>
-              <a:t>2. *Product Page*: Details of a product (e-commerce).</a:t>
-            </a:r>
-            <a:endParaRPr dirty="0" sz="2800" lang="en-IN">
-              <a:latin typeface="Times New Roman" panose="02020603050405020304" pitchFamily="18" charset="0"/>
-              <a:cs typeface="Times New Roman" panose="02020603050405020304" pitchFamily="18" charset="0"/>
-            </a:endParaRPr>
-          </a:p>
-          <a:p>
-            <a:r>
-              <a:rPr altLang="en-IN" dirty="0" sz="2800" lang="en-US">
-                <a:latin typeface="Times New Roman" panose="02020603050405020304" pitchFamily="18" charset="0"/>
-                <a:cs typeface="Times New Roman" panose="02020603050405020304" pitchFamily="18" charset="0"/>
-              </a:rPr>
-              <a:t>3. *Login/Register*: User authentication screens.</a:t>
-            </a:r>
-            <a:endParaRPr dirty="0" sz="2800" lang="en-IN">
-              <a:latin typeface="Times New Roman" panose="02020603050405020304" pitchFamily="18" charset="0"/>
-              <a:cs typeface="Times New Roman" panose="02020603050405020304" pitchFamily="18" charset="0"/>
-            </a:endParaRPr>
-          </a:p>
-          <a:p>
-            <a:r>
-              <a:rPr altLang="en-IN" dirty="0" sz="2800" lang="en-US">
-                <a:latin typeface="Times New Roman" panose="02020603050405020304" pitchFamily="18" charset="0"/>
-                <a:cs typeface="Times New Roman" panose="02020603050405020304" pitchFamily="18" charset="0"/>
-              </a:rPr>
-              <a:t>4. *Dashboard*: User-specific area post-login.</a:t>
-            </a:r>
-            <a:endParaRPr dirty="0" sz="2800" lang="en-IN">
-              <a:latin typeface="Times New Roman" panose="02020603050405020304" pitchFamily="18" charset="0"/>
-              <a:cs typeface="Times New Roman" panose="02020603050405020304" pitchFamily="18" charset="0"/>
-            </a:endParaRPr>
-          </a:p>
-          <a:p>
-            <a:r>
-              <a:rPr altLang="en-IN" dirty="0" sz="2800" lang="en-US">
-                <a:latin typeface="Times New Roman" panose="02020603050405020304" pitchFamily="18" charset="0"/>
-                <a:cs typeface="Times New Roman" panose="02020603050405020304" pitchFamily="18" charset="0"/>
-              </a:rPr>
-              <a:t>5. *Contact/About*: Info about company/person.</a:t>
-            </a:r>
-            <a:endParaRPr dirty="0" sz="2800" lang="en-IN">
-              <a:latin typeface="Times New Roman" panose="02020603050405020304" pitchFamily="18" charset="0"/>
-              <a:cs typeface="Times New Roman" panose="02020603050405020304" pitchFamily="18" charset="0"/>
-            </a:endParaRPr>
-          </a:p>
-          <a:p>
-            <a:r>
-              <a:rPr altLang="en-IN" dirty="0" sz="2800" lang="en-US">
-                <a:latin typeface="Times New Roman" panose="02020603050405020304" pitchFamily="18" charset="0"/>
-                <a:cs typeface="Times New Roman" panose="02020603050405020304" pitchFamily="18" charset="0"/>
-              </a:rPr>
-              <a:t>Key Results</a:t>
-            </a:r>
-            <a:endParaRPr dirty="0" sz="2800" lang="en-IN">
-              <a:latin typeface="Times New Roman" panose="02020603050405020304" pitchFamily="18" charset="0"/>
-              <a:cs typeface="Times New Roman" panose="02020603050405020304" pitchFamily="18" charset="0"/>
-            </a:endParaRPr>
-          </a:p>
-          <a:p>
-            <a:r>
-              <a:rPr altLang="en-IN" dirty="0" sz="2800" lang="en-US">
-                <a:latin typeface="Times New Roman" panose="02020603050405020304" pitchFamily="18" charset="0"/>
-                <a:cs typeface="Times New Roman" panose="02020603050405020304" pitchFamily="18" charset="0"/>
-              </a:rPr>
-              <a:t>1. *Responsive Layouts*: Adapt to various screen sizes.</a:t>
-            </a:r>
-            <a:endParaRPr dirty="0" sz="2800" lang="en-IN">
-              <a:latin typeface="Times New Roman" panose="02020603050405020304" pitchFamily="18" charset="0"/>
-              <a:cs typeface="Times New Roman" panose="02020603050405020304" pitchFamily="18" charset="0"/>
-            </a:endParaRPr>
-          </a:p>
-          <a:p>
-            <a:r>
-              <a:rPr altLang="en-IN" dirty="0" sz="2800" lang="en-US">
-                <a:latin typeface="Times New Roman" panose="02020603050405020304" pitchFamily="18" charset="0"/>
-                <a:cs typeface="Times New Roman" panose="02020603050405020304" pitchFamily="18" charset="0"/>
-              </a:rPr>
-              <a:t>2. *Interactive Elements*: Buttons, forms reacting to user actions.</a:t>
-            </a:r>
-            <a:endParaRPr dirty="0" sz="2800" lang="en-IN">
-              <a:latin typeface="Times New Roman" panose="02020603050405020304" pitchFamily="18" charset="0"/>
-              <a:cs typeface="Times New Roman" panose="02020603050405020304" pitchFamily="18" charset="0"/>
-            </a:endParaRPr>
-          </a:p>
-          <a:p>
-            <a:r>
-              <a:rPr altLang="en-IN" dirty="0" sz="2800" lang="en-US">
-                <a:latin typeface="Times New Roman" panose="02020603050405020304" pitchFamily="18" charset="0"/>
-                <a:cs typeface="Times New Roman" panose="02020603050405020304" pitchFamily="18" charset="0"/>
-              </a:rPr>
-              <a:t>3. *Dynamic Content*: Updates without full page reload (AJAX, APIs).</a:t>
-            </a:r>
-            <a:endParaRPr dirty="0" sz="2800" lang="en-IN">
-              <a:latin typeface="Times New Roman" panose="02020603050405020304" pitchFamily="18" charset="0"/>
-              <a:cs typeface="Times New Roman" panose="02020603050405020304" pitchFamily="18" charset="0"/>
-            </a:endParaRPr>
-          </a:p>
-          <a:p>
-            <a:r>
-              <a:rPr altLang="en-IN" dirty="0" sz="2800" lang="en-US">
-                <a:latin typeface="Times New Roman" panose="02020603050405020304" pitchFamily="18" charset="0"/>
-                <a:cs typeface="Times New Roman" panose="02020603050405020304" pitchFamily="18" charset="0"/>
-              </a:rPr>
-              <a:t>4. *User Feedback*: Notifications, success/error messages.</a:t>
-            </a:r>
-            <a:endParaRPr dirty="0" sz="2800" lang="en-IN">
-              <a:latin typeface="Times New Roman" panose="02020603050405020304" pitchFamily="18" charset="0"/>
-              <a:cs typeface="Times New Roman" panose="02020603050405020304" pitchFamily="18" charset="0"/>
-            </a:endParaRPr>
-          </a:p>
-          <a:p>
-            <a:r>
-              <a:rPr altLang="en-IN" dirty="0" sz="2800" lang="en-US">
-                <a:latin typeface="Times New Roman" panose="02020603050405020304" pitchFamily="18" charset="0"/>
-                <a:cs typeface="Times New Roman" panose="02020603050405020304" pitchFamily="18" charset="0"/>
-              </a:rPr>
-              <a:t>5. *SEO Optimization*: Pages optimized for search engines.</a:t>
-            </a:r>
-            <a:endParaRPr dirty="0" sz="2800" lang="en-IN">
-              <a:latin typeface="Times New Roman" panose="02020603050405020304" pitchFamily="18" charset="0"/>
-              <a:cs typeface="Times New Roman" panose="02020603050405020304" pitchFamily="18" charset="0"/>
-            </a:endParaRPr>
-          </a:p>
-          <a:p>
-            <a:r>
-              <a:rPr altLang="en-IN" dirty="0" sz="2800" lang="en-US">
-                <a:latin typeface="Times New Roman" panose="02020603050405020304" pitchFamily="18" charset="0"/>
-                <a:cs typeface="Times New Roman" panose="02020603050405020304" pitchFamily="18" charset="0"/>
-              </a:rPr>
-              <a:t>Example Screens</a:t>
-            </a:r>
-            <a:endParaRPr dirty="0" sz="2800" lang="en-IN">
-              <a:latin typeface="Times New Roman" panose="02020603050405020304" pitchFamily="18" charset="0"/>
-              <a:cs typeface="Times New Roman" panose="02020603050405020304" pitchFamily="18" charset="0"/>
-            </a:endParaRPr>
-          </a:p>
-          <a:p>
-            <a:r>
-              <a:rPr altLang="en-IN" dirty="0" sz="2800" lang="en-US">
-                <a:latin typeface="Times New Roman" panose="02020603050405020304" pitchFamily="18" charset="0"/>
-                <a:cs typeface="Times New Roman" panose="02020603050405020304" pitchFamily="18" charset="0"/>
-              </a:rPr>
-              <a:t>1. *Login Screen*: Username/password fields, submit button.</a:t>
-            </a:r>
-            <a:endParaRPr dirty="0" sz="2800" lang="en-IN">
-              <a:latin typeface="Times New Roman" panose="02020603050405020304" pitchFamily="18" charset="0"/>
-              <a:cs typeface="Times New Roman" panose="02020603050405020304" pitchFamily="18" charset="0"/>
-            </a:endParaRPr>
-          </a:p>
-          <a:p>
-            <a:r>
-              <a:rPr altLang="en-IN" dirty="0" sz="2800" lang="en-US">
-                <a:latin typeface="Times New Roman" panose="02020603050405020304" pitchFamily="18" charset="0"/>
-                <a:cs typeface="Times New Roman" panose="02020603050405020304" pitchFamily="18" charset="0"/>
-              </a:rPr>
-              <a:t>2. *Product Listing*: Grid/list of products with images, prices.</a:t>
-            </a:r>
-            <a:endParaRPr dirty="0" sz="2800" lang="en-IN">
-              <a:latin typeface="Times New Roman" panose="02020603050405020304" pitchFamily="18" charset="0"/>
-              <a:cs typeface="Times New Roman" panose="02020603050405020304" pitchFamily="18" charset="0"/>
-            </a:endParaRPr>
-          </a:p>
-          <a:p>
-            <a:r>
-              <a:rPr altLang="en-IN" dirty="0" sz="2800" lang="en-US">
-                <a:latin typeface="Times New Roman" panose="02020603050405020304" pitchFamily="18" charset="0"/>
-                <a:cs typeface="Times New Roman" panose="02020603050405020304" pitchFamily="18" charset="0"/>
-              </a:rPr>
-              <a:t>3. *Checkout Screen*: Payment details, order summary (e-commerce).</a:t>
-            </a:r>
-            <a:endParaRPr dirty="0" sz="2800" lang="en-IN">
-              <a:latin typeface="Times New Roman" panose="02020603050405020304" pitchFamily="18" charset="0"/>
-              <a:cs typeface="Times New Roman" panose="02020603050405020304" pitchFamily="18" charset="0"/>
-            </a:endParaRPr>
-          </a:p>
-          <a:p>
-            <a:r>
-              <a:rPr altLang="en-IN" dirty="0" sz="2800" lang="en-US">
-                <a:latin typeface="Times New Roman" panose="02020603050405020304" pitchFamily="18" charset="0"/>
-                <a:cs typeface="Times New Roman" panose="02020603050405020304" pitchFamily="18" charset="0"/>
-              </a:rPr>
-              <a:t>4. *404 Error Page*: Handles page not found scenarios.</a:t>
-            </a:r>
-            <a:endParaRPr dirty="0" sz="2800" lang="en-IN">
-              <a:latin typeface="Times New Roman" panose="02020603050405020304" pitchFamily="18" charset="0"/>
-              <a:cs typeface="Times New Roman" panose="02020603050405020304" pitchFamily="18" charset="0"/>
-            </a:endParaRPr>
-          </a:p>
-          <a:p>
-            <a:r>
-              <a:rPr altLang="en-IN" dirty="0" sz="2800" lang="en-US">
-                <a:latin typeface="Times New Roman" panose="02020603050405020304" pitchFamily="18" charset="0"/>
-                <a:cs typeface="Times New Roman" panose="02020603050405020304" pitchFamily="18" charset="0"/>
-              </a:rPr>
-              <a:t>Would you like wireframes or examples of specific screens for a web application?</a:t>
-            </a:r>
-            <a:endParaRPr dirty="0" sz="2800" lang="en-IN">
-              <a:latin typeface="Times New Roman" panose="02020603050405020304" pitchFamily="18" charset="0"/>
-              <a:cs typeface="Times New Roman" panose="02020603050405020304" pitchFamily="18" charset="0"/>
-            </a:endParaRPr>
-          </a:p>
-        </p:txBody>
-      </p:sp>
-      <p:sp>
-        <p:nvSpPr>
-          <p:cNvPr id="1048661" name=""/>
-          <p:cNvSpPr txBox="1"/>
-          <p:nvPr/>
-        </p:nvSpPr>
-        <p:spPr>
-          <a:xfrm>
-            <a:off x="2819399" y="1476375"/>
-            <a:ext cx="9126681" cy="5958840"/>
+            <a:off x="1335233" y="1762250"/>
+            <a:ext cx="8018317" cy="3444240"/>
           </a:xfrm>
           <a:prstGeom prst="rect"/>
         </p:spPr>
@@ -6949,186 +8069,14 @@
           </a:bodyPr>
           <a:p>
             <a:r>
-              <a:rPr altLang="en-IN" sz="2800" lang="en-US">
+              <a:rPr sz="2800" lang="en-US">
                 <a:solidFill>
                   <a:srgbClr val="000000"/>
                 </a:solidFill>
               </a:rPr>
-              <a:t>Frontend</a:t>
-            </a:r>
-            <a:endParaRPr sz="2800" lang="en-IN">
-              <a:solidFill>
-                <a:srgbClr val="000000"/>
-              </a:solidFill>
-            </a:endParaRPr>
-          </a:p>
-          <a:p>
-            <a:r>
-              <a:rPr altLang="en-IN" sz="2800" lang="en-US">
-                <a:solidFill>
-                  <a:srgbClr val="000000"/>
-                </a:solidFill>
-              </a:rPr>
-              <a:t>1. *Frameworks*: React.js, Angular, Vue.js</a:t>
-            </a:r>
-            <a:endParaRPr sz="2800" lang="en-IN">
-              <a:solidFill>
-                <a:srgbClr val="000000"/>
-              </a:solidFill>
-            </a:endParaRPr>
-          </a:p>
-          <a:p>
-            <a:r>
-              <a:rPr altLang="en-IN" sz="2800" lang="en-US">
-                <a:solidFill>
-                  <a:srgbClr val="000000"/>
-                </a:solidFill>
-              </a:rPr>
-              <a:t>2. *Libraries*: jQuery</a:t>
-            </a:r>
-            <a:endParaRPr sz="2800" lang="en-IN">
-              <a:solidFill>
-                <a:srgbClr val="000000"/>
-              </a:solidFill>
-            </a:endParaRPr>
-          </a:p>
-          <a:p>
-            <a:r>
-              <a:rPr altLang="en-IN" sz="2800" lang="en-US">
-                <a:solidFill>
-                  <a:srgbClr val="000000"/>
-                </a:solidFill>
-              </a:rPr>
-              <a:t>3. *Styling*: CSS3, Sass, Bootstrap, Tailwind CSS</a:t>
-            </a:r>
-            <a:endParaRPr sz="2800" lang="en-IN">
-              <a:solidFill>
-                <a:srgbClr val="000000"/>
-              </a:solidFill>
-            </a:endParaRPr>
-          </a:p>
-          <a:p>
-            <a:r>
-              <a:rPr altLang="en-IN" sz="2800" lang="en-US">
-                <a:solidFill>
-                  <a:srgbClr val="000000"/>
-                </a:solidFill>
-              </a:rPr>
-              <a:t>4. *Build Tools*: Webpack, Vite</a:t>
-            </a:r>
-            <a:endParaRPr sz="2800" lang="en-IN">
-              <a:solidFill>
-                <a:srgbClr val="000000"/>
-              </a:solidFill>
-            </a:endParaRPr>
-          </a:p>
-          <a:p>
-            <a:r>
-              <a:rPr altLang="en-IN" sz="2800" lang="en-US">
-                <a:solidFill>
-                  <a:srgbClr val="000000"/>
-                </a:solidFill>
-              </a:rPr>
-              <a:t>Backend</a:t>
-            </a:r>
-            <a:endParaRPr sz="2800" lang="en-IN">
-              <a:solidFill>
-                <a:srgbClr val="000000"/>
-              </a:solidFill>
-            </a:endParaRPr>
-          </a:p>
-          <a:p>
-            <a:r>
-              <a:rPr altLang="en-IN" sz="2800" lang="en-US">
-                <a:solidFill>
-                  <a:srgbClr val="000000"/>
-                </a:solidFill>
-              </a:rPr>
-              <a:t>1. *Languages*: Node.js (JavaScript), Python, Ruby, PHP</a:t>
-            </a:r>
-            <a:endParaRPr sz="2800" lang="en-IN">
-              <a:solidFill>
-                <a:srgbClr val="000000"/>
-              </a:solidFill>
-            </a:endParaRPr>
-          </a:p>
-          <a:p>
-            <a:r>
-              <a:rPr altLang="en-IN" sz="2800" lang="en-US">
-                <a:solidFill>
-                  <a:srgbClr val="000000"/>
-                </a:solidFill>
-              </a:rPr>
-              <a:t>2. *Frameworks*: Express.js (Node), Django (Python), Rails (Ruby)</a:t>
-            </a:r>
-            <a:endParaRPr sz="2800" lang="en-IN">
-              <a:solidFill>
-                <a:srgbClr val="000000"/>
-              </a:solidFill>
-            </a:endParaRPr>
-          </a:p>
-          <a:p>
-            <a:r>
-              <a:rPr altLang="en-IN" sz="2800" lang="en-US">
-                <a:solidFill>
-                  <a:srgbClr val="000000"/>
-                </a:solidFill>
-              </a:rPr>
-              <a:t>3. *Databases*: MySQL, PostgreSQL, MongoDB</a:t>
-            </a:r>
-            <a:endParaRPr sz="2800" lang="en-IN">
-              <a:solidFill>
-                <a:srgbClr val="000000"/>
-              </a:solidFill>
-            </a:endParaRPr>
-          </a:p>
-          <a:p>
-            <a:r>
-              <a:rPr altLang="en-IN" sz="2800" lang="en-US">
-                <a:solidFill>
-                  <a:srgbClr val="000000"/>
-                </a:solidFill>
-              </a:rPr>
-              <a:t>Tools</a:t>
-            </a:r>
-            <a:endParaRPr sz="2800" lang="en-IN">
-              <a:solidFill>
-                <a:srgbClr val="000000"/>
-              </a:solidFill>
-            </a:endParaRPr>
-          </a:p>
-          <a:p>
-            <a:r>
-              <a:rPr altLang="en-IN" sz="2800" lang="en-US">
-                <a:solidFill>
-                  <a:srgbClr val="000000"/>
-                </a:solidFill>
-              </a:rPr>
-              <a:t>1. *Version Control*: Git (GitHub, GitLab)</a:t>
-            </a:r>
-            <a:endParaRPr sz="2800" lang="en-IN">
-              <a:solidFill>
-                <a:srgbClr val="000000"/>
-              </a:solidFill>
-            </a:endParaRPr>
-          </a:p>
-          <a:p>
-            <a:r>
-              <a:rPr altLang="en-IN" sz="2800" lang="en-US">
-                <a:solidFill>
-                  <a:srgbClr val="000000"/>
-                </a:solidFill>
-              </a:rPr>
-              <a:t>2. *APIs*: REST, GraphQL</a:t>
-            </a:r>
-            <a:endParaRPr sz="2800" lang="en-IN">
-              <a:solidFill>
-                <a:srgbClr val="000000"/>
-              </a:solidFill>
-            </a:endParaRPr>
-          </a:p>
-          <a:p>
-            <a:endParaRPr sz="2800" lang="en-IN">
+              <a:t>End users in cybersecurity are individuals or organizations that utilize digital systems, networks, or applications, and are impacted by cybersecurity threats or solutions. They can include employees, customers, or citizens who interact with digital services and rely on cybersecurity measures to protect their sensitive information.</a:t>
+            </a:r>
+            <a:endParaRPr sz="2800" lang="en-US">
               <a:solidFill>
                 <a:srgbClr val="000000"/>
               </a:solidFill>
@@ -7145,822 +8093,6 @@
 </file>
 
 <file path=ppt/slides/slide7.xml><?xml version="1.0" encoding="utf-8"?>
-<p:sld xmlns:a="http://schemas.openxmlformats.org/drawingml/2006/main" xmlns:r="http://schemas.openxmlformats.org/officeDocument/2006/relationships" xmlns:p="http://schemas.openxmlformats.org/presentationml/2006/main">
-  <p:cSld>
-    <p:spTree>
-      <p:nvGrpSpPr>
-        <p:cNvPr id="34" name=""/>
-        <p:cNvGrpSpPr/>
-        <p:nvPr/>
-      </p:nvGrpSpPr>
-      <p:grpSpPr>
-        <a:xfrm>
-          <a:off x="0" y="0"/>
-          <a:ext cx="0" cy="0"/>
-          <a:chOff x="0" y="0"/>
-          <a:chExt cx="0" cy="0"/>
-        </a:xfrm>
-      </p:grpSpPr>
-      <p:sp>
-        <p:nvSpPr>
-          <p:cNvPr id="1048662" name="object 5"/>
-          <p:cNvSpPr/>
-          <p:nvPr/>
-        </p:nvSpPr>
-        <p:spPr>
-          <a:xfrm>
-            <a:off x="9353550" y="5895975"/>
-            <a:ext cx="180975" cy="180975"/>
-          </a:xfrm>
-          <a:custGeom>
-            <a:avLst/>
-            <a:ahLst/>
-            <a:rect l="l" t="t" r="r" b="b"/>
-            <a:pathLst>
-              <a:path w="180975" h="180975">
-                <a:moveTo>
-                  <a:pt x="180975" y="0"/>
-                </a:moveTo>
-                <a:lnTo>
-                  <a:pt x="0" y="0"/>
-                </a:lnTo>
-                <a:lnTo>
-                  <a:pt x="0" y="180975"/>
-                </a:lnTo>
-                <a:lnTo>
-                  <a:pt x="180975" y="180975"/>
-                </a:lnTo>
-                <a:lnTo>
-                  <a:pt x="180975" y="0"/>
-                </a:lnTo>
-                <a:close/>
-              </a:path>
-            </a:pathLst>
-          </a:custGeom>
-          <a:solidFill>
-            <a:srgbClr val="2D936B"/>
-          </a:solidFill>
-        </p:spPr>
-        <p:txBody>
-          <a:bodyPr bIns="0" lIns="0" rIns="0" rtlCol="0" tIns="0" wrap="square"/>
-          <a:p/>
-        </p:txBody>
-      </p:sp>
-      <p:pic>
-        <p:nvPicPr>
-          <p:cNvPr id="2097163" name="object 6"/>
-          <p:cNvPicPr>
-            <a:picLocks/>
-          </p:cNvPicPr>
-          <p:nvPr/>
-        </p:nvPicPr>
-        <p:blipFill>
-          <a:blip xmlns:r="http://schemas.openxmlformats.org/officeDocument/2006/relationships" r:embed="rId1" cstate="print"/>
-          <a:stretch>
-            <a:fillRect/>
-          </a:stretch>
-        </p:blipFill>
-        <p:spPr>
-          <a:xfrm>
-            <a:off x="1666875" y="6467475"/>
-            <a:ext cx="76200" cy="177800"/>
-          </a:xfrm>
-          <a:prstGeom prst="rect"/>
-        </p:spPr>
-      </p:pic>
-      <p:sp>
-        <p:nvSpPr>
-          <p:cNvPr id="1048663" name="object 9"/>
-          <p:cNvSpPr txBox="1"/>
-          <p:nvPr/>
-        </p:nvSpPr>
-        <p:spPr>
-          <a:xfrm>
-            <a:off x="11277218" y="6473337"/>
-            <a:ext cx="228600" cy="159385"/>
-          </a:xfrm>
-          <a:prstGeom prst="rect"/>
-        </p:spPr>
-        <p:txBody>
-          <a:bodyPr bIns="0" lIns="0" rIns="0" rtlCol="0" tIns="6985" vert="horz" wrap="square">
-            <a:spAutoFit/>
-          </a:bodyPr>
-          <a:p>
-            <a:pPr marL="38100">
-              <a:lnSpc>
-                <a:spcPct val="100000"/>
-              </a:lnSpc>
-              <a:spcBef>
-                <a:spcPts val="55"/>
-              </a:spcBef>
-            </a:pPr>
-            <a:fld id="{81D60167-4931-47E6-BA6A-407CBD079E47}" type="slidenum">
-              <a:rPr dirty="0" sz="1100" spc="10">
-                <a:solidFill>
-                  <a:srgbClr val="2D936B"/>
-                </a:solidFill>
-                <a:latin typeface="Trebuchet MS"/>
-                <a:cs typeface="Trebuchet MS"/>
-              </a:rPr>
-              <a:t>7</a:t>
-            </a:fld>
-            <a:endParaRPr sz="1100">
-              <a:latin typeface="Trebuchet MS"/>
-              <a:cs typeface="Trebuchet MS"/>
-            </a:endParaRPr>
-          </a:p>
-        </p:txBody>
-      </p:sp>
-      <p:sp>
-        <p:nvSpPr>
-          <p:cNvPr id="1048664" name="object 8"/>
-          <p:cNvSpPr txBox="1"/>
-          <p:nvPr/>
-        </p:nvSpPr>
-        <p:spPr>
-          <a:xfrm>
-            <a:off x="739775" y="291147"/>
-            <a:ext cx="8794750" cy="584836"/>
-          </a:xfrm>
-          <a:prstGeom prst="rect"/>
-        </p:spPr>
-        <p:txBody>
-          <a:bodyPr bIns="0" lIns="0" rIns="0" rtlCol="0" tIns="13335" vert="horz" wrap="square">
-            <a:spAutoFit/>
-          </a:bodyPr>
-          <a:p>
-            <a:pPr marL="12700">
-              <a:lnSpc>
-                <a:spcPct val="100000"/>
-              </a:lnSpc>
-              <a:spcBef>
-                <a:spcPts val="105"/>
-              </a:spcBef>
-            </a:pPr>
-            <a:r>
-              <a:rPr b="1" dirty="0" sz="4000" lang="en-IN" spc="15">
-                <a:latin typeface="Trebuchet MS"/>
-                <a:cs typeface="Trebuchet MS"/>
-              </a:rPr>
-              <a:t>POTFOLIO DESIGN AND LAYOUT</a:t>
-            </a:r>
-            <a:endParaRPr dirty="0" sz="4000">
-              <a:latin typeface="Trebuchet MS"/>
-              <a:cs typeface="Trebuchet MS"/>
-            </a:endParaRPr>
-          </a:p>
-        </p:txBody>
-      </p:sp>
-      <p:sp>
-        <p:nvSpPr>
-          <p:cNvPr id="1048665" name="object 3"/>
-          <p:cNvSpPr/>
-          <p:nvPr/>
-        </p:nvSpPr>
-        <p:spPr>
-          <a:xfrm>
-            <a:off x="10058400" y="525141"/>
-            <a:ext cx="457200" cy="457200"/>
-          </a:xfrm>
-          <a:custGeom>
-            <a:avLst/>
-            <a:ahLst/>
-            <a:rect l="l" t="t" r="r" b="b"/>
-            <a:pathLst>
-              <a:path w="457200" h="457200">
-                <a:moveTo>
-                  <a:pt x="457200" y="0"/>
-                </a:moveTo>
-                <a:lnTo>
-                  <a:pt x="0" y="0"/>
-                </a:lnTo>
-                <a:lnTo>
-                  <a:pt x="0" y="457200"/>
-                </a:lnTo>
-                <a:lnTo>
-                  <a:pt x="457200" y="457200"/>
-                </a:lnTo>
-                <a:lnTo>
-                  <a:pt x="457200" y="0"/>
-                </a:lnTo>
-                <a:close/>
-              </a:path>
-            </a:pathLst>
-          </a:custGeom>
-          <a:solidFill>
-            <a:srgbClr val="42AF51"/>
-          </a:solidFill>
-        </p:spPr>
-        <p:txBody>
-          <a:bodyPr bIns="0" lIns="0" rIns="0" rtlCol="0" tIns="0" wrap="square"/>
-          <a:p/>
-        </p:txBody>
-      </p:sp>
-      <p:sp>
-        <p:nvSpPr>
-          <p:cNvPr id="1048666" name="TextBox 8"/>
-          <p:cNvSpPr txBox="1"/>
-          <p:nvPr/>
-        </p:nvSpPr>
-        <p:spPr>
-          <a:xfrm>
-            <a:off x="739774" y="1322705"/>
-            <a:ext cx="9988745" cy="5958840"/>
-          </a:xfrm>
-          <a:prstGeom prst="rect"/>
-          <a:noFill/>
-        </p:spPr>
-        <p:txBody>
-          <a:bodyPr rtlCol="0" wrap="square">
-            <a:spAutoFit/>
-          </a:bodyPr>
-          <a:lstStyle>
-            <a:defPPr>
-              <a:defRPr lang="en-US"/>
-            </a:defPPr>
-            <a:lvl1pPr algn="l" defTabSz="914400" eaLnBrk="1" hangingPunct="1" latinLnBrk="0" marL="0" rtl="0">
-              <a:defRPr sz="1800" kern="1200">
-                <a:solidFill>
-                  <a:srgbClr val="000000"/>
-                </a:solidFill>
-                <a:latin typeface="+mn-lt"/>
-                <a:ea typeface="+mn-ea"/>
-                <a:cs typeface="+mn-cs"/>
-              </a:defRPr>
-            </a:lvl1pPr>
-            <a:lvl2pPr algn="l" defTabSz="914400" eaLnBrk="1" hangingPunct="1" latinLnBrk="0" marL="457200" rtl="0">
-              <a:defRPr sz="1800" kern="1200">
-                <a:solidFill>
-                  <a:srgbClr val="000000"/>
-                </a:solidFill>
-                <a:latin typeface="+mn-lt"/>
-                <a:ea typeface="+mn-ea"/>
-                <a:cs typeface="+mn-cs"/>
-              </a:defRPr>
-            </a:lvl2pPr>
-            <a:lvl3pPr algn="l" defTabSz="914400" eaLnBrk="1" hangingPunct="1" latinLnBrk="0" marL="914400" rtl="0">
-              <a:defRPr sz="1800" kern="1200">
-                <a:solidFill>
-                  <a:srgbClr val="000000"/>
-                </a:solidFill>
-                <a:latin typeface="+mn-lt"/>
-                <a:ea typeface="+mn-ea"/>
-                <a:cs typeface="+mn-cs"/>
-              </a:defRPr>
-            </a:lvl3pPr>
-            <a:lvl4pPr algn="l" defTabSz="914400" eaLnBrk="1" hangingPunct="1" latinLnBrk="0" marL="1371600" rtl="0">
-              <a:defRPr sz="1800" kern="1200">
-                <a:solidFill>
-                  <a:srgbClr val="000000"/>
-                </a:solidFill>
-                <a:latin typeface="+mn-lt"/>
-                <a:ea typeface="+mn-ea"/>
-                <a:cs typeface="+mn-cs"/>
-              </a:defRPr>
-            </a:lvl4pPr>
-            <a:lvl5pPr algn="l" defTabSz="914400" eaLnBrk="1" hangingPunct="1" latinLnBrk="0" marL="1828800" rtl="0">
-              <a:defRPr sz="1800" kern="1200">
-                <a:solidFill>
-                  <a:srgbClr val="000000"/>
-                </a:solidFill>
-                <a:latin typeface="+mn-lt"/>
-                <a:ea typeface="+mn-ea"/>
-                <a:cs typeface="+mn-cs"/>
-              </a:defRPr>
-            </a:lvl5pPr>
-            <a:lvl6pPr algn="l" defTabSz="914400" eaLnBrk="1" hangingPunct="1" latinLnBrk="0" marL="2286000" rtl="0">
-              <a:defRPr sz="1800" kern="1200">
-                <a:solidFill>
-                  <a:srgbClr val="000000"/>
-                </a:solidFill>
-                <a:latin typeface="+mn-lt"/>
-                <a:ea typeface="+mn-ea"/>
-                <a:cs typeface="+mn-cs"/>
-              </a:defRPr>
-            </a:lvl6pPr>
-            <a:lvl7pPr algn="l" defTabSz="914400" eaLnBrk="1" hangingPunct="1" latinLnBrk="0" marL="2743200" rtl="0">
-              <a:defRPr sz="1800" kern="1200">
-                <a:solidFill>
-                  <a:srgbClr val="000000"/>
-                </a:solidFill>
-                <a:latin typeface="+mn-lt"/>
-                <a:ea typeface="+mn-ea"/>
-                <a:cs typeface="+mn-cs"/>
-              </a:defRPr>
-            </a:lvl7pPr>
-            <a:lvl8pPr algn="l" defTabSz="914400" eaLnBrk="1" hangingPunct="1" latinLnBrk="0" marL="3200400" rtl="0">
-              <a:defRPr sz="1800" kern="1200">
-                <a:solidFill>
-                  <a:srgbClr val="000000"/>
-                </a:solidFill>
-                <a:latin typeface="+mn-lt"/>
-                <a:ea typeface="+mn-ea"/>
-                <a:cs typeface="+mn-cs"/>
-              </a:defRPr>
-            </a:lvl8pPr>
-            <a:lvl9pPr algn="l" defTabSz="914400" eaLnBrk="1" hangingPunct="1" latinLnBrk="0" marL="3657600" rtl="0">
-              <a:defRPr sz="1800" kern="1200">
-                <a:solidFill>
-                  <a:srgbClr val="000000"/>
-                </a:solidFill>
-                <a:latin typeface="+mn-lt"/>
-                <a:ea typeface="+mn-ea"/>
-                <a:cs typeface="+mn-cs"/>
-              </a:defRPr>
-            </a:lvl9pPr>
-          </a:lstStyle>
-          <a:p>
-            <a:r>
-              <a:rPr altLang="en-IN" b="0" dirty="0" sz="2800" i="0" lang="en-US">
-                <a:solidFill>
-                  <a:srgbClr val="0D0D0D"/>
-                </a:solidFill>
-                <a:effectLst/>
-                <a:latin typeface="Times New Roman" panose="02020603050405020304" pitchFamily="18" charset="0"/>
-                <a:cs typeface="Times New Roman" panose="02020603050405020304" pitchFamily="18" charset="0"/>
-              </a:rPr>
-              <a:t>K</a:t>
-            </a:r>
-            <a:r>
-              <a:rPr altLang="en-IN" b="0" dirty="0" sz="2800" i="0" lang="en-US">
-                <a:solidFill>
-                  <a:srgbClr val="0D0D0D"/>
-                </a:solidFill>
-                <a:effectLst/>
-                <a:latin typeface="Times New Roman" panose="02020603050405020304" pitchFamily="18" charset="0"/>
-                <a:cs typeface="Times New Roman" panose="02020603050405020304" pitchFamily="18" charset="0"/>
-              </a:rPr>
-              <a:t>e</a:t>
-            </a:r>
-            <a:r>
-              <a:rPr altLang="en-IN" b="0" dirty="0" sz="2800" i="0" lang="en-US">
-                <a:solidFill>
-                  <a:srgbClr val="0D0D0D"/>
-                </a:solidFill>
-                <a:effectLst/>
-                <a:latin typeface="Times New Roman" panose="02020603050405020304" pitchFamily="18" charset="0"/>
-                <a:cs typeface="Times New Roman" panose="02020603050405020304" pitchFamily="18" charset="0"/>
-              </a:rPr>
-              <a:t>y</a:t>
-            </a:r>
-            <a:r>
-              <a:rPr altLang="en-IN" b="0" dirty="0" sz="2800" i="0" lang="en-US">
-                <a:solidFill>
-                  <a:srgbClr val="0D0D0D"/>
-                </a:solidFill>
-                <a:effectLst/>
-                <a:latin typeface="Times New Roman" panose="02020603050405020304" pitchFamily="18" charset="0"/>
-                <a:cs typeface="Times New Roman" panose="02020603050405020304" pitchFamily="18" charset="0"/>
-              </a:rPr>
-              <a:t>s</a:t>
-            </a:r>
-            <a:r>
-              <a:rPr altLang="en-IN" b="0" dirty="0" sz="2800" i="0" lang="en-US">
-                <a:solidFill>
-                  <a:srgbClr val="0D0D0D"/>
-                </a:solidFill>
-                <a:effectLst/>
-                <a:latin typeface="Times New Roman" panose="02020603050405020304" pitchFamily="18" charset="0"/>
-                <a:cs typeface="Times New Roman" panose="02020603050405020304" pitchFamily="18" charset="0"/>
-              </a:rPr>
-              <a:t>Elements</a:t>
-            </a:r>
-            <a:endParaRPr dirty="0" sz="2800" lang="en-IN">
-              <a:latin typeface="Times New Roman" panose="02020603050405020304" pitchFamily="18" charset="0"/>
-              <a:cs typeface="Times New Roman" panose="02020603050405020304" pitchFamily="18" charset="0"/>
-            </a:endParaRPr>
-          </a:p>
-          <a:p>
-            <a:r>
-              <a:rPr altLang="en-IN" b="0" dirty="0" sz="2800" i="0" lang="en-US">
-                <a:solidFill>
-                  <a:srgbClr val="0D0D0D"/>
-                </a:solidFill>
-                <a:effectLst/>
-                <a:latin typeface="Times New Roman" panose="02020603050405020304" pitchFamily="18" charset="0"/>
-                <a:cs typeface="Times New Roman" panose="02020603050405020304" pitchFamily="18" charset="0"/>
-              </a:rPr>
-              <a:t>1. *Homepage*: Brief intro, showcase projects.</a:t>
-            </a:r>
-            <a:endParaRPr dirty="0" sz="2800" lang="en-IN">
-              <a:latin typeface="Times New Roman" panose="02020603050405020304" pitchFamily="18" charset="0"/>
-              <a:cs typeface="Times New Roman" panose="02020603050405020304" pitchFamily="18" charset="0"/>
-            </a:endParaRPr>
-          </a:p>
-          <a:p>
-            <a:r>
-              <a:rPr altLang="en-IN" b="0" dirty="0" sz="2800" i="0" lang="en-US">
-                <a:solidFill>
-                  <a:srgbClr val="0D0D0D"/>
-                </a:solidFill>
-                <a:effectLst/>
-                <a:latin typeface="Times New Roman" panose="02020603050405020304" pitchFamily="18" charset="0"/>
-                <a:cs typeface="Times New Roman" panose="02020603050405020304" pitchFamily="18" charset="0"/>
-              </a:rPr>
-              <a:t>2. *Projects Section*: Grid/layout of projects with images, descriptions.</a:t>
-            </a:r>
-            <a:endParaRPr dirty="0" sz="2800" lang="en-IN">
-              <a:latin typeface="Times New Roman" panose="02020603050405020304" pitchFamily="18" charset="0"/>
-              <a:cs typeface="Times New Roman" panose="02020603050405020304" pitchFamily="18" charset="0"/>
-            </a:endParaRPr>
-          </a:p>
-          <a:p>
-            <a:r>
-              <a:rPr altLang="en-IN" b="0" dirty="0" sz="2800" i="0" lang="en-US">
-                <a:solidFill>
-                  <a:srgbClr val="0D0D0D"/>
-                </a:solidFill>
-                <a:effectLst/>
-                <a:latin typeface="Times New Roman" panose="02020603050405020304" pitchFamily="18" charset="0"/>
-                <a:cs typeface="Times New Roman" panose="02020603050405020304" pitchFamily="18" charset="0"/>
-              </a:rPr>
-              <a:t>3. *About Me*: Skills, experience, background.</a:t>
-            </a:r>
-            <a:endParaRPr dirty="0" sz="2800" lang="en-IN">
-              <a:latin typeface="Times New Roman" panose="02020603050405020304" pitchFamily="18" charset="0"/>
-              <a:cs typeface="Times New Roman" panose="02020603050405020304" pitchFamily="18" charset="0"/>
-            </a:endParaRPr>
-          </a:p>
-          <a:p>
-            <a:r>
-              <a:rPr altLang="en-IN" b="0" dirty="0" sz="2800" i="0" lang="en-US">
-                <a:solidFill>
-                  <a:srgbClr val="0D0D0D"/>
-                </a:solidFill>
-                <a:effectLst/>
-                <a:latin typeface="Times New Roman" panose="02020603050405020304" pitchFamily="18" charset="0"/>
-                <a:cs typeface="Times New Roman" panose="02020603050405020304" pitchFamily="18" charset="0"/>
-              </a:rPr>
-              <a:t>4. *Contact*: Email, social links, contact form.</a:t>
-            </a:r>
-            <a:endParaRPr dirty="0" sz="2800" lang="en-IN">
-              <a:latin typeface="Times New Roman" panose="02020603050405020304" pitchFamily="18" charset="0"/>
-              <a:cs typeface="Times New Roman" panose="02020603050405020304" pitchFamily="18" charset="0"/>
-            </a:endParaRPr>
-          </a:p>
-          <a:p>
-            <a:r>
-              <a:rPr altLang="en-IN" b="0" dirty="0" sz="2800" i="0" lang="en-US">
-                <a:solidFill>
-                  <a:srgbClr val="0D0D0D"/>
-                </a:solidFill>
-                <a:effectLst/>
-                <a:latin typeface="Times New Roman" panose="02020603050405020304" pitchFamily="18" charset="0"/>
-                <a:cs typeface="Times New Roman" panose="02020603050405020304" pitchFamily="18" charset="0"/>
-              </a:rPr>
-              <a:t>5. *Responsive Design*: Works on desktop, tablet, mobile.</a:t>
-            </a:r>
-            <a:endParaRPr dirty="0" sz="2800" lang="en-IN">
-              <a:latin typeface="Times New Roman" panose="02020603050405020304" pitchFamily="18" charset="0"/>
-              <a:cs typeface="Times New Roman" panose="02020603050405020304" pitchFamily="18" charset="0"/>
-            </a:endParaRPr>
-          </a:p>
-          <a:p>
-            <a:r>
-              <a:rPr altLang="en-IN" b="0" dirty="0" sz="2800" i="0" lang="en-US">
-                <a:solidFill>
-                  <a:srgbClr val="0D0D0D"/>
-                </a:solidFill>
-                <a:effectLst/>
-                <a:latin typeface="Times New Roman" panose="02020603050405020304" pitchFamily="18" charset="0"/>
-                <a:cs typeface="Times New Roman" panose="02020603050405020304" pitchFamily="18" charset="0"/>
-              </a:rPr>
-              <a:t>Design Considerations</a:t>
-            </a:r>
-            <a:endParaRPr dirty="0" sz="2800" lang="en-IN">
-              <a:latin typeface="Times New Roman" panose="02020603050405020304" pitchFamily="18" charset="0"/>
-              <a:cs typeface="Times New Roman" panose="02020603050405020304" pitchFamily="18" charset="0"/>
-            </a:endParaRPr>
-          </a:p>
-          <a:p>
-            <a:r>
-              <a:rPr altLang="en-IN" b="0" dirty="0" sz="2800" i="0" lang="en-US">
-                <a:solidFill>
-                  <a:srgbClr val="0D0D0D"/>
-                </a:solidFill>
-                <a:effectLst/>
-                <a:latin typeface="Times New Roman" panose="02020603050405020304" pitchFamily="18" charset="0"/>
-                <a:cs typeface="Times New Roman" panose="02020603050405020304" pitchFamily="18" charset="0"/>
-              </a:rPr>
-              <a:t>1. *Clean &amp; Minimal*: Focus on work showcase.</a:t>
-            </a:r>
-            <a:endParaRPr dirty="0" sz="2800" lang="en-IN">
-              <a:latin typeface="Times New Roman" panose="02020603050405020304" pitchFamily="18" charset="0"/>
-              <a:cs typeface="Times New Roman" panose="02020603050405020304" pitchFamily="18" charset="0"/>
-            </a:endParaRPr>
-          </a:p>
-          <a:p>
-            <a:r>
-              <a:rPr altLang="en-IN" b="0" dirty="0" sz="2800" i="0" lang="en-US">
-                <a:solidFill>
-                  <a:srgbClr val="0D0D0D"/>
-                </a:solidFill>
-                <a:effectLst/>
-                <a:latin typeface="Times New Roman" panose="02020603050405020304" pitchFamily="18" charset="0"/>
-                <a:cs typeface="Times New Roman" panose="02020603050405020304" pitchFamily="18" charset="0"/>
-              </a:rPr>
-              <a:t>2. *Typography*: Readable fonts.</a:t>
-            </a:r>
-            <a:endParaRPr dirty="0" sz="2800" lang="en-IN">
-              <a:latin typeface="Times New Roman" panose="02020603050405020304" pitchFamily="18" charset="0"/>
-              <a:cs typeface="Times New Roman" panose="02020603050405020304" pitchFamily="18" charset="0"/>
-            </a:endParaRPr>
-          </a:p>
-          <a:p>
-            <a:r>
-              <a:rPr altLang="en-IN" b="0" dirty="0" sz="2800" i="0" lang="en-US">
-                <a:solidFill>
-                  <a:srgbClr val="0D0D0D"/>
-                </a:solidFill>
-                <a:effectLst/>
-                <a:latin typeface="Times New Roman" panose="02020603050405020304" pitchFamily="18" charset="0"/>
-                <a:cs typeface="Times New Roman" panose="02020603050405020304" pitchFamily="18" charset="0"/>
-              </a:rPr>
-              <a:t>3. *Color Scheme*: Professional, brand-aligned colors.</a:t>
-            </a:r>
-            <a:endParaRPr dirty="0" sz="2800" lang="en-IN">
-              <a:latin typeface="Times New Roman" panose="02020603050405020304" pitchFamily="18" charset="0"/>
-              <a:cs typeface="Times New Roman" panose="02020603050405020304" pitchFamily="18" charset="0"/>
-            </a:endParaRPr>
-          </a:p>
-          <a:p>
-            <a:r>
-              <a:rPr altLang="en-IN" b="0" dirty="0" sz="2800" i="0" lang="en-US">
-                <a:solidFill>
-                  <a:srgbClr val="0D0D0D"/>
-                </a:solidFill>
-                <a:effectLst/>
-                <a:latin typeface="Times New Roman" panose="02020603050405020304" pitchFamily="18" charset="0"/>
-                <a:cs typeface="Times New Roman" panose="02020603050405020304" pitchFamily="18" charset="0"/>
-              </a:rPr>
-              <a:t>4. *Navigation*: Simple, intuitive menu.</a:t>
-            </a:r>
-            <a:endParaRPr dirty="0" sz="2800" lang="en-IN">
-              <a:latin typeface="Times New Roman" panose="02020603050405020304" pitchFamily="18" charset="0"/>
-              <a:cs typeface="Times New Roman" panose="02020603050405020304" pitchFamily="18" charset="0"/>
-            </a:endParaRPr>
-          </a:p>
-          <a:p>
-            <a:r>
-              <a:rPr altLang="en-IN" b="0" dirty="0" sz="2800" i="0" lang="en-US">
-                <a:solidFill>
-                  <a:srgbClr val="0D0D0D"/>
-                </a:solidFill>
-                <a:effectLst/>
-                <a:latin typeface="Times New Roman" panose="02020603050405020304" pitchFamily="18" charset="0"/>
-                <a:cs typeface="Times New Roman" panose="02020603050405020304" pitchFamily="18" charset="0"/>
-              </a:rPr>
-              <a:t>Common Layouts</a:t>
-            </a:r>
-            <a:endParaRPr dirty="0" sz="2800" lang="en-IN">
-              <a:latin typeface="Times New Roman" panose="02020603050405020304" pitchFamily="18" charset="0"/>
-              <a:cs typeface="Times New Roman" panose="02020603050405020304" pitchFamily="18" charset="0"/>
-            </a:endParaRPr>
-          </a:p>
-          <a:p>
-            <a:endParaRPr dirty="0" sz="2800" lang="en-IN">
-              <a:latin typeface="Times New Roman" panose="02020603050405020304" pitchFamily="18" charset="0"/>
-              <a:cs typeface="Times New Roman" panose="02020603050405020304" pitchFamily="18" charset="0"/>
-            </a:endParaRPr>
-          </a:p>
-        </p:txBody>
-      </p:sp>
-    </p:spTree>
-  </p:cSld>
-  <p:clrMapOvr>
-    <a:masterClrMapping/>
-  </p:clrMapOvr>
-</p:sld>
-</file>
-
-<file path=ppt/slides/slide8.xml><?xml version="1.0" encoding="utf-8"?>
-<p:sld xmlns:a="http://schemas.openxmlformats.org/drawingml/2006/main" xmlns:r="http://schemas.openxmlformats.org/officeDocument/2006/relationships" xmlns:p="http://schemas.openxmlformats.org/presentationml/2006/main">
-  <p:cSld>
-    <p:spTree>
-      <p:nvGrpSpPr>
-        <p:cNvPr id="35" name=""/>
-        <p:cNvGrpSpPr/>
-        <p:nvPr/>
-      </p:nvGrpSpPr>
-      <p:grpSpPr>
-        <a:xfrm>
-          <a:off x="0" y="0"/>
-          <a:ext cx="0" cy="0"/>
-          <a:chOff x="0" y="0"/>
-          <a:chExt cx="0" cy="0"/>
-        </a:xfrm>
-      </p:grpSpPr>
-      <p:sp>
-        <p:nvSpPr>
-          <p:cNvPr id="1048667" name="Title 1"/>
-          <p:cNvSpPr>
-            <a:spLocks noGrp="1"/>
-          </p:cNvSpPr>
-          <p:nvPr>
-            <p:ph type="title"/>
-          </p:nvPr>
-        </p:nvSpPr>
-        <p:spPr>
-          <a:xfrm>
-            <a:off x="755332" y="385444"/>
-            <a:ext cx="10681335" cy="723900"/>
-          </a:xfrm>
-        </p:spPr>
-        <p:txBody>
-          <a:bodyPr/>
-          <a:p>
-            <a:r>
-              <a:rPr dirty="0" lang="en-IN"/>
-              <a:t>FEATURES AND FUNCTIONALITY</a:t>
-            </a:r>
-          </a:p>
-        </p:txBody>
-      </p:sp>
-      <p:sp>
-        <p:nvSpPr>
-          <p:cNvPr id="1048668" name=""/>
-          <p:cNvSpPr txBox="1"/>
-          <p:nvPr/>
-        </p:nvSpPr>
-        <p:spPr>
-          <a:xfrm>
-            <a:off x="3810000" y="3251200"/>
-            <a:ext cx="4572000" cy="485140"/>
-          </a:xfrm>
-          <a:prstGeom prst="rect"/>
-        </p:spPr>
-        <p:txBody>
-          <a:bodyPr rtlCol="0" wrap="square">
-            <a:spAutoFit/>
-          </a:bodyPr>
-          <a:p>
-            <a:endParaRPr sz="2800" lang="en-IN">
-              <a:solidFill>
-                <a:srgbClr val="000000"/>
-              </a:solidFill>
-            </a:endParaRPr>
-          </a:p>
-        </p:txBody>
-      </p:sp>
-      <p:sp>
-        <p:nvSpPr>
-          <p:cNvPr id="1048669" name=""/>
-          <p:cNvSpPr txBox="1"/>
-          <p:nvPr/>
-        </p:nvSpPr>
-        <p:spPr>
-          <a:xfrm>
-            <a:off x="3810000" y="3251200"/>
-            <a:ext cx="4572000" cy="485140"/>
-          </a:xfrm>
-          <a:prstGeom prst="rect"/>
-        </p:spPr>
-        <p:txBody>
-          <a:bodyPr rtlCol="0" wrap="square">
-            <a:spAutoFit/>
-          </a:bodyPr>
-          <a:p>
-            <a:endParaRPr sz="2800" lang="en-IN">
-              <a:solidFill>
-                <a:srgbClr val="000000"/>
-              </a:solidFill>
-            </a:endParaRPr>
-          </a:p>
-        </p:txBody>
-      </p:sp>
-      <p:sp>
-        <p:nvSpPr>
-          <p:cNvPr id="1048670" name=""/>
-          <p:cNvSpPr txBox="1"/>
-          <p:nvPr/>
-        </p:nvSpPr>
-        <p:spPr>
-          <a:xfrm>
-            <a:off x="3810000" y="3251200"/>
-            <a:ext cx="4572000" cy="485140"/>
-          </a:xfrm>
-          <a:prstGeom prst="rect"/>
-        </p:spPr>
-        <p:txBody>
-          <a:bodyPr rtlCol="0" wrap="square">
-            <a:spAutoFit/>
-          </a:bodyPr>
-          <a:p>
-            <a:endParaRPr sz="2800" lang="en-IN">
-              <a:solidFill>
-                <a:srgbClr val="000000"/>
-              </a:solidFill>
-            </a:endParaRPr>
-          </a:p>
-        </p:txBody>
-      </p:sp>
-      <p:sp>
-        <p:nvSpPr>
-          <p:cNvPr id="1048671" name=""/>
-          <p:cNvSpPr txBox="1"/>
-          <p:nvPr/>
-        </p:nvSpPr>
-        <p:spPr>
-          <a:xfrm>
-            <a:off x="755332" y="1319070"/>
-            <a:ext cx="10287000" cy="7216140"/>
-          </a:xfrm>
-          <a:prstGeom prst="rect"/>
-        </p:spPr>
-        <p:txBody>
-          <a:bodyPr rtlCol="0" wrap="square">
-            <a:spAutoFit/>
-          </a:bodyPr>
-          <a:p>
-            <a:r>
-              <a:rPr altLang="en-IN" sz="2800" lang="en-US">
-                <a:solidFill>
-                  <a:srgbClr val="000000"/>
-                </a:solidFill>
-              </a:rPr>
-              <a:t>C</a:t>
-            </a:r>
-            <a:r>
-              <a:rPr altLang="en-IN" sz="2800" lang="en-US">
-                <a:solidFill>
-                  <a:srgbClr val="000000"/>
-                </a:solidFill>
-              </a:rPr>
-              <a:t>o</a:t>
-            </a:r>
-            <a:r>
-              <a:rPr altLang="en-IN" sz="2800" lang="en-US">
-                <a:solidFill>
-                  <a:srgbClr val="000000"/>
-                </a:solidFill>
-              </a:rPr>
-              <a:t>r</a:t>
-            </a:r>
-            <a:r>
-              <a:rPr sz="2800" lang="en-IN">
-                <a:solidFill>
-                  <a:srgbClr val="000000"/>
-                </a:solidFill>
-              </a:rPr>
-              <a:t>Features
-1. *Responsive Design*: Adapts to desktop, tablet, mobile screens.
-2. *User Authentication*: Login, registration, profile management.
-3. *Search Functionality*: Search products, content, users.
-4. *Forms &amp; Data Handling*: Contact forms, data submission, validation.</a:t>
-            </a:r>
-            <a:endParaRPr sz="2800" lang="en-IN">
-              <a:solidFill>
-                <a:srgbClr val="000000"/>
-              </a:solidFill>
-            </a:endParaRPr>
-          </a:p>
-          <a:p>
-            <a:r>
-              <a:rPr altLang="en-IN" sz="2800" lang="en-US">
-                <a:solidFill>
-                  <a:srgbClr val="000000"/>
-                </a:solidFill>
-              </a:rPr>
-              <a:t>5</a:t>
-            </a:r>
-            <a:r>
-              <a:rPr altLang="en-IN" sz="2800" lang="en-US">
-                <a:solidFill>
-                  <a:srgbClr val="000000"/>
-                </a:solidFill>
-              </a:rPr>
-              <a:t>.</a:t>
-            </a:r>
-            <a:r>
-              <a:rPr sz="2800" lang="en-IN">
-                <a:solidFill>
-                  <a:srgbClr val="000000"/>
-                </a:solidFill>
-              </a:rPr>
-              <a:t>*E-commerce Capabilities*: Product catalog, cart, checkout.
-Functionalities
-1. *Interactivity*: Dynamic elements via JavaScript.
-2. *API Integration*: Connect to external services (payment, maps).
-3. *Content Management*: CRUD (Create, Read, Update, Delete) operations.
-</a:t>
-            </a:r>
-            <a:endParaRPr sz="2800" lang="en-IN">
-              <a:solidFill>
-                <a:srgbClr val="000000"/>
-              </a:solidFill>
-            </a:endParaRPr>
-          </a:p>
-        </p:txBody>
-      </p:sp>
-    </p:spTree>
-  </p:cSld>
-  <p:clrMapOvr>
-    <a:masterClrMapping/>
-  </p:clrMapOvr>
-</p:sld>
-</file>
-
-<file path=ppt/slides/slide9.xml><?xml version="1.0" encoding="utf-8"?>
 <p:sld xmlns:a="http://schemas.openxmlformats.org/drawingml/2006/main" xmlns:r="http://schemas.openxmlformats.org/officeDocument/2006/relationships" xmlns:p="http://schemas.openxmlformats.org/presentationml/2006/main">
   <p:cSld>
     <p:spTree>
@@ -7977,314 +8109,9 @@
           <a:chExt cx="0" cy="0"/>
         </a:xfrm>
       </p:grpSpPr>
-      <p:sp>
-        <p:nvSpPr>
-          <p:cNvPr id="1048672" name="object 2"/>
-          <p:cNvSpPr txBox="1"/>
-          <p:nvPr/>
-        </p:nvSpPr>
-        <p:spPr>
-          <a:xfrm>
-            <a:off x="752475" y="6486037"/>
-            <a:ext cx="1773555" cy="166370"/>
-          </a:xfrm>
-          <a:prstGeom prst="rect"/>
-        </p:spPr>
-        <p:txBody>
-          <a:bodyPr bIns="0" lIns="0" rIns="0" rtlCol="0" tIns="0" vert="horz" wrap="square">
-            <a:spAutoFit/>
-          </a:bodyPr>
-          <a:p>
-            <a:pPr>
-              <a:lnSpc>
-                <a:spcPts val="1275"/>
-              </a:lnSpc>
-            </a:pPr>
-            <a:r>
-              <a:rPr dirty="0" sz="1100" spc="20">
-                <a:solidFill>
-                  <a:srgbClr val="2D83C3"/>
-                </a:solidFill>
-                <a:latin typeface="Trebuchet MS"/>
-                <a:cs typeface="Trebuchet MS"/>
-              </a:rPr>
-              <a:t>3/21/202</a:t>
-            </a:r>
-            <a:r>
-              <a:rPr dirty="0" sz="1100" spc="10">
-                <a:solidFill>
-                  <a:srgbClr val="2D83C3"/>
-                </a:solidFill>
-                <a:latin typeface="Trebuchet MS"/>
-                <a:cs typeface="Trebuchet MS"/>
-              </a:rPr>
-              <a:t>4</a:t>
-            </a:r>
-            <a:r>
-              <a:rPr dirty="0" sz="1100">
-                <a:solidFill>
-                  <a:srgbClr val="2D83C3"/>
-                </a:solidFill>
-                <a:latin typeface="Trebuchet MS"/>
-                <a:cs typeface="Trebuchet MS"/>
-              </a:rPr>
-              <a:t> </a:t>
-            </a:r>
-            <a:r>
-              <a:rPr dirty="0" sz="1100" spc="130">
-                <a:solidFill>
-                  <a:srgbClr val="2D83C3"/>
-                </a:solidFill>
-                <a:latin typeface="Trebuchet MS"/>
-                <a:cs typeface="Trebuchet MS"/>
-              </a:rPr>
-              <a:t> </a:t>
-            </a:r>
-            <a:r>
-              <a:rPr b="1" dirty="0" sz="1100" spc="50">
-                <a:solidFill>
-                  <a:srgbClr val="2D83C3"/>
-                </a:solidFill>
-                <a:latin typeface="Trebuchet MS"/>
-                <a:cs typeface="Trebuchet MS"/>
-              </a:rPr>
-              <a:t>A</a:t>
-            </a:r>
-            <a:r>
-              <a:rPr b="1" dirty="0" sz="1100" spc="15">
-                <a:solidFill>
-                  <a:srgbClr val="2D83C3"/>
-                </a:solidFill>
-                <a:latin typeface="Trebuchet MS"/>
-                <a:cs typeface="Trebuchet MS"/>
-              </a:rPr>
-              <a:t>nnu</a:t>
-            </a:r>
-            <a:r>
-              <a:rPr b="1" dirty="0" sz="1100" spc="10">
-                <a:solidFill>
-                  <a:srgbClr val="2D83C3"/>
-                </a:solidFill>
-                <a:latin typeface="Trebuchet MS"/>
-                <a:cs typeface="Trebuchet MS"/>
-              </a:rPr>
-              <a:t>al</a:t>
-            </a:r>
-            <a:r>
-              <a:rPr b="1" dirty="0" sz="1100" spc="-140">
-                <a:solidFill>
-                  <a:srgbClr val="2D83C3"/>
-                </a:solidFill>
-                <a:latin typeface="Trebuchet MS"/>
-                <a:cs typeface="Trebuchet MS"/>
-              </a:rPr>
-              <a:t> </a:t>
-            </a:r>
-            <a:r>
-              <a:rPr b="1" dirty="0" sz="1100">
-                <a:solidFill>
-                  <a:srgbClr val="2D83C3"/>
-                </a:solidFill>
-                <a:latin typeface="Trebuchet MS"/>
-                <a:cs typeface="Trebuchet MS"/>
-              </a:rPr>
-              <a:t>R</a:t>
-            </a:r>
-            <a:r>
-              <a:rPr b="1" dirty="0" sz="1100" spc="35">
-                <a:solidFill>
-                  <a:srgbClr val="2D83C3"/>
-                </a:solidFill>
-                <a:latin typeface="Trebuchet MS"/>
-                <a:cs typeface="Trebuchet MS"/>
-              </a:rPr>
-              <a:t>e</a:t>
-            </a:r>
-            <a:r>
-              <a:rPr b="1" dirty="0" sz="1100" spc="90">
-                <a:solidFill>
-                  <a:srgbClr val="2D83C3"/>
-                </a:solidFill>
-                <a:latin typeface="Trebuchet MS"/>
-                <a:cs typeface="Trebuchet MS"/>
-              </a:rPr>
-              <a:t>v</a:t>
-            </a:r>
-            <a:r>
-              <a:rPr b="1" dirty="0" sz="1100" spc="-35">
-                <a:solidFill>
-                  <a:srgbClr val="2D83C3"/>
-                </a:solidFill>
-                <a:latin typeface="Trebuchet MS"/>
-                <a:cs typeface="Trebuchet MS"/>
-              </a:rPr>
-              <a:t>i</a:t>
-            </a:r>
-            <a:r>
-              <a:rPr b="1" dirty="0" sz="1100" spc="35">
-                <a:solidFill>
-                  <a:srgbClr val="2D83C3"/>
-                </a:solidFill>
-                <a:latin typeface="Trebuchet MS"/>
-                <a:cs typeface="Trebuchet MS"/>
-              </a:rPr>
-              <a:t>e</a:t>
-            </a:r>
-            <a:r>
-              <a:rPr b="1" dirty="0" sz="1100" spc="15">
-                <a:solidFill>
-                  <a:srgbClr val="2D83C3"/>
-                </a:solidFill>
-                <a:latin typeface="Trebuchet MS"/>
-                <a:cs typeface="Trebuchet MS"/>
-              </a:rPr>
-              <a:t>w</a:t>
-            </a:r>
-            <a:endParaRPr sz="1100">
-              <a:latin typeface="Trebuchet MS"/>
-              <a:cs typeface="Trebuchet MS"/>
-            </a:endParaRPr>
-          </a:p>
-        </p:txBody>
-      </p:sp>
-      <p:sp>
-        <p:nvSpPr>
-          <p:cNvPr id="1048673" name="object 3"/>
-          <p:cNvSpPr/>
-          <p:nvPr/>
-        </p:nvSpPr>
-        <p:spPr>
-          <a:xfrm>
-            <a:off x="9353550" y="5362575"/>
-            <a:ext cx="457200" cy="457200"/>
-          </a:xfrm>
-          <a:custGeom>
-            <a:avLst/>
-            <a:ahLst/>
-            <a:rect l="l" t="t" r="r" b="b"/>
-            <a:pathLst>
-              <a:path w="457200" h="457200">
-                <a:moveTo>
-                  <a:pt x="457200" y="0"/>
-                </a:moveTo>
-                <a:lnTo>
-                  <a:pt x="0" y="0"/>
-                </a:lnTo>
-                <a:lnTo>
-                  <a:pt x="0" y="457200"/>
-                </a:lnTo>
-                <a:lnTo>
-                  <a:pt x="457200" y="457200"/>
-                </a:lnTo>
-                <a:lnTo>
-                  <a:pt x="457200" y="0"/>
-                </a:lnTo>
-                <a:close/>
-              </a:path>
-            </a:pathLst>
-          </a:custGeom>
-          <a:solidFill>
-            <a:srgbClr val="42AF51"/>
-          </a:solidFill>
-        </p:spPr>
-        <p:txBody>
-          <a:bodyPr bIns="0" lIns="0" rIns="0" rtlCol="0" tIns="0" wrap="square"/>
-          <a:p/>
-        </p:txBody>
-      </p:sp>
-      <p:sp>
-        <p:nvSpPr>
-          <p:cNvPr id="1048674" name="object 4"/>
-          <p:cNvSpPr/>
-          <p:nvPr/>
-        </p:nvSpPr>
-        <p:spPr>
-          <a:xfrm>
-            <a:off x="6696075" y="1695450"/>
-            <a:ext cx="314325" cy="323850"/>
-          </a:xfrm>
-          <a:custGeom>
-            <a:avLst/>
-            <a:ahLst/>
-            <a:rect l="l" t="t" r="r" b="b"/>
-            <a:pathLst>
-              <a:path w="314325" h="323850">
-                <a:moveTo>
-                  <a:pt x="314325" y="0"/>
-                </a:moveTo>
-                <a:lnTo>
-                  <a:pt x="0" y="0"/>
-                </a:lnTo>
-                <a:lnTo>
-                  <a:pt x="0" y="323850"/>
-                </a:lnTo>
-                <a:lnTo>
-                  <a:pt x="314325" y="323850"/>
-                </a:lnTo>
-                <a:lnTo>
-                  <a:pt x="314325" y="0"/>
-                </a:lnTo>
-                <a:close/>
-              </a:path>
-            </a:pathLst>
-          </a:custGeom>
-          <a:solidFill>
-            <a:srgbClr val="2D83C3"/>
-          </a:solidFill>
-        </p:spPr>
-        <p:txBody>
-          <a:bodyPr bIns="0" lIns="0" rIns="0" rtlCol="0" tIns="0" wrap="square"/>
-          <a:p/>
-        </p:txBody>
-      </p:sp>
-      <p:sp>
-        <p:nvSpPr>
-          <p:cNvPr id="1048675" name="object 5"/>
-          <p:cNvSpPr/>
-          <p:nvPr/>
-        </p:nvSpPr>
-        <p:spPr>
-          <a:xfrm>
-            <a:off x="9353550" y="5895975"/>
-            <a:ext cx="180975" cy="180975"/>
-          </a:xfrm>
-          <a:custGeom>
-            <a:avLst/>
-            <a:ahLst/>
-            <a:rect l="l" t="t" r="r" b="b"/>
-            <a:pathLst>
-              <a:path w="180975" h="180975">
-                <a:moveTo>
-                  <a:pt x="180975" y="0"/>
-                </a:moveTo>
-                <a:lnTo>
-                  <a:pt x="0" y="0"/>
-                </a:lnTo>
-                <a:lnTo>
-                  <a:pt x="0" y="180975"/>
-                </a:lnTo>
-                <a:lnTo>
-                  <a:pt x="180975" y="180975"/>
-                </a:lnTo>
-                <a:lnTo>
-                  <a:pt x="180975" y="0"/>
-                </a:lnTo>
-                <a:close/>
-              </a:path>
-            </a:pathLst>
-          </a:custGeom>
-          <a:solidFill>
-            <a:srgbClr val="2D936B"/>
-          </a:solidFill>
-        </p:spPr>
-        <p:txBody>
-          <a:bodyPr bIns="0" lIns="0" rIns="0" rtlCol="0" tIns="0" wrap="square"/>
-          <a:p/>
-        </p:txBody>
-      </p:sp>
       <p:pic>
         <p:nvPicPr>
-          <p:cNvPr id="2097164" name="object 6"/>
+          <p:cNvPr id="2097163" name="object 2"/>
           <p:cNvPicPr>
             <a:picLocks/>
           </p:cNvPicPr>
@@ -8298,15 +8125,150 @@
         </p:blipFill>
         <p:spPr>
           <a:xfrm>
-            <a:off x="66675" y="3381373"/>
-            <a:ext cx="2466975" cy="3419475"/>
+            <a:off x="0" y="1476375"/>
+            <a:ext cx="2695574" cy="3248025"/>
           </a:xfrm>
           <a:prstGeom prst="rect"/>
         </p:spPr>
       </p:pic>
       <p:sp>
         <p:nvSpPr>
-          <p:cNvPr id="1048676" name="object 7"/>
+          <p:cNvPr id="1048658" name="object 3"/>
+          <p:cNvSpPr/>
+          <p:nvPr/>
+        </p:nvSpPr>
+        <p:spPr>
+          <a:xfrm>
+            <a:off x="9353550" y="5362575"/>
+            <a:ext cx="457200" cy="457200"/>
+          </a:xfrm>
+          <a:custGeom>
+            <a:avLst/>
+            <a:ahLst/>
+            <a:rect l="l" t="t" r="r" b="b"/>
+            <a:pathLst>
+              <a:path w="457200" h="457200">
+                <a:moveTo>
+                  <a:pt x="457200" y="0"/>
+                </a:moveTo>
+                <a:lnTo>
+                  <a:pt x="0" y="0"/>
+                </a:lnTo>
+                <a:lnTo>
+                  <a:pt x="0" y="457200"/>
+                </a:lnTo>
+                <a:lnTo>
+                  <a:pt x="457200" y="457200"/>
+                </a:lnTo>
+                <a:lnTo>
+                  <a:pt x="457200" y="0"/>
+                </a:lnTo>
+                <a:close/>
+              </a:path>
+            </a:pathLst>
+          </a:custGeom>
+          <a:solidFill>
+            <a:srgbClr val="42AF51"/>
+          </a:solidFill>
+        </p:spPr>
+        <p:txBody>
+          <a:bodyPr bIns="0" lIns="0" rIns="0" rtlCol="0" tIns="0" wrap="square"/>
+          <a:p/>
+        </p:txBody>
+      </p:sp>
+      <p:sp>
+        <p:nvSpPr>
+          <p:cNvPr id="1048659" name="object 4"/>
+          <p:cNvSpPr/>
+          <p:nvPr/>
+        </p:nvSpPr>
+        <p:spPr>
+          <a:xfrm>
+            <a:off x="6696075" y="1695450"/>
+            <a:ext cx="314325" cy="323850"/>
+          </a:xfrm>
+          <a:custGeom>
+            <a:avLst/>
+            <a:ahLst/>
+            <a:rect l="l" t="t" r="r" b="b"/>
+            <a:pathLst>
+              <a:path w="314325" h="323850">
+                <a:moveTo>
+                  <a:pt x="314325" y="0"/>
+                </a:moveTo>
+                <a:lnTo>
+                  <a:pt x="0" y="0"/>
+                </a:lnTo>
+                <a:lnTo>
+                  <a:pt x="0" y="323850"/>
+                </a:lnTo>
+                <a:lnTo>
+                  <a:pt x="314325" y="323850"/>
+                </a:lnTo>
+                <a:lnTo>
+                  <a:pt x="314325" y="0"/>
+                </a:lnTo>
+                <a:close/>
+              </a:path>
+            </a:pathLst>
+          </a:custGeom>
+          <a:solidFill>
+            <a:srgbClr val="2D83C3"/>
+          </a:solidFill>
+        </p:spPr>
+        <p:txBody>
+          <a:bodyPr bIns="0" lIns="0" rIns="0" rtlCol="0" tIns="0" wrap="square"/>
+          <a:p/>
+        </p:txBody>
+      </p:sp>
+      <p:sp>
+        <p:nvSpPr>
+          <p:cNvPr id="1048660" name="object 5"/>
+          <p:cNvSpPr/>
+          <p:nvPr/>
+        </p:nvSpPr>
+        <p:spPr>
+          <a:xfrm>
+            <a:off x="9353550" y="5895975"/>
+            <a:ext cx="180975" cy="180975"/>
+          </a:xfrm>
+          <a:custGeom>
+            <a:avLst/>
+            <a:ahLst/>
+            <a:rect l="l" t="t" r="r" b="b"/>
+            <a:pathLst>
+              <a:path w="180975" h="180975">
+                <a:moveTo>
+                  <a:pt x="180975" y="0"/>
+                </a:moveTo>
+                <a:lnTo>
+                  <a:pt x="0" y="0"/>
+                </a:lnTo>
+                <a:lnTo>
+                  <a:pt x="0" y="180975"/>
+                </a:lnTo>
+                <a:lnTo>
+                  <a:pt x="180975" y="180975"/>
+                </a:lnTo>
+                <a:lnTo>
+                  <a:pt x="180975" y="0"/>
+                </a:lnTo>
+                <a:close/>
+              </a:path>
+            </a:pathLst>
+          </a:custGeom>
+          <a:solidFill>
+            <a:srgbClr val="2D936B"/>
+          </a:solidFill>
+        </p:spPr>
+        <p:txBody>
+          <a:bodyPr bIns="0" lIns="0" rIns="0" rtlCol="0" tIns="0" wrap="square"/>
+          <a:p/>
+        </p:txBody>
+      </p:sp>
+      <p:sp>
+        <p:nvSpPr>
+          <p:cNvPr id="1048661" name="object 6"/>
           <p:cNvSpPr txBox="1">
             <a:spLocks noGrp="1"/>
           </p:cNvSpPr>
@@ -8316,13 +8278,13 @@
         </p:nvSpPr>
         <p:spPr>
           <a:xfrm>
-            <a:off x="739775" y="654938"/>
-            <a:ext cx="8480425" cy="600710"/>
+            <a:off x="558165" y="857885"/>
+            <a:ext cx="9763125" cy="546736"/>
           </a:xfrm>
           <a:prstGeom prst="rect"/>
         </p:spPr>
         <p:txBody>
-          <a:bodyPr bIns="0" lIns="0" rIns="0" rtlCol="0" tIns="16510" vert="horz" wrap="square">
+          <a:bodyPr bIns="0" lIns="0" rIns="0" rtlCol="0" tIns="13335" vert="horz" wrap="square">
             <a:spAutoFit/>
           </a:bodyPr>
           <a:p>
@@ -8331,27 +8293,175 @@
                 <a:spcPct val="100000"/>
               </a:lnSpc>
               <a:spcBef>
-                <a:spcPts val="130"/>
+                <a:spcPts val="105"/>
               </a:spcBef>
             </a:pPr>
             <a:r>
-              <a:rPr dirty="0" sz="4250" lang="en-IN" spc="15"/>
-              <a:t>RESULTS AND SCREENSHOTS</a:t>
-            </a:r>
-            <a:endParaRPr dirty="0" sz="4250"/>
+              <a:rPr dirty="0" sz="3600" lang="en-IN" spc="10"/>
+              <a:t>TOOLS AND TECHNIQUES</a:t>
+            </a:r>
+            <a:endParaRPr dirty="0" sz="3600"/>
           </a:p>
         </p:txBody>
       </p:sp>
-      <p:sp>
-        <p:nvSpPr>
-          <p:cNvPr id="1048677" name="object 8"/>
+      <p:pic>
+        <p:nvPicPr>
+          <p:cNvPr id="2097164" name="object 7"/>
+          <p:cNvPicPr>
+            <a:picLocks/>
+          </p:cNvPicPr>
+          <p:nvPr/>
+        </p:nvPicPr>
+        <p:blipFill>
+          <a:blip xmlns:r="http://schemas.openxmlformats.org/officeDocument/2006/relationships" r:embed="rId2" cstate="print"/>
+          <a:stretch>
+            <a:fillRect/>
+          </a:stretch>
+        </p:blipFill>
+        <p:spPr>
+          <a:xfrm>
+            <a:off x="676275" y="6467475"/>
+            <a:ext cx="2143125" cy="200025"/>
+          </a:xfrm>
+          <a:prstGeom prst="rect"/>
+        </p:spPr>
+      </p:pic>
+      <p:sp>
+        <p:nvSpPr>
+          <p:cNvPr id="1048662" name="object 9"/>
+          <p:cNvSpPr txBox="1">
+            <a:spLocks noGrp="1"/>
+          </p:cNvSpPr>
+          <p:nvPr>
+            <p:ph type="sldNum" sz="quarter" idx="7"/>
+          </p:nvPr>
+        </p:nvSpPr>
+        <p:spPr>
+          <a:prstGeom prst="rect"/>
+        </p:spPr>
+        <p:txBody>
+          <a:bodyPr bIns="0" lIns="0" rIns="0" rtlCol="0" tIns="6985" vert="horz" wrap="square">
+            <a:spAutoFit/>
+          </a:bodyPr>
+          <a:p>
+            <a:pPr marL="38100">
+              <a:lnSpc>
+                <a:spcPct val="100000"/>
+              </a:lnSpc>
+              <a:spcBef>
+                <a:spcPts val="55"/>
+              </a:spcBef>
+            </a:pPr>
+            <a:fld id="{81D60167-4931-47E6-BA6A-407CBD079E47}" type="slidenum">
+              <a:rPr dirty="0" spc="10"/>
+              <a:t>7</a:t>
+            </a:fld>
+            <a:endParaRPr dirty="0" spc="10"/>
+          </a:p>
+        </p:txBody>
+      </p:sp>
+    </p:spTree>
+  </p:cSld>
+  <p:clrMapOvr>
+    <a:masterClrMapping/>
+  </p:clrMapOvr>
+</p:sld>
+</file>
+
+<file path=ppt/slides/slide8.xml><?xml version="1.0" encoding="utf-8"?>
+<p:sld xmlns:a="http://schemas.openxmlformats.org/drawingml/2006/main" xmlns:r="http://schemas.openxmlformats.org/officeDocument/2006/relationships" xmlns:p="http://schemas.openxmlformats.org/presentationml/2006/main">
+  <p:cSld>
+    <p:spTree>
+      <p:nvGrpSpPr>
+        <p:cNvPr id="37" name=""/>
+        <p:cNvGrpSpPr/>
+        <p:nvPr/>
+      </p:nvGrpSpPr>
+      <p:grpSpPr>
+        <a:xfrm>
+          <a:off x="0" y="0"/>
+          <a:ext cx="0" cy="0"/>
+          <a:chOff x="0" y="0"/>
+          <a:chExt cx="0" cy="0"/>
+        </a:xfrm>
+      </p:grpSpPr>
+      <p:sp>
+        <p:nvSpPr>
+          <p:cNvPr id="1048663" name="object 5"/>
+          <p:cNvSpPr/>
+          <p:nvPr/>
+        </p:nvSpPr>
+        <p:spPr>
+          <a:xfrm>
+            <a:off x="9353550" y="5895975"/>
+            <a:ext cx="180975" cy="180975"/>
+          </a:xfrm>
+          <a:custGeom>
+            <a:avLst/>
+            <a:ahLst/>
+            <a:rect l="l" t="t" r="r" b="b"/>
+            <a:pathLst>
+              <a:path w="180975" h="180975">
+                <a:moveTo>
+                  <a:pt x="180975" y="0"/>
+                </a:moveTo>
+                <a:lnTo>
+                  <a:pt x="0" y="0"/>
+                </a:lnTo>
+                <a:lnTo>
+                  <a:pt x="0" y="180975"/>
+                </a:lnTo>
+                <a:lnTo>
+                  <a:pt x="180975" y="180975"/>
+                </a:lnTo>
+                <a:lnTo>
+                  <a:pt x="180975" y="0"/>
+                </a:lnTo>
+                <a:close/>
+              </a:path>
+            </a:pathLst>
+          </a:custGeom>
+          <a:solidFill>
+            <a:srgbClr val="2D936B"/>
+          </a:solidFill>
+        </p:spPr>
+        <p:txBody>
+          <a:bodyPr bIns="0" lIns="0" rIns="0" rtlCol="0" tIns="0" wrap="square"/>
+          <a:p/>
+        </p:txBody>
+      </p:sp>
+      <p:pic>
+        <p:nvPicPr>
+          <p:cNvPr id="2097165" name="object 6"/>
+          <p:cNvPicPr>
+            <a:picLocks/>
+          </p:cNvPicPr>
+          <p:nvPr/>
+        </p:nvPicPr>
+        <p:blipFill>
+          <a:blip xmlns:r="http://schemas.openxmlformats.org/officeDocument/2006/relationships" r:embed="rId1" cstate="print"/>
+          <a:stretch>
+            <a:fillRect/>
+          </a:stretch>
+        </p:blipFill>
+        <p:spPr>
+          <a:xfrm>
+            <a:off x="1666875" y="6467475"/>
+            <a:ext cx="76200" cy="177800"/>
+          </a:xfrm>
+          <a:prstGeom prst="rect"/>
+        </p:spPr>
+      </p:pic>
+      <p:sp>
+        <p:nvSpPr>
+          <p:cNvPr id="1048664" name="object 9"/>
           <p:cNvSpPr txBox="1"/>
           <p:nvPr/>
         </p:nvSpPr>
         <p:spPr>
           <a:xfrm>
             <a:off x="11277218" y="6473337"/>
-            <a:ext cx="228600" cy="159385"/>
+            <a:ext cx="228600" cy="191770"/>
           </a:xfrm>
           <a:prstGeom prst="rect"/>
         </p:spPr>
@@ -8376,7 +8486,7 @@
                 <a:latin typeface="Trebuchet MS"/>
                 <a:cs typeface="Trebuchet MS"/>
               </a:rPr>
-              <a:t>9</a:t>
+              <a:t>8</a:t>
             </a:fld>
             <a:endParaRPr sz="1100">
               <a:latin typeface="Trebuchet MS"/>
@@ -8387,329 +8497,184 @@
       </p:sp>
       <p:sp>
         <p:nvSpPr>
-          <p:cNvPr id="1048678" name="TextBox 8"/>
+          <p:cNvPr id="1048665" name="object 8"/>
           <p:cNvSpPr txBox="1"/>
           <p:nvPr/>
         </p:nvSpPr>
         <p:spPr>
           <a:xfrm>
-            <a:off x="2743200" y="2354703"/>
-            <a:ext cx="8534018" cy="878840"/>
+            <a:off x="739775" y="291147"/>
+            <a:ext cx="8794750" cy="629018"/>
           </a:xfrm>
           <a:prstGeom prst="rect"/>
-          <a:noFill/>
+        </p:spPr>
+        <p:txBody>
+          <a:bodyPr bIns="0" lIns="0" rIns="0" rtlCol="0" tIns="13335" vert="horz" wrap="square">
+            <a:spAutoFit/>
+          </a:bodyPr>
+          <a:p>
+            <a:pPr marL="12700">
+              <a:lnSpc>
+                <a:spcPct val="100000"/>
+              </a:lnSpc>
+              <a:spcBef>
+                <a:spcPts val="105"/>
+              </a:spcBef>
+            </a:pPr>
+            <a:r>
+              <a:rPr b="1" dirty="0" sz="4000" lang="en-IN" spc="15">
+                <a:latin typeface="Trebuchet MS"/>
+                <a:cs typeface="Trebuchet MS"/>
+              </a:rPr>
+              <a:t>POTFOLIO DESIGN AND LAYOUT</a:t>
+            </a:r>
+            <a:endParaRPr dirty="0" sz="4000">
+              <a:latin typeface="Trebuchet MS"/>
+              <a:cs typeface="Trebuchet MS"/>
+            </a:endParaRPr>
+          </a:p>
+        </p:txBody>
+      </p:sp>
+      <p:sp>
+        <p:nvSpPr>
+          <p:cNvPr id="1048666" name="object 3"/>
+          <p:cNvSpPr/>
+          <p:nvPr/>
+        </p:nvSpPr>
+        <p:spPr>
+          <a:xfrm>
+            <a:off x="10058400" y="525141"/>
+            <a:ext cx="457200" cy="457200"/>
+          </a:xfrm>
+          <a:custGeom>
+            <a:avLst/>
+            <a:ahLst/>
+            <a:rect l="l" t="t" r="r" b="b"/>
+            <a:pathLst>
+              <a:path w="457200" h="457200">
+                <a:moveTo>
+                  <a:pt x="457200" y="0"/>
+                </a:moveTo>
+                <a:lnTo>
+                  <a:pt x="0" y="0"/>
+                </a:lnTo>
+                <a:lnTo>
+                  <a:pt x="0" y="457200"/>
+                </a:lnTo>
+                <a:lnTo>
+                  <a:pt x="457200" y="457200"/>
+                </a:lnTo>
+                <a:lnTo>
+                  <a:pt x="457200" y="0"/>
+                </a:lnTo>
+                <a:close/>
+              </a:path>
+            </a:pathLst>
+          </a:custGeom>
+          <a:solidFill>
+            <a:srgbClr val="42AF51"/>
+          </a:solidFill>
+        </p:spPr>
+        <p:txBody>
+          <a:bodyPr bIns="0" lIns="0" rIns="0" rtlCol="0" tIns="0" wrap="square"/>
+          <a:p/>
+        </p:txBody>
+      </p:sp>
+      <p:sp>
+        <p:nvSpPr>
+          <p:cNvPr id="1048705" name=""/>
+          <p:cNvSpPr txBox="1"/>
+          <p:nvPr/>
+        </p:nvSpPr>
+        <p:spPr>
+          <a:xfrm>
+            <a:off x="739774" y="1415474"/>
+            <a:ext cx="7429499" cy="3444240"/>
+          </a:xfrm>
+          <a:prstGeom prst="rect"/>
         </p:spPr>
         <p:txBody>
           <a:bodyPr rtlCol="0" wrap="square">
             <a:spAutoFit/>
           </a:bodyPr>
           <a:p>
-            <a:pPr algn="l">
-              <a:buFont typeface="Arial" panose="020B0604020202020204" pitchFamily="34" charset="0"/>
-              <a:buChar char="•"/>
-            </a:pPr>
-            <a:endParaRPr b="0" dirty="0" sz="2800" i="0" lang="en-US">
+            <a:r>
+              <a:rPr sz="2800" lang="en-US">
+                <a:solidFill>
+                  <a:srgbClr val="000000"/>
+                </a:solidFill>
+              </a:rPr>
+              <a:t>Cybersecurity tools and techniques include firewalls, intrusion detection systems, encryption, and penetration testing to protect networks and systems from cyber threats. Additional techniques involve threat intelligence, incident response, and security information and event management (SIEM) to detect and respond to security incidents.</a:t>
+            </a:r>
+            <a:endParaRPr sz="2800" lang="en-US">
               <a:solidFill>
-                <a:srgbClr val="0D0D0D"/>
+                <a:srgbClr val="000000"/>
               </a:solidFill>
-              <a:effectLst/>
-              <a:latin typeface="Times New Roman" panose="02020603050405020304" pitchFamily="18" charset="0"/>
-              <a:cs typeface="Times New Roman" panose="02020603050405020304" pitchFamily="18" charset="0"/>
             </a:endParaRPr>
           </a:p>
+        </p:txBody>
+      </p:sp>
+    </p:spTree>
+  </p:cSld>
+  <p:clrMapOvr>
+    <a:masterClrMapping/>
+  </p:clrMapOvr>
+</p:sld>
+</file>
+
+<file path=ppt/slides/slide9.xml><?xml version="1.0" encoding="utf-8"?>
+<p:sld xmlns:a="http://schemas.openxmlformats.org/drawingml/2006/main" xmlns:r="http://schemas.openxmlformats.org/officeDocument/2006/relationships" xmlns:p="http://schemas.openxmlformats.org/presentationml/2006/main">
+  <p:cSld>
+    <p:spTree>
+      <p:nvGrpSpPr>
+        <p:cNvPr id="38" name=""/>
+        <p:cNvGrpSpPr/>
+        <p:nvPr/>
+      </p:nvGrpSpPr>
+      <p:grpSpPr>
+        <a:xfrm>
+          <a:off x="0" y="0"/>
+          <a:ext cx="0" cy="0"/>
+          <a:chOff x="0" y="0"/>
+          <a:chExt cx="0" cy="0"/>
+        </a:xfrm>
+      </p:grpSpPr>
+      <p:sp>
+        <p:nvSpPr>
+          <p:cNvPr id="1048667" name="Title 1"/>
+          <p:cNvSpPr>
+            <a:spLocks noGrp="1"/>
+          </p:cNvSpPr>
+          <p:nvPr>
+            <p:ph type="title"/>
+          </p:nvPr>
+        </p:nvSpPr>
+        <p:spPr>
+          <a:xfrm>
+            <a:off x="755332" y="385444"/>
+            <a:ext cx="10681335" cy="723901"/>
+          </a:xfrm>
+        </p:spPr>
+        <p:txBody>
+          <a:bodyPr/>
           <a:p>
-            <a:endParaRPr dirty="0" sz="2800" lang="en-IN">
-              <a:latin typeface="Times New Roman" panose="02020603050405020304" pitchFamily="18" charset="0"/>
-              <a:cs typeface="Times New Roman" panose="02020603050405020304" pitchFamily="18" charset="0"/>
-            </a:endParaRPr>
+            <a:r>
+              <a:rPr dirty="0" lang="en-IN"/>
+              <a:t>FEATURES AND FUNCTIONALITY</a:t>
+            </a:r>
           </a:p>
         </p:txBody>
       </p:sp>
       <p:sp>
         <p:nvSpPr>
-          <p:cNvPr id="1048679" name="TextBox 8"/>
+          <p:cNvPr id="1048707" name="TextBox 8"/>
           <p:cNvSpPr txBox="1"/>
           <p:nvPr/>
         </p:nvSpPr>
         <p:spPr>
           <a:xfrm>
-            <a:off x="2598882" y="1857375"/>
-            <a:ext cx="9923910" cy="5209540"/>
-          </a:xfrm>
-          <a:prstGeom prst="rect"/>
-          <a:noFill/>
-        </p:spPr>
-        <p:txBody>
-          <a:bodyPr rtlCol="0" wrap="square">
-            <a:spAutoFit/>
-          </a:bodyPr>
-          <a:lstStyle>
-            <a:defPPr>
-              <a:defRPr lang="en-US"/>
-            </a:defPPr>
-            <a:lvl1pPr algn="l" defTabSz="914400" eaLnBrk="1" hangingPunct="1" latinLnBrk="0" marL="0" rtl="0">
-              <a:defRPr sz="1800" kern="1200">
-                <a:solidFill>
-                  <a:srgbClr val="000000"/>
-                </a:solidFill>
-                <a:latin typeface="+mn-lt"/>
-                <a:ea typeface="+mn-ea"/>
-                <a:cs typeface="+mn-cs"/>
-              </a:defRPr>
-            </a:lvl1pPr>
-            <a:lvl2pPr algn="l" defTabSz="914400" eaLnBrk="1" hangingPunct="1" latinLnBrk="0" marL="457200" rtl="0">
-              <a:defRPr sz="1800" kern="1200">
-                <a:solidFill>
-                  <a:srgbClr val="000000"/>
-                </a:solidFill>
-                <a:latin typeface="+mn-lt"/>
-                <a:ea typeface="+mn-ea"/>
-                <a:cs typeface="+mn-cs"/>
-              </a:defRPr>
-            </a:lvl2pPr>
-            <a:lvl3pPr algn="l" defTabSz="914400" eaLnBrk="1" hangingPunct="1" latinLnBrk="0" marL="914400" rtl="0">
-              <a:defRPr sz="1800" kern="1200">
-                <a:solidFill>
-                  <a:srgbClr val="000000"/>
-                </a:solidFill>
-                <a:latin typeface="+mn-lt"/>
-                <a:ea typeface="+mn-ea"/>
-                <a:cs typeface="+mn-cs"/>
-              </a:defRPr>
-            </a:lvl3pPr>
-            <a:lvl4pPr algn="l" defTabSz="914400" eaLnBrk="1" hangingPunct="1" latinLnBrk="0" marL="1371600" rtl="0">
-              <a:defRPr sz="1800" kern="1200">
-                <a:solidFill>
-                  <a:srgbClr val="000000"/>
-                </a:solidFill>
-                <a:latin typeface="+mn-lt"/>
-                <a:ea typeface="+mn-ea"/>
-                <a:cs typeface="+mn-cs"/>
-              </a:defRPr>
-            </a:lvl4pPr>
-            <a:lvl5pPr algn="l" defTabSz="914400" eaLnBrk="1" hangingPunct="1" latinLnBrk="0" marL="1828800" rtl="0">
-              <a:defRPr sz="1800" kern="1200">
-                <a:solidFill>
-                  <a:srgbClr val="000000"/>
-                </a:solidFill>
-                <a:latin typeface="+mn-lt"/>
-                <a:ea typeface="+mn-ea"/>
-                <a:cs typeface="+mn-cs"/>
-              </a:defRPr>
-            </a:lvl5pPr>
-            <a:lvl6pPr algn="l" defTabSz="914400" eaLnBrk="1" hangingPunct="1" latinLnBrk="0" marL="2286000" rtl="0">
-              <a:defRPr sz="1800" kern="1200">
-                <a:solidFill>
-                  <a:srgbClr val="000000"/>
-                </a:solidFill>
-                <a:latin typeface="+mn-lt"/>
-                <a:ea typeface="+mn-ea"/>
-                <a:cs typeface="+mn-cs"/>
-              </a:defRPr>
-            </a:lvl6pPr>
-            <a:lvl7pPr algn="l" defTabSz="914400" eaLnBrk="1" hangingPunct="1" latinLnBrk="0" marL="2743200" rtl="0">
-              <a:defRPr sz="1800" kern="1200">
-                <a:solidFill>
-                  <a:srgbClr val="000000"/>
-                </a:solidFill>
-                <a:latin typeface="+mn-lt"/>
-                <a:ea typeface="+mn-ea"/>
-                <a:cs typeface="+mn-cs"/>
-              </a:defRPr>
-            </a:lvl7pPr>
-            <a:lvl8pPr algn="l" defTabSz="914400" eaLnBrk="1" hangingPunct="1" latinLnBrk="0" marL="3200400" rtl="0">
-              <a:defRPr sz="1800" kern="1200">
-                <a:solidFill>
-                  <a:srgbClr val="000000"/>
-                </a:solidFill>
-                <a:latin typeface="+mn-lt"/>
-                <a:ea typeface="+mn-ea"/>
-                <a:cs typeface="+mn-cs"/>
-              </a:defRPr>
-            </a:lvl8pPr>
-            <a:lvl9pPr algn="l" defTabSz="914400" eaLnBrk="1" hangingPunct="1" latinLnBrk="0" marL="3657600" rtl="0">
-              <a:defRPr sz="1800" kern="1200">
-                <a:solidFill>
-                  <a:srgbClr val="000000"/>
-                </a:solidFill>
-                <a:latin typeface="+mn-lt"/>
-                <a:ea typeface="+mn-ea"/>
-                <a:cs typeface="+mn-cs"/>
-              </a:defRPr>
-            </a:lvl9pPr>
-          </a:lstStyle>
-          <a:p>
-            <a:r>
-              <a:rPr altLang="en-IN" b="0" dirty="0" sz="2800" i="0" lang="en-US">
-                <a:solidFill>
-                  <a:srgbClr val="0D0D0D"/>
-                </a:solidFill>
-                <a:effectLst/>
-                <a:latin typeface="Times New Roman" panose="02020603050405020304" pitchFamily="18" charset="0"/>
-                <a:cs typeface="Times New Roman" panose="02020603050405020304" pitchFamily="18" charset="0"/>
-              </a:rPr>
-              <a:t>C</a:t>
-            </a:r>
-            <a:r>
-              <a:rPr altLang="en-IN" dirty="0" sz="2800" lang="en-US">
-                <a:latin typeface="Times New Roman" panose="02020603050405020304" pitchFamily="18" charset="0"/>
-                <a:cs typeface="Times New Roman" panose="02020603050405020304" pitchFamily="18" charset="0"/>
-              </a:rPr>
-              <a:t>ommon Screens</a:t>
-            </a:r>
-            <a:endParaRPr dirty="0" sz="2800" lang="en-IN">
-              <a:latin typeface="Times New Roman" panose="02020603050405020304" pitchFamily="18" charset="0"/>
-              <a:cs typeface="Times New Roman" panose="02020603050405020304" pitchFamily="18" charset="0"/>
-            </a:endParaRPr>
-          </a:p>
-          <a:p>
-            <a:r>
-              <a:rPr altLang="en-IN" dirty="0" sz="2800" lang="en-US">
-                <a:latin typeface="Times New Roman" panose="02020603050405020304" pitchFamily="18" charset="0"/>
-                <a:cs typeface="Times New Roman" panose="02020603050405020304" pitchFamily="18" charset="0"/>
-              </a:rPr>
-              <a:t>1. *Homepage*: Entry point, often showcases key content/products.</a:t>
-            </a:r>
-            <a:endParaRPr dirty="0" sz="2800" lang="en-IN">
-              <a:latin typeface="Times New Roman" panose="02020603050405020304" pitchFamily="18" charset="0"/>
-              <a:cs typeface="Times New Roman" panose="02020603050405020304" pitchFamily="18" charset="0"/>
-            </a:endParaRPr>
-          </a:p>
-          <a:p>
-            <a:r>
-              <a:rPr altLang="en-IN" dirty="0" sz="2800" lang="en-US">
-                <a:latin typeface="Times New Roman" panose="02020603050405020304" pitchFamily="18" charset="0"/>
-                <a:cs typeface="Times New Roman" panose="02020603050405020304" pitchFamily="18" charset="0"/>
-              </a:rPr>
-              <a:t>2. *Product Page*: Details of a product (e-commerce).</a:t>
-            </a:r>
-            <a:endParaRPr dirty="0" sz="2800" lang="en-IN">
-              <a:latin typeface="Times New Roman" panose="02020603050405020304" pitchFamily="18" charset="0"/>
-              <a:cs typeface="Times New Roman" panose="02020603050405020304" pitchFamily="18" charset="0"/>
-            </a:endParaRPr>
-          </a:p>
-          <a:p>
-            <a:r>
-              <a:rPr altLang="en-IN" dirty="0" sz="2800" lang="en-US">
-                <a:latin typeface="Times New Roman" panose="02020603050405020304" pitchFamily="18" charset="0"/>
-                <a:cs typeface="Times New Roman" panose="02020603050405020304" pitchFamily="18" charset="0"/>
-              </a:rPr>
-              <a:t>3. *Login/Register*: User authentication screens.</a:t>
-            </a:r>
-            <a:endParaRPr dirty="0" sz="2800" lang="en-IN">
-              <a:latin typeface="Times New Roman" panose="02020603050405020304" pitchFamily="18" charset="0"/>
-              <a:cs typeface="Times New Roman" panose="02020603050405020304" pitchFamily="18" charset="0"/>
-            </a:endParaRPr>
-          </a:p>
-          <a:p>
-            <a:r>
-              <a:rPr altLang="en-IN" dirty="0" sz="2800" lang="en-US">
-                <a:latin typeface="Times New Roman" panose="02020603050405020304" pitchFamily="18" charset="0"/>
-                <a:cs typeface="Times New Roman" panose="02020603050405020304" pitchFamily="18" charset="0"/>
-              </a:rPr>
-              <a:t>4. *Dashboard*: User-specific area post-login.</a:t>
-            </a:r>
-            <a:endParaRPr dirty="0" sz="2800" lang="en-IN">
-              <a:latin typeface="Times New Roman" panose="02020603050405020304" pitchFamily="18" charset="0"/>
-              <a:cs typeface="Times New Roman" panose="02020603050405020304" pitchFamily="18" charset="0"/>
-            </a:endParaRPr>
-          </a:p>
-          <a:p>
-            <a:r>
-              <a:rPr altLang="en-IN" dirty="0" sz="2800" lang="en-US">
-                <a:latin typeface="Times New Roman" panose="02020603050405020304" pitchFamily="18" charset="0"/>
-                <a:cs typeface="Times New Roman" panose="02020603050405020304" pitchFamily="18" charset="0"/>
-              </a:rPr>
-              <a:t>5. *Contact/About*: Info about company/person.</a:t>
-            </a:r>
-            <a:endParaRPr dirty="0" sz="2800" lang="en-IN">
-              <a:latin typeface="Times New Roman" panose="02020603050405020304" pitchFamily="18" charset="0"/>
-              <a:cs typeface="Times New Roman" panose="02020603050405020304" pitchFamily="18" charset="0"/>
-            </a:endParaRPr>
-          </a:p>
-          <a:p>
-            <a:r>
-              <a:rPr altLang="en-IN" dirty="0" sz="2800" lang="en-US">
-                <a:latin typeface="Times New Roman" panose="02020603050405020304" pitchFamily="18" charset="0"/>
-                <a:cs typeface="Times New Roman" panose="02020603050405020304" pitchFamily="18" charset="0"/>
-              </a:rPr>
-              <a:t>Key Results</a:t>
-            </a:r>
-            <a:endParaRPr dirty="0" sz="2800" lang="en-IN">
-              <a:latin typeface="Times New Roman" panose="02020603050405020304" pitchFamily="18" charset="0"/>
-              <a:cs typeface="Times New Roman" panose="02020603050405020304" pitchFamily="18" charset="0"/>
-            </a:endParaRPr>
-          </a:p>
-          <a:p>
-            <a:r>
-              <a:rPr altLang="en-IN" dirty="0" sz="2800" lang="en-US">
-                <a:latin typeface="Times New Roman" panose="02020603050405020304" pitchFamily="18" charset="0"/>
-                <a:cs typeface="Times New Roman" panose="02020603050405020304" pitchFamily="18" charset="0"/>
-              </a:rPr>
-              <a:t>1. *Responsive Layouts*: Adapt to various screen sizes.</a:t>
-            </a:r>
-            <a:endParaRPr dirty="0" sz="2800" lang="en-IN">
-              <a:latin typeface="Times New Roman" panose="02020603050405020304" pitchFamily="18" charset="0"/>
-              <a:cs typeface="Times New Roman" panose="02020603050405020304" pitchFamily="18" charset="0"/>
-            </a:endParaRPr>
-          </a:p>
-          <a:p>
-            <a:r>
-              <a:rPr altLang="en-IN" dirty="0" sz="2800" lang="en-US">
-                <a:latin typeface="Times New Roman" panose="02020603050405020304" pitchFamily="18" charset="0"/>
-                <a:cs typeface="Times New Roman" panose="02020603050405020304" pitchFamily="18" charset="0"/>
-              </a:rPr>
-              <a:t>2. *Interactive Elements*: Buttons, forms reacting to user actions.</a:t>
-            </a:r>
-            <a:endParaRPr dirty="0" sz="2800" lang="en-IN">
-              <a:latin typeface="Times New Roman" panose="02020603050405020304" pitchFamily="18" charset="0"/>
-              <a:cs typeface="Times New Roman" panose="02020603050405020304" pitchFamily="18" charset="0"/>
-            </a:endParaRPr>
-          </a:p>
-          <a:p>
-            <a:r>
-              <a:rPr altLang="en-IN" dirty="0" sz="2800" lang="en-US">
-                <a:latin typeface="Times New Roman" panose="02020603050405020304" pitchFamily="18" charset="0"/>
-                <a:cs typeface="Times New Roman" panose="02020603050405020304" pitchFamily="18" charset="0"/>
-              </a:rPr>
-              <a:t>3. *Dynamic Content*: Updates without full page reload (AJAX, APIs).</a:t>
-            </a:r>
-            <a:endParaRPr dirty="0" sz="2800" lang="en-IN">
-              <a:latin typeface="Times New Roman" panose="02020603050405020304" pitchFamily="18" charset="0"/>
-              <a:cs typeface="Times New Roman" panose="02020603050405020304" pitchFamily="18" charset="0"/>
-            </a:endParaRPr>
-          </a:p>
-          <a:p>
-            <a:r>
-              <a:rPr altLang="en-IN" dirty="0" sz="2800" lang="en-US">
-                <a:latin typeface="Times New Roman" panose="02020603050405020304" pitchFamily="18" charset="0"/>
-                <a:cs typeface="Times New Roman" panose="02020603050405020304" pitchFamily="18" charset="0"/>
-              </a:rPr>
-              <a:t>4. *User Feedback*: Notifications, success/error messages.</a:t>
-            </a:r>
-            <a:endParaRPr dirty="0" sz="2800" lang="en-IN">
-              <a:latin typeface="Times New Roman" panose="02020603050405020304" pitchFamily="18" charset="0"/>
-              <a:cs typeface="Times New Roman" panose="02020603050405020304" pitchFamily="18" charset="0"/>
-            </a:endParaRPr>
-          </a:p>
-          <a:p>
-            <a:endParaRPr dirty="0" sz="2800" lang="en-IN">
-              <a:latin typeface="Times New Roman" panose="02020603050405020304" pitchFamily="18" charset="0"/>
-              <a:cs typeface="Times New Roman" panose="02020603050405020304" pitchFamily="18" charset="0"/>
-            </a:endParaRPr>
-          </a:p>
-        </p:txBody>
-      </p:sp>
-      <p:sp>
-        <p:nvSpPr>
-          <p:cNvPr id="1048680" name="TextBox 8"/>
-          <p:cNvSpPr txBox="1"/>
-          <p:nvPr/>
-        </p:nvSpPr>
-        <p:spPr>
-          <a:xfrm>
-            <a:off x="3109430" y="3428999"/>
-            <a:ext cx="10555679" cy="878840"/>
+            <a:off x="755331" y="1349085"/>
+            <a:ext cx="8534018" cy="3025140"/>
           </a:xfrm>
           <a:prstGeom prst="rect"/>
           <a:noFill/>
@@ -8818,17 +8783,22 @@
               <a:buFont typeface="Arial" panose="020B0604020202020204" pitchFamily="34" charset="0"/>
               <a:buChar char="•"/>
             </a:pPr>
+            <a:r>
+              <a:rPr b="0" dirty="0" sz="2800" i="0" lang="en-US">
+                <a:solidFill>
+                  <a:srgbClr val="0D0D0D"/>
+                </a:solidFill>
+                <a:effectLst/>
+                <a:latin typeface="Times New Roman" panose="02020603050405020304" pitchFamily="18" charset="0"/>
+                <a:cs typeface="Times New Roman" panose="02020603050405020304" pitchFamily="18" charset="0"/>
+              </a:rPr>
+              <a:t>Cybersecurity features and functionality include threat detection, incident response, encryption, access control, and vulnerability management to protect digital assets. These capabilities enable real-time monitoring, alerting, and mitigation of security threats, ensuring confidentiality, integrity, and availability of sensitive data.</a:t>
+            </a:r>
             <a:endParaRPr b="0" dirty="0" sz="2800" i="0" lang="en-US">
               <a:solidFill>
                 <a:srgbClr val="0D0D0D"/>
               </a:solidFill>
               <a:effectLst/>
-              <a:latin typeface="Times New Roman" panose="02020603050405020304" pitchFamily="18" charset="0"/>
-              <a:cs typeface="Times New Roman" panose="02020603050405020304" pitchFamily="18" charset="0"/>
-            </a:endParaRPr>
-          </a:p>
-          <a:p>
-            <a:endParaRPr dirty="0" sz="2800" lang="en-IN">
               <a:latin typeface="Times New Roman" panose="02020603050405020304" pitchFamily="18" charset="0"/>
               <a:cs typeface="Times New Roman" panose="02020603050405020304" pitchFamily="18" charset="0"/>
             </a:endParaRPr>
